--- a/Data Structures Parts and Terms.pptx
+++ b/Data Structures Parts and Terms.pptx
@@ -6,10 +6,11 @@
   </p:sldMasterIdLst>
   <p:sldIdLst>
     <p:sldId id="276" r:id="rId2"/>
-    <p:sldId id="274" r:id="rId3"/>
-    <p:sldId id="256" r:id="rId4"/>
-    <p:sldId id="275" r:id="rId5"/>
-    <p:sldId id="279" r:id="rId6"/>
+    <p:sldId id="280" r:id="rId3"/>
+    <p:sldId id="274" r:id="rId4"/>
+    <p:sldId id="256" r:id="rId5"/>
+    <p:sldId id="275" r:id="rId6"/>
+    <p:sldId id="279" r:id="rId7"/>
   </p:sldIdLst>
   <p:sldSz cx="12192000" cy="6858000"/>
   <p:notesSz cx="6858000" cy="9144000"/>
@@ -263,7 +264,7 @@
           <a:p>
             <a:fld id="{06ADBE60-9DBF-4AEC-B933-FFCA020856EA}" type="datetimeFigureOut">
               <a:rPr lang="en-US" smtClean="0"/>
-              <a:t>9/10/2020</a:t>
+              <a:t>9/11/2020</a:t>
             </a:fld>
             <a:endParaRPr lang="en-US"/>
           </a:p>
@@ -461,7 +462,7 @@
           <a:p>
             <a:fld id="{06ADBE60-9DBF-4AEC-B933-FFCA020856EA}" type="datetimeFigureOut">
               <a:rPr lang="en-US" smtClean="0"/>
-              <a:t>9/10/2020</a:t>
+              <a:t>9/11/2020</a:t>
             </a:fld>
             <a:endParaRPr lang="en-US"/>
           </a:p>
@@ -669,7 +670,7 @@
           <a:p>
             <a:fld id="{06ADBE60-9DBF-4AEC-B933-FFCA020856EA}" type="datetimeFigureOut">
               <a:rPr lang="en-US" smtClean="0"/>
-              <a:t>9/10/2020</a:t>
+              <a:t>9/11/2020</a:t>
             </a:fld>
             <a:endParaRPr lang="en-US"/>
           </a:p>
@@ -867,7 +868,7 @@
           <a:p>
             <a:fld id="{06ADBE60-9DBF-4AEC-B933-FFCA020856EA}" type="datetimeFigureOut">
               <a:rPr lang="en-US" smtClean="0"/>
-              <a:t>9/10/2020</a:t>
+              <a:t>9/11/2020</a:t>
             </a:fld>
             <a:endParaRPr lang="en-US"/>
           </a:p>
@@ -1142,7 +1143,7 @@
           <a:p>
             <a:fld id="{06ADBE60-9DBF-4AEC-B933-FFCA020856EA}" type="datetimeFigureOut">
               <a:rPr lang="en-US" smtClean="0"/>
-              <a:t>9/10/2020</a:t>
+              <a:t>9/11/2020</a:t>
             </a:fld>
             <a:endParaRPr lang="en-US"/>
           </a:p>
@@ -1407,7 +1408,7 @@
           <a:p>
             <a:fld id="{06ADBE60-9DBF-4AEC-B933-FFCA020856EA}" type="datetimeFigureOut">
               <a:rPr lang="en-US" smtClean="0"/>
-              <a:t>9/10/2020</a:t>
+              <a:t>9/11/2020</a:t>
             </a:fld>
             <a:endParaRPr lang="en-US"/>
           </a:p>
@@ -1819,7 +1820,7 @@
           <a:p>
             <a:fld id="{06ADBE60-9DBF-4AEC-B933-FFCA020856EA}" type="datetimeFigureOut">
               <a:rPr lang="en-US" smtClean="0"/>
-              <a:t>9/10/2020</a:t>
+              <a:t>9/11/2020</a:t>
             </a:fld>
             <a:endParaRPr lang="en-US"/>
           </a:p>
@@ -1960,7 +1961,7 @@
           <a:p>
             <a:fld id="{06ADBE60-9DBF-4AEC-B933-FFCA020856EA}" type="datetimeFigureOut">
               <a:rPr lang="en-US" smtClean="0"/>
-              <a:t>9/10/2020</a:t>
+              <a:t>9/11/2020</a:t>
             </a:fld>
             <a:endParaRPr lang="en-US"/>
           </a:p>
@@ -2073,7 +2074,7 @@
           <a:p>
             <a:fld id="{06ADBE60-9DBF-4AEC-B933-FFCA020856EA}" type="datetimeFigureOut">
               <a:rPr lang="en-US" smtClean="0"/>
-              <a:t>9/10/2020</a:t>
+              <a:t>9/11/2020</a:t>
             </a:fld>
             <a:endParaRPr lang="en-US"/>
           </a:p>
@@ -2384,7 +2385,7 @@
           <a:p>
             <a:fld id="{06ADBE60-9DBF-4AEC-B933-FFCA020856EA}" type="datetimeFigureOut">
               <a:rPr lang="en-US" smtClean="0"/>
-              <a:t>9/10/2020</a:t>
+              <a:t>9/11/2020</a:t>
             </a:fld>
             <a:endParaRPr lang="en-US"/>
           </a:p>
@@ -2672,7 +2673,7 @@
           <a:p>
             <a:fld id="{06ADBE60-9DBF-4AEC-B933-FFCA020856EA}" type="datetimeFigureOut">
               <a:rPr lang="en-US" smtClean="0"/>
-              <a:t>9/10/2020</a:t>
+              <a:t>9/11/2020</a:t>
             </a:fld>
             <a:endParaRPr lang="en-US"/>
           </a:p>
@@ -2913,7 +2914,7 @@
           <a:p>
             <a:fld id="{06ADBE60-9DBF-4AEC-B933-FFCA020856EA}" type="datetimeFigureOut">
               <a:rPr lang="en-US" smtClean="0"/>
-              <a:t>9/10/2020</a:t>
+              <a:t>9/11/2020</a:t>
             </a:fld>
             <a:endParaRPr lang="en-US"/>
           </a:p>
@@ -3412,49 +3413,12 @@
           </a:p>
         </p:txBody>
       </p:sp>
-      <p:cxnSp>
-        <p:nvCxnSpPr>
-          <p:cNvPr id="5" name="Straight Connector 4">
-            <a:extLst>
-              <a:ext uri="{FF2B5EF4-FFF2-40B4-BE49-F238E27FC236}">
-                <a16:creationId xmlns:a16="http://schemas.microsoft.com/office/drawing/2014/main" id="{137595DA-6D53-45A0-9254-830836053E7D}"/>
-              </a:ext>
-            </a:extLst>
-          </p:cNvPr>
-          <p:cNvCxnSpPr/>
-          <p:nvPr/>
-        </p:nvCxnSpPr>
-        <p:spPr>
-          <a:xfrm>
-            <a:off x="2018553" y="1730379"/>
-            <a:ext cx="2057400" cy="0"/>
-          </a:xfrm>
-          <a:prstGeom prst="line">
-            <a:avLst/>
-          </a:prstGeom>
-          <a:ln cap="rnd"/>
-        </p:spPr>
-        <p:style>
-          <a:lnRef idx="3">
-            <a:schemeClr val="accent6"/>
-          </a:lnRef>
-          <a:fillRef idx="0">
-            <a:schemeClr val="accent6"/>
-          </a:fillRef>
-          <a:effectRef idx="2">
-            <a:schemeClr val="accent6"/>
-          </a:effectRef>
-          <a:fontRef idx="minor">
-            <a:schemeClr val="tx1"/>
-          </a:fontRef>
-        </p:style>
-      </p:cxnSp>
-      <p:sp>
-        <p:nvSpPr>
-          <p:cNvPr id="12" name="TextBox 11">
-            <a:extLst>
-              <a:ext uri="{FF2B5EF4-FFF2-40B4-BE49-F238E27FC236}">
-                <a16:creationId xmlns:a16="http://schemas.microsoft.com/office/drawing/2014/main" id="{2F21B15B-18F0-404B-A4D9-CF02D6672999}"/>
+      <p:sp>
+        <p:nvSpPr>
+          <p:cNvPr id="38" name="TextBox 37">
+            <a:extLst>
+              <a:ext uri="{FF2B5EF4-FFF2-40B4-BE49-F238E27FC236}">
+                <a16:creationId xmlns:a16="http://schemas.microsoft.com/office/drawing/2014/main" id="{91D2CAB9-EF2E-4B5B-B20A-806B6DD60F42}"/>
               </a:ext>
             </a:extLst>
           </p:cNvPr>
@@ -3463,8 +3427,8 @@
         </p:nvSpPr>
         <p:spPr>
           <a:xfrm>
-            <a:off x="1932829" y="1361047"/>
-            <a:ext cx="1884234" cy="369332"/>
+            <a:off x="0" y="250222"/>
+            <a:ext cx="12192000" cy="523220"/>
           </a:xfrm>
           <a:prstGeom prst="rect">
             <a:avLst/>
@@ -3472,415 +3436,21 @@
           <a:noFill/>
         </p:spPr>
         <p:txBody>
-          <a:bodyPr wrap="none" rtlCol="0">
-            <a:spAutoFit/>
-          </a:bodyPr>
-          <a:lstStyle/>
-          <a:p>
-            <a:r>
-              <a:rPr lang="en-US" dirty="0">
-                <a:solidFill>
-                  <a:schemeClr val="accent6">
-                    <a:lumMod val="75000"/>
-                  </a:schemeClr>
-                </a:solidFill>
-              </a:rPr>
-              <a:t>Starting Condition</a:t>
-            </a:r>
-          </a:p>
-        </p:txBody>
-      </p:sp>
-      <p:sp>
-        <p:nvSpPr>
-          <p:cNvPr id="13" name="TextBox 12">
-            <a:extLst>
-              <a:ext uri="{FF2B5EF4-FFF2-40B4-BE49-F238E27FC236}">
-                <a16:creationId xmlns:a16="http://schemas.microsoft.com/office/drawing/2014/main" id="{EEE27833-6AE7-4490-ACA8-634D7BF527E7}"/>
-              </a:ext>
-            </a:extLst>
-          </p:cNvPr>
-          <p:cNvSpPr txBox="1"/>
-          <p:nvPr/>
-        </p:nvSpPr>
-        <p:spPr>
-          <a:xfrm>
-            <a:off x="1932829" y="1792590"/>
-            <a:ext cx="1690656" cy="369332"/>
-          </a:xfrm>
-          <a:prstGeom prst="rect">
-            <a:avLst/>
-          </a:prstGeom>
-          <a:noFill/>
-        </p:spPr>
-        <p:txBody>
-          <a:bodyPr wrap="none" rtlCol="0">
-            <a:spAutoFit/>
-          </a:bodyPr>
-          <a:lstStyle/>
-          <a:p>
-            <a:r>
-              <a:rPr lang="en-US" dirty="0"/>
-              <a:t>Where we start.</a:t>
-            </a:r>
-          </a:p>
-        </p:txBody>
-      </p:sp>
-      <p:cxnSp>
-        <p:nvCxnSpPr>
-          <p:cNvPr id="15" name="Straight Connector 14">
-            <a:extLst>
-              <a:ext uri="{FF2B5EF4-FFF2-40B4-BE49-F238E27FC236}">
-                <a16:creationId xmlns:a16="http://schemas.microsoft.com/office/drawing/2014/main" id="{3EF40E82-75AF-4C36-BE82-CD0B838F564A}"/>
-              </a:ext>
-            </a:extLst>
-          </p:cNvPr>
-          <p:cNvCxnSpPr>
-            <a:cxnSpLocks/>
-          </p:cNvCxnSpPr>
-          <p:nvPr/>
-        </p:nvCxnSpPr>
-        <p:spPr>
-          <a:xfrm flipV="1">
-            <a:off x="2018553" y="3784045"/>
-            <a:ext cx="1966913" cy="14287"/>
-          </a:xfrm>
-          <a:prstGeom prst="line">
-            <a:avLst/>
-          </a:prstGeom>
-          <a:ln cap="rnd"/>
-        </p:spPr>
-        <p:style>
-          <a:lnRef idx="3">
-            <a:schemeClr val="accent6"/>
-          </a:lnRef>
-          <a:fillRef idx="0">
-            <a:schemeClr val="accent6"/>
-          </a:fillRef>
-          <a:effectRef idx="2">
-            <a:schemeClr val="accent6"/>
-          </a:effectRef>
-          <a:fontRef idx="minor">
-            <a:schemeClr val="tx1"/>
-          </a:fontRef>
-        </p:style>
-      </p:cxnSp>
-      <p:sp>
-        <p:nvSpPr>
-          <p:cNvPr id="18" name="TextBox 17">
-            <a:extLst>
-              <a:ext uri="{FF2B5EF4-FFF2-40B4-BE49-F238E27FC236}">
-                <a16:creationId xmlns:a16="http://schemas.microsoft.com/office/drawing/2014/main" id="{6DB2D5B6-174D-4FD1-BD9D-A9A150032FE9}"/>
-              </a:ext>
-            </a:extLst>
-          </p:cNvPr>
-          <p:cNvSpPr txBox="1"/>
-          <p:nvPr/>
-        </p:nvSpPr>
-        <p:spPr>
-          <a:xfrm>
-            <a:off x="1928066" y="3429000"/>
-            <a:ext cx="657552" cy="369332"/>
-          </a:xfrm>
-          <a:prstGeom prst="rect">
-            <a:avLst/>
-          </a:prstGeom>
-          <a:noFill/>
-        </p:spPr>
-        <p:txBody>
-          <a:bodyPr wrap="none" rtlCol="0">
-            <a:spAutoFit/>
-          </a:bodyPr>
-          <a:lstStyle/>
-          <a:p>
-            <a:r>
-              <a:rPr lang="en-US" dirty="0">
-                <a:solidFill>
-                  <a:schemeClr val="accent6">
-                    <a:lumMod val="75000"/>
-                  </a:schemeClr>
-                </a:solidFill>
-              </a:rPr>
-              <a:t>Body</a:t>
-            </a:r>
-          </a:p>
-        </p:txBody>
-      </p:sp>
-      <p:sp>
-        <p:nvSpPr>
-          <p:cNvPr id="21" name="TextBox 20">
-            <a:extLst>
-              <a:ext uri="{FF2B5EF4-FFF2-40B4-BE49-F238E27FC236}">
-                <a16:creationId xmlns:a16="http://schemas.microsoft.com/office/drawing/2014/main" id="{DC718CB7-F8D1-4195-901B-86FD1D2BB6E0}"/>
-              </a:ext>
-            </a:extLst>
-          </p:cNvPr>
-          <p:cNvSpPr txBox="1"/>
-          <p:nvPr/>
-        </p:nvSpPr>
-        <p:spPr>
-          <a:xfrm>
-            <a:off x="1932829" y="3798332"/>
-            <a:ext cx="1575807" cy="923330"/>
-          </a:xfrm>
-          <a:prstGeom prst="rect">
-            <a:avLst/>
-          </a:prstGeom>
-          <a:noFill/>
-        </p:spPr>
-        <p:txBody>
           <a:bodyPr wrap="square" rtlCol="0">
             <a:spAutoFit/>
           </a:bodyPr>
           <a:lstStyle/>
           <a:p>
-            <a:r>
-              <a:rPr lang="en-US" dirty="0"/>
-              <a:t>What we actually want to do.</a:t>
-            </a:r>
-          </a:p>
-        </p:txBody>
-      </p:sp>
-      <p:cxnSp>
-        <p:nvCxnSpPr>
-          <p:cNvPr id="22" name="Straight Connector 21">
-            <a:extLst>
-              <a:ext uri="{FF2B5EF4-FFF2-40B4-BE49-F238E27FC236}">
-                <a16:creationId xmlns:a16="http://schemas.microsoft.com/office/drawing/2014/main" id="{281F65D4-8811-4C7C-9370-9FFB690657BE}"/>
-              </a:ext>
-            </a:extLst>
-          </p:cNvPr>
-          <p:cNvCxnSpPr>
-            <a:cxnSpLocks/>
-          </p:cNvCxnSpPr>
-          <p:nvPr/>
-        </p:nvCxnSpPr>
-        <p:spPr>
-          <a:xfrm flipH="1">
-            <a:off x="7908188" y="3767817"/>
-            <a:ext cx="1104900" cy="1"/>
-          </a:xfrm>
-          <a:prstGeom prst="line">
-            <a:avLst/>
-          </a:prstGeom>
-          <a:ln cap="rnd"/>
-        </p:spPr>
-        <p:style>
-          <a:lnRef idx="3">
-            <a:schemeClr val="accent6"/>
-          </a:lnRef>
-          <a:fillRef idx="0">
-            <a:schemeClr val="accent6"/>
-          </a:fillRef>
-          <a:effectRef idx="2">
-            <a:schemeClr val="accent6"/>
-          </a:effectRef>
-          <a:fontRef idx="minor">
-            <a:schemeClr val="tx1"/>
-          </a:fontRef>
-        </p:style>
-      </p:cxnSp>
-      <p:sp>
-        <p:nvSpPr>
-          <p:cNvPr id="25" name="TextBox 24">
-            <a:extLst>
-              <a:ext uri="{FF2B5EF4-FFF2-40B4-BE49-F238E27FC236}">
-                <a16:creationId xmlns:a16="http://schemas.microsoft.com/office/drawing/2014/main" id="{5FD8137D-08BF-449C-AE7B-0500735A5E83}"/>
-              </a:ext>
-            </a:extLst>
-          </p:cNvPr>
-          <p:cNvSpPr txBox="1"/>
-          <p:nvPr/>
-        </p:nvSpPr>
-        <p:spPr>
-          <a:xfrm>
-            <a:off x="8281742" y="3412772"/>
-            <a:ext cx="874150" cy="369332"/>
-          </a:xfrm>
-          <a:prstGeom prst="rect">
-            <a:avLst/>
-          </a:prstGeom>
-          <a:noFill/>
-        </p:spPr>
-        <p:txBody>
-          <a:bodyPr wrap="none" rtlCol="0">
-            <a:spAutoFit/>
-          </a:bodyPr>
-          <a:lstStyle/>
-          <a:p>
-            <a:r>
-              <a:rPr lang="en-US" dirty="0">
+            <a:pPr algn="ctr"/>
+            <a:r>
+              <a:rPr lang="en-US" sz="2800" dirty="0">
                 <a:solidFill>
                   <a:schemeClr val="accent6">
                     <a:lumMod val="75000"/>
                   </a:schemeClr>
                 </a:solidFill>
               </a:rPr>
-              <a:t>Update</a:t>
-            </a:r>
-          </a:p>
-        </p:txBody>
-      </p:sp>
-      <p:cxnSp>
-        <p:nvCxnSpPr>
-          <p:cNvPr id="29" name="Straight Connector 28">
-            <a:extLst>
-              <a:ext uri="{FF2B5EF4-FFF2-40B4-BE49-F238E27FC236}">
-                <a16:creationId xmlns:a16="http://schemas.microsoft.com/office/drawing/2014/main" id="{019108DC-831E-4879-A640-53B4FCF9C7A9}"/>
-              </a:ext>
-            </a:extLst>
-          </p:cNvPr>
-          <p:cNvCxnSpPr>
-            <a:cxnSpLocks/>
-          </p:cNvCxnSpPr>
-          <p:nvPr/>
-        </p:nvCxnSpPr>
-        <p:spPr>
-          <a:xfrm flipH="1">
-            <a:off x="7525780" y="1700298"/>
-            <a:ext cx="1913188" cy="0"/>
-          </a:xfrm>
-          <a:prstGeom prst="line">
-            <a:avLst/>
-          </a:prstGeom>
-          <a:ln cap="rnd"/>
-        </p:spPr>
-        <p:style>
-          <a:lnRef idx="3">
-            <a:schemeClr val="accent6"/>
-          </a:lnRef>
-          <a:fillRef idx="0">
-            <a:schemeClr val="accent6"/>
-          </a:fillRef>
-          <a:effectRef idx="2">
-            <a:schemeClr val="accent6"/>
-          </a:effectRef>
-          <a:fontRef idx="minor">
-            <a:schemeClr val="tx1"/>
-          </a:fontRef>
-        </p:style>
-      </p:cxnSp>
-      <p:sp>
-        <p:nvSpPr>
-          <p:cNvPr id="32" name="TextBox 31">
-            <a:extLst>
-              <a:ext uri="{FF2B5EF4-FFF2-40B4-BE49-F238E27FC236}">
-                <a16:creationId xmlns:a16="http://schemas.microsoft.com/office/drawing/2014/main" id="{1BA67ACD-6A40-4ED1-9EF4-C8F06D2CA166}"/>
-              </a:ext>
-            </a:extLst>
-          </p:cNvPr>
-          <p:cNvSpPr txBox="1"/>
-          <p:nvPr/>
-        </p:nvSpPr>
-        <p:spPr>
-          <a:xfrm>
-            <a:off x="7422996" y="1361047"/>
-            <a:ext cx="1982594" cy="369332"/>
-          </a:xfrm>
-          <a:prstGeom prst="rect">
-            <a:avLst/>
-          </a:prstGeom>
-          <a:noFill/>
-        </p:spPr>
-        <p:txBody>
-          <a:bodyPr wrap="none" rtlCol="0">
-            <a:spAutoFit/>
-          </a:bodyPr>
-          <a:lstStyle/>
-          <a:p>
-            <a:r>
-              <a:rPr lang="en-US" dirty="0">
-                <a:solidFill>
-                  <a:schemeClr val="accent6">
-                    <a:lumMod val="75000"/>
-                  </a:schemeClr>
-                </a:solidFill>
-              </a:rPr>
-              <a:t>Stopping Condition</a:t>
-            </a:r>
-          </a:p>
-        </p:txBody>
-      </p:sp>
-      <p:sp>
-        <p:nvSpPr>
-          <p:cNvPr id="33" name="TextBox 32">
-            <a:extLst>
-              <a:ext uri="{FF2B5EF4-FFF2-40B4-BE49-F238E27FC236}">
-                <a16:creationId xmlns:a16="http://schemas.microsoft.com/office/drawing/2014/main" id="{E4ED2E01-78B9-4E9E-97D7-97336255BDE0}"/>
-              </a:ext>
-            </a:extLst>
-          </p:cNvPr>
-          <p:cNvSpPr txBox="1"/>
-          <p:nvPr/>
-        </p:nvSpPr>
-        <p:spPr>
-          <a:xfrm>
-            <a:off x="7808708" y="1717237"/>
-            <a:ext cx="1596882" cy="1200329"/>
-          </a:xfrm>
-          <a:prstGeom prst="rect">
-            <a:avLst/>
-          </a:prstGeom>
-          <a:noFill/>
-        </p:spPr>
-        <p:txBody>
-          <a:bodyPr wrap="square" rtlCol="0">
-            <a:spAutoFit/>
-          </a:bodyPr>
-          <a:lstStyle/>
-          <a:p>
-            <a:pPr algn="r"/>
-            <a:r>
-              <a:rPr lang="en-US" dirty="0"/>
-              <a:t>Also called the “Invariant.”</a:t>
-            </a:r>
-          </a:p>
-          <a:p>
-            <a:pPr algn="r"/>
-            <a:r>
-              <a:rPr lang="en-US" dirty="0"/>
-              <a:t>Tells us when to stop.</a:t>
-            </a:r>
-          </a:p>
-        </p:txBody>
-      </p:sp>
-      <p:sp>
-        <p:nvSpPr>
-          <p:cNvPr id="38" name="TextBox 37">
-            <a:extLst>
-              <a:ext uri="{FF2B5EF4-FFF2-40B4-BE49-F238E27FC236}">
-                <a16:creationId xmlns:a16="http://schemas.microsoft.com/office/drawing/2014/main" id="{91D2CAB9-EF2E-4B5B-B20A-806B6DD60F42}"/>
-              </a:ext>
-            </a:extLst>
-          </p:cNvPr>
-          <p:cNvSpPr txBox="1"/>
-          <p:nvPr/>
-        </p:nvSpPr>
-        <p:spPr>
-          <a:xfrm>
-            <a:off x="0" y="250222"/>
-            <a:ext cx="12192000" cy="523220"/>
-          </a:xfrm>
-          <a:prstGeom prst="rect">
-            <a:avLst/>
-          </a:prstGeom>
-          <a:noFill/>
-        </p:spPr>
-        <p:txBody>
-          <a:bodyPr wrap="square" rtlCol="0">
-            <a:spAutoFit/>
-          </a:bodyPr>
-          <a:lstStyle/>
-          <a:p>
-            <a:pPr algn="ctr"/>
-            <a:r>
-              <a:rPr lang="en-US" sz="2800" dirty="0">
-                <a:solidFill>
-                  <a:schemeClr val="accent6">
-                    <a:lumMod val="75000"/>
-                  </a:schemeClr>
-                </a:solidFill>
-              </a:rPr>
-              <a:t>Four Parts of a Loop</a:t>
+              <a:t>Why Data Structures?</a:t>
             </a:r>
           </a:p>
         </p:txBody>
@@ -4189,10 +3759,10 @@
       </p:grpSp>
       <p:sp>
         <p:nvSpPr>
-          <p:cNvPr id="14" name="TextBox 13">
-            <a:extLst>
-              <a:ext uri="{FF2B5EF4-FFF2-40B4-BE49-F238E27FC236}">
-                <a16:creationId xmlns:a16="http://schemas.microsoft.com/office/drawing/2014/main" id="{435208E8-8392-4F66-87E2-1DC4DFEE19B1}"/>
+          <p:cNvPr id="10" name="TextBox 9">
+            <a:extLst>
+              <a:ext uri="{FF2B5EF4-FFF2-40B4-BE49-F238E27FC236}">
+                <a16:creationId xmlns:a16="http://schemas.microsoft.com/office/drawing/2014/main" id="{6E417E35-C243-4405-9150-CE0972F7B71E}"/>
               </a:ext>
             </a:extLst>
           </p:cNvPr>
@@ -4201,8 +3771,8 @@
         </p:nvSpPr>
         <p:spPr>
           <a:xfrm>
-            <a:off x="7559010" y="3782104"/>
-            <a:ext cx="1596882" cy="646331"/>
+            <a:off x="3651837" y="1039400"/>
+            <a:ext cx="4877303" cy="646331"/>
           </a:xfrm>
           <a:prstGeom prst="rect">
             <a:avLst/>
@@ -4215,11 +3785,553 @@
           </a:bodyPr>
           <a:lstStyle/>
           <a:p>
-            <a:pPr algn="r"/>
+            <a:pPr algn="ctr"/>
             <a:r>
               <a:rPr lang="en-US" dirty="0"/>
-              <a:t>Tells us how things change.</a:t>
-            </a:r>
+              <a:t>When you must run like a cheetah.</a:t>
+            </a:r>
+          </a:p>
+          <a:p>
+            <a:pPr algn="ctr"/>
+            <a:r>
+              <a:rPr lang="en-US" dirty="0"/>
+              <a:t>Be a cheetah.</a:t>
+            </a:r>
+          </a:p>
+        </p:txBody>
+      </p:sp>
+      <p:grpSp>
+        <p:nvGrpSpPr>
+          <p:cNvPr id="48" name="Group 47">
+            <a:extLst>
+              <a:ext uri="{FF2B5EF4-FFF2-40B4-BE49-F238E27FC236}">
+                <a16:creationId xmlns:a16="http://schemas.microsoft.com/office/drawing/2014/main" id="{D4675467-FA1F-45F5-9F12-4A0349C81C9C}"/>
+              </a:ext>
+            </a:extLst>
+          </p:cNvPr>
+          <p:cNvGrpSpPr/>
+          <p:nvPr/>
+        </p:nvGrpSpPr>
+        <p:grpSpPr>
+          <a:xfrm>
+            <a:off x="1273709" y="1401347"/>
+            <a:ext cx="9644583" cy="2996358"/>
+            <a:chOff x="1035438" y="1401347"/>
+            <a:chExt cx="9644583" cy="2996358"/>
+          </a:xfrm>
+        </p:grpSpPr>
+        <p:pic>
+          <p:nvPicPr>
+            <p:cNvPr id="23" name="Picture 22" descr="A group of giraffe standing on top of a sandy beach&#10;&#10;Description automatically generated">
+              <a:extLst>
+                <a:ext uri="{FF2B5EF4-FFF2-40B4-BE49-F238E27FC236}">
+                  <a16:creationId xmlns:a16="http://schemas.microsoft.com/office/drawing/2014/main" id="{BAA221C9-2C31-4246-85A0-8B7FD46201A8}"/>
+                </a:ext>
+              </a:extLst>
+            </p:cNvPr>
+            <p:cNvPicPr>
+              <a:picLocks noChangeAspect="1"/>
+            </p:cNvPicPr>
+            <p:nvPr/>
+          </p:nvPicPr>
+          <p:blipFill rotWithShape="1">
+            <a:blip r:embed="rId2">
+              <a:extLst>
+                <a:ext uri="{28A0092B-C50C-407E-A947-70E740481C1C}">
+                  <a14:useLocalDpi xmlns:a14="http://schemas.microsoft.com/office/drawing/2010/main" val="0"/>
+                </a:ext>
+              </a:extLst>
+            </a:blip>
+            <a:srcRect l="10628" t="44044" r="51632" b="28023"/>
+            <a:stretch/>
+          </p:blipFill>
+          <p:spPr>
+            <a:xfrm>
+              <a:off x="3341151" y="1909399"/>
+              <a:ext cx="4278327" cy="2111077"/>
+            </a:xfrm>
+            <a:prstGeom prst="rect">
+              <a:avLst/>
+            </a:prstGeom>
+          </p:spPr>
+        </p:pic>
+        <p:cxnSp>
+          <p:nvCxnSpPr>
+            <p:cNvPr id="26" name="Straight Connector 25">
+              <a:extLst>
+                <a:ext uri="{FF2B5EF4-FFF2-40B4-BE49-F238E27FC236}">
+                  <a16:creationId xmlns:a16="http://schemas.microsoft.com/office/drawing/2014/main" id="{AAAAC738-34FF-489D-8518-B8CE49C63EF2}"/>
+                </a:ext>
+              </a:extLst>
+            </p:cNvPr>
+            <p:cNvCxnSpPr/>
+            <p:nvPr/>
+          </p:nvCxnSpPr>
+          <p:spPr>
+            <a:xfrm>
+              <a:off x="8477570" y="2858166"/>
+              <a:ext cx="2057400" cy="0"/>
+            </a:xfrm>
+            <a:prstGeom prst="line">
+              <a:avLst/>
+            </a:prstGeom>
+            <a:ln cap="rnd"/>
+          </p:spPr>
+          <p:style>
+            <a:lnRef idx="3">
+              <a:schemeClr val="accent6"/>
+            </a:lnRef>
+            <a:fillRef idx="0">
+              <a:schemeClr val="accent6"/>
+            </a:fillRef>
+            <a:effectRef idx="2">
+              <a:schemeClr val="accent6"/>
+            </a:effectRef>
+            <a:fontRef idx="minor">
+              <a:schemeClr val="tx1"/>
+            </a:fontRef>
+          </p:style>
+        </p:cxnSp>
+        <p:cxnSp>
+          <p:nvCxnSpPr>
+            <p:cNvPr id="27" name="Straight Connector 26">
+              <a:extLst>
+                <a:ext uri="{FF2B5EF4-FFF2-40B4-BE49-F238E27FC236}">
+                  <a16:creationId xmlns:a16="http://schemas.microsoft.com/office/drawing/2014/main" id="{708B92C9-11D8-4B84-B2BD-8597A6232BFF}"/>
+                </a:ext>
+              </a:extLst>
+            </p:cNvPr>
+            <p:cNvCxnSpPr>
+              <a:cxnSpLocks/>
+              <a:endCxn id="28" idx="6"/>
+            </p:cNvCxnSpPr>
+            <p:nvPr/>
+          </p:nvCxnSpPr>
+          <p:spPr>
+            <a:xfrm flipH="1" flipV="1">
+              <a:off x="6597442" y="2673500"/>
+              <a:ext cx="1889354" cy="184666"/>
+            </a:xfrm>
+            <a:prstGeom prst="line">
+              <a:avLst/>
+            </a:prstGeom>
+            <a:ln cap="rnd"/>
+          </p:spPr>
+          <p:style>
+            <a:lnRef idx="3">
+              <a:schemeClr val="accent6"/>
+            </a:lnRef>
+            <a:fillRef idx="0">
+              <a:schemeClr val="accent6"/>
+            </a:fillRef>
+            <a:effectRef idx="2">
+              <a:schemeClr val="accent6"/>
+            </a:effectRef>
+            <a:fontRef idx="minor">
+              <a:schemeClr val="tx1"/>
+            </a:fontRef>
+          </p:style>
+        </p:cxnSp>
+        <p:sp>
+          <p:nvSpPr>
+            <p:cNvPr id="28" name="Oval 27">
+              <a:extLst>
+                <a:ext uri="{FF2B5EF4-FFF2-40B4-BE49-F238E27FC236}">
+                  <a16:creationId xmlns:a16="http://schemas.microsoft.com/office/drawing/2014/main" id="{898A6CD7-8689-4EFE-8479-2FD270136EA3}"/>
+                </a:ext>
+              </a:extLst>
+            </p:cNvPr>
+            <p:cNvSpPr/>
+            <p:nvPr/>
+          </p:nvSpPr>
+          <p:spPr>
+            <a:xfrm>
+              <a:off x="6464092" y="2606825"/>
+              <a:ext cx="133350" cy="133350"/>
+            </a:xfrm>
+            <a:prstGeom prst="ellipse">
+              <a:avLst/>
+            </a:prstGeom>
+          </p:spPr>
+          <p:style>
+            <a:lnRef idx="2">
+              <a:schemeClr val="accent6"/>
+            </a:lnRef>
+            <a:fillRef idx="1">
+              <a:schemeClr val="lt1"/>
+            </a:fillRef>
+            <a:effectRef idx="0">
+              <a:schemeClr val="accent6"/>
+            </a:effectRef>
+            <a:fontRef idx="minor">
+              <a:schemeClr val="dk1"/>
+            </a:fontRef>
+          </p:style>
+          <p:txBody>
+            <a:bodyPr rtlCol="0" anchor="ctr"/>
+            <a:lstStyle/>
+            <a:p>
+              <a:pPr algn="ctr"/>
+              <a:endParaRPr lang="en-US" dirty="0"/>
+            </a:p>
+          </p:txBody>
+        </p:sp>
+        <p:sp>
+          <p:nvSpPr>
+            <p:cNvPr id="30" name="TextBox 29">
+              <a:extLst>
+                <a:ext uri="{FF2B5EF4-FFF2-40B4-BE49-F238E27FC236}">
+                  <a16:creationId xmlns:a16="http://schemas.microsoft.com/office/drawing/2014/main" id="{FBA2935E-4ACF-4B33-BFB3-6CD7610D4EFF}"/>
+                </a:ext>
+              </a:extLst>
+            </p:cNvPr>
+            <p:cNvSpPr txBox="1"/>
+            <p:nvPr/>
+          </p:nvSpPr>
+          <p:spPr>
+            <a:xfrm>
+              <a:off x="9126324" y="2488834"/>
+              <a:ext cx="1455976" cy="369332"/>
+            </a:xfrm>
+            <a:prstGeom prst="rect">
+              <a:avLst/>
+            </a:prstGeom>
+            <a:noFill/>
+          </p:spPr>
+          <p:txBody>
+            <a:bodyPr wrap="none" rtlCol="0">
+              <a:spAutoFit/>
+            </a:bodyPr>
+            <a:lstStyle/>
+            <a:p>
+              <a:r>
+                <a:rPr lang="en-US" dirty="0">
+                  <a:solidFill>
+                    <a:schemeClr val="accent6">
+                      <a:lumMod val="75000"/>
+                    </a:schemeClr>
+                  </a:solidFill>
+                </a:rPr>
+                <a:t>Slim and Trim</a:t>
+              </a:r>
+            </a:p>
+          </p:txBody>
+        </p:sp>
+        <p:sp>
+          <p:nvSpPr>
+            <p:cNvPr id="31" name="TextBox 30">
+              <a:extLst>
+                <a:ext uri="{FF2B5EF4-FFF2-40B4-BE49-F238E27FC236}">
+                  <a16:creationId xmlns:a16="http://schemas.microsoft.com/office/drawing/2014/main" id="{7F3BE7A1-1CD6-49B2-B5D6-1A8BA7EFB795}"/>
+                </a:ext>
+              </a:extLst>
+            </p:cNvPr>
+            <p:cNvSpPr txBox="1"/>
+            <p:nvPr/>
+          </p:nvSpPr>
+          <p:spPr>
+            <a:xfrm>
+              <a:off x="8391847" y="2920377"/>
+              <a:ext cx="2288174" cy="1477328"/>
+            </a:xfrm>
+            <a:prstGeom prst="rect">
+              <a:avLst/>
+            </a:prstGeom>
+            <a:noFill/>
+          </p:spPr>
+          <p:txBody>
+            <a:bodyPr wrap="square" rtlCol="0">
+              <a:spAutoFit/>
+            </a:bodyPr>
+            <a:lstStyle/>
+            <a:p>
+              <a:pPr algn="r"/>
+              <a:r>
+                <a:rPr lang="en-US" dirty="0"/>
+                <a:t>Low </a:t>
+              </a:r>
+            </a:p>
+            <a:p>
+              <a:pPr algn="r"/>
+              <a:r>
+                <a:rPr lang="en-US" dirty="0"/>
+                <a:t>“space complexity.”</a:t>
+              </a:r>
+            </a:p>
+            <a:p>
+              <a:pPr algn="r"/>
+              <a:r>
+                <a:rPr lang="en-US" dirty="0"/>
+                <a:t>Computers have limited stack and heap space.</a:t>
+              </a:r>
+            </a:p>
+          </p:txBody>
+        </p:sp>
+        <p:cxnSp>
+          <p:nvCxnSpPr>
+            <p:cNvPr id="37" name="Straight Connector 36">
+              <a:extLst>
+                <a:ext uri="{FF2B5EF4-FFF2-40B4-BE49-F238E27FC236}">
+                  <a16:creationId xmlns:a16="http://schemas.microsoft.com/office/drawing/2014/main" id="{F27ED46B-DE59-4EAB-93B4-120B51A831F9}"/>
+                </a:ext>
+              </a:extLst>
+            </p:cNvPr>
+            <p:cNvCxnSpPr/>
+            <p:nvPr/>
+          </p:nvCxnSpPr>
+          <p:spPr>
+            <a:xfrm>
+              <a:off x="1121162" y="1770679"/>
+              <a:ext cx="2057400" cy="0"/>
+            </a:xfrm>
+            <a:prstGeom prst="line">
+              <a:avLst/>
+            </a:prstGeom>
+            <a:ln cap="rnd"/>
+          </p:spPr>
+          <p:style>
+            <a:lnRef idx="3">
+              <a:schemeClr val="accent6"/>
+            </a:lnRef>
+            <a:fillRef idx="0">
+              <a:schemeClr val="accent6"/>
+            </a:fillRef>
+            <a:effectRef idx="2">
+              <a:schemeClr val="accent6"/>
+            </a:effectRef>
+            <a:fontRef idx="minor">
+              <a:schemeClr val="tx1"/>
+            </a:fontRef>
+          </p:style>
+        </p:cxnSp>
+        <p:cxnSp>
+          <p:nvCxnSpPr>
+            <p:cNvPr id="39" name="Straight Connector 38">
+              <a:extLst>
+                <a:ext uri="{FF2B5EF4-FFF2-40B4-BE49-F238E27FC236}">
+                  <a16:creationId xmlns:a16="http://schemas.microsoft.com/office/drawing/2014/main" id="{601AE160-8691-4D9E-A165-0048B0ABFB06}"/>
+                </a:ext>
+              </a:extLst>
+            </p:cNvPr>
+            <p:cNvCxnSpPr>
+              <a:cxnSpLocks/>
+              <a:endCxn id="42" idx="1"/>
+            </p:cNvCxnSpPr>
+            <p:nvPr/>
+          </p:nvCxnSpPr>
+          <p:spPr>
+            <a:xfrm>
+              <a:off x="3198148" y="1770679"/>
+              <a:ext cx="2159756" cy="672979"/>
+            </a:xfrm>
+            <a:prstGeom prst="line">
+              <a:avLst/>
+            </a:prstGeom>
+            <a:ln cap="rnd"/>
+          </p:spPr>
+          <p:style>
+            <a:lnRef idx="3">
+              <a:schemeClr val="accent6"/>
+            </a:lnRef>
+            <a:fillRef idx="0">
+              <a:schemeClr val="accent6"/>
+            </a:fillRef>
+            <a:effectRef idx="2">
+              <a:schemeClr val="accent6"/>
+            </a:effectRef>
+            <a:fontRef idx="minor">
+              <a:schemeClr val="tx1"/>
+            </a:fontRef>
+          </p:style>
+        </p:cxnSp>
+        <p:sp>
+          <p:nvSpPr>
+            <p:cNvPr id="42" name="Oval 41">
+              <a:extLst>
+                <a:ext uri="{FF2B5EF4-FFF2-40B4-BE49-F238E27FC236}">
+                  <a16:creationId xmlns:a16="http://schemas.microsoft.com/office/drawing/2014/main" id="{DF3E0132-9F5E-4E04-8604-A031C09BF4D3}"/>
+                </a:ext>
+              </a:extLst>
+            </p:cNvPr>
+            <p:cNvSpPr/>
+            <p:nvPr/>
+          </p:nvSpPr>
+          <p:spPr>
+            <a:xfrm>
+              <a:off x="5338375" y="2424129"/>
+              <a:ext cx="133350" cy="133350"/>
+            </a:xfrm>
+            <a:prstGeom prst="ellipse">
+              <a:avLst/>
+            </a:prstGeom>
+          </p:spPr>
+          <p:style>
+            <a:lnRef idx="2">
+              <a:schemeClr val="accent6"/>
+            </a:lnRef>
+            <a:fillRef idx="1">
+              <a:schemeClr val="lt1"/>
+            </a:fillRef>
+            <a:effectRef idx="0">
+              <a:schemeClr val="accent6"/>
+            </a:effectRef>
+            <a:fontRef idx="minor">
+              <a:schemeClr val="dk1"/>
+            </a:fontRef>
+          </p:style>
+          <p:txBody>
+            <a:bodyPr rtlCol="0" anchor="ctr"/>
+            <a:lstStyle/>
+            <a:p>
+              <a:pPr algn="ctr"/>
+              <a:endParaRPr lang="en-US" dirty="0"/>
+            </a:p>
+          </p:txBody>
+        </p:sp>
+        <p:sp>
+          <p:nvSpPr>
+            <p:cNvPr id="44" name="TextBox 43">
+              <a:extLst>
+                <a:ext uri="{FF2B5EF4-FFF2-40B4-BE49-F238E27FC236}">
+                  <a16:creationId xmlns:a16="http://schemas.microsoft.com/office/drawing/2014/main" id="{51DC198F-3773-4331-80A2-6613B35B7AA3}"/>
+                </a:ext>
+              </a:extLst>
+            </p:cNvPr>
+            <p:cNvSpPr txBox="1"/>
+            <p:nvPr/>
+          </p:nvSpPr>
+          <p:spPr>
+            <a:xfrm>
+              <a:off x="1035438" y="1401347"/>
+              <a:ext cx="558999" cy="369332"/>
+            </a:xfrm>
+            <a:prstGeom prst="rect">
+              <a:avLst/>
+            </a:prstGeom>
+            <a:noFill/>
+          </p:spPr>
+          <p:txBody>
+            <a:bodyPr wrap="none" rtlCol="0">
+              <a:spAutoFit/>
+            </a:bodyPr>
+            <a:lstStyle/>
+            <a:p>
+              <a:r>
+                <a:rPr lang="en-US" dirty="0">
+                  <a:solidFill>
+                    <a:schemeClr val="accent6">
+                      <a:lumMod val="75000"/>
+                    </a:schemeClr>
+                  </a:solidFill>
+                </a:rPr>
+                <a:t>Fast</a:t>
+              </a:r>
+            </a:p>
+          </p:txBody>
+        </p:sp>
+        <p:sp>
+          <p:nvSpPr>
+            <p:cNvPr id="45" name="TextBox 44">
+              <a:extLst>
+                <a:ext uri="{FF2B5EF4-FFF2-40B4-BE49-F238E27FC236}">
+                  <a16:creationId xmlns:a16="http://schemas.microsoft.com/office/drawing/2014/main" id="{687FEBBE-76F8-40F1-8858-BE52ABBA714B}"/>
+                </a:ext>
+              </a:extLst>
+            </p:cNvPr>
+            <p:cNvSpPr txBox="1"/>
+            <p:nvPr/>
+          </p:nvSpPr>
+          <p:spPr>
+            <a:xfrm>
+              <a:off x="1035438" y="1832890"/>
+              <a:ext cx="2343975" cy="923330"/>
+            </a:xfrm>
+            <a:prstGeom prst="rect">
+              <a:avLst/>
+            </a:prstGeom>
+            <a:noFill/>
+          </p:spPr>
+          <p:txBody>
+            <a:bodyPr wrap="none" rtlCol="0">
+              <a:spAutoFit/>
+            </a:bodyPr>
+            <a:lstStyle/>
+            <a:p>
+              <a:r>
+                <a:rPr lang="en-US" dirty="0"/>
+                <a:t>Low “time complexity.”</a:t>
+              </a:r>
+            </a:p>
+            <a:p>
+              <a:r>
+                <a:rPr lang="en-US" dirty="0"/>
+                <a:t>Users are impatient.</a:t>
+              </a:r>
+            </a:p>
+            <a:p>
+              <a:r>
+                <a:rPr lang="en-US" dirty="0"/>
+                <a:t>Time is finite.</a:t>
+              </a:r>
+            </a:p>
+          </p:txBody>
+        </p:sp>
+      </p:grpSp>
+      <p:sp>
+        <p:nvSpPr>
+          <p:cNvPr id="36" name="TextBox 35">
+            <a:extLst>
+              <a:ext uri="{FF2B5EF4-FFF2-40B4-BE49-F238E27FC236}">
+                <a16:creationId xmlns:a16="http://schemas.microsoft.com/office/drawing/2014/main" id="{462AF8D0-1475-4E4E-93E9-6365191DCB61}"/>
+              </a:ext>
+            </a:extLst>
+          </p:cNvPr>
+          <p:cNvSpPr txBox="1"/>
+          <p:nvPr/>
+        </p:nvSpPr>
+        <p:spPr>
+          <a:xfrm>
+            <a:off x="151108" y="6423112"/>
+            <a:ext cx="1819985" cy="338554"/>
+          </a:xfrm>
+          <a:prstGeom prst="rect">
+            <a:avLst/>
+          </a:prstGeom>
+          <a:noFill/>
+        </p:spPr>
+        <p:txBody>
+          <a:bodyPr wrap="none" rtlCol="0">
+            <a:spAutoFit/>
+          </a:bodyPr>
+          <a:lstStyle/>
+          <a:p>
+            <a:r>
+              <a:rPr lang="en-US" sz="1600" dirty="0">
+                <a:solidFill>
+                  <a:schemeClr val="bg1">
+                    <a:lumMod val="65000"/>
+                  </a:schemeClr>
+                </a:solidFill>
+              </a:rPr>
+              <a:t>Image from </a:t>
+            </a:r>
+            <a:r>
+              <a:rPr lang="en-US" sz="1600" dirty="0" err="1">
+                <a:solidFill>
+                  <a:schemeClr val="bg1">
+                    <a:lumMod val="65000"/>
+                  </a:schemeClr>
+                </a:solidFill>
+              </a:rPr>
+              <a:t>Pixabay</a:t>
+            </a:r>
+            <a:endParaRPr lang="en-US" sz="1600" dirty="0">
+              <a:solidFill>
+                <a:schemeClr val="bg1">
+                  <a:lumMod val="65000"/>
+                </a:schemeClr>
+              </a:solidFill>
+            </a:endParaRPr>
           </a:p>
         </p:txBody>
       </p:sp>
@@ -4305,259 +4417,6 @@
           </a:p>
         </p:txBody>
       </p:sp>
-      <p:sp>
-        <p:nvSpPr>
-          <p:cNvPr id="36" name="TextBox 35">
-            <a:extLst>
-              <a:ext uri="{FF2B5EF4-FFF2-40B4-BE49-F238E27FC236}">
-                <a16:creationId xmlns:a16="http://schemas.microsoft.com/office/drawing/2014/main" id="{2E68E9CB-B823-4D8B-A76C-C64686C047E8}"/>
-              </a:ext>
-            </a:extLst>
-          </p:cNvPr>
-          <p:cNvSpPr txBox="1"/>
-          <p:nvPr/>
-        </p:nvSpPr>
-        <p:spPr>
-          <a:xfrm>
-            <a:off x="2891915" y="2249477"/>
-            <a:ext cx="5239684" cy="1477328"/>
-          </a:xfrm>
-          <a:prstGeom prst="rect">
-            <a:avLst/>
-          </a:prstGeom>
-          <a:noFill/>
-        </p:spPr>
-        <p:txBody>
-          <a:bodyPr wrap="square">
-            <a:spAutoFit/>
-          </a:bodyPr>
-          <a:lstStyle/>
-          <a:p>
-            <a:r>
-              <a:rPr lang="en-US" b="0" dirty="0">
-                <a:solidFill>
-                  <a:srgbClr val="0000FF"/>
-                </a:solidFill>
-                <a:effectLst/>
-                <a:latin typeface="Consolas" panose="020B0609020204030204" pitchFamily="49" charset="0"/>
-              </a:rPr>
-              <a:t>for</a:t>
-            </a:r>
-            <a:r>
-              <a:rPr lang="en-US" b="0" dirty="0">
-                <a:solidFill>
-                  <a:srgbClr val="000000"/>
-                </a:solidFill>
-                <a:effectLst/>
-                <a:latin typeface="Consolas" panose="020B0609020204030204" pitchFamily="49" charset="0"/>
-              </a:rPr>
-              <a:t>(</a:t>
-            </a:r>
-            <a:r>
-              <a:rPr lang="en-US" b="0" dirty="0">
-                <a:solidFill>
-                  <a:srgbClr val="0000FF"/>
-                </a:solidFill>
-                <a:effectLst/>
-                <a:latin typeface="Consolas" panose="020B0609020204030204" pitchFamily="49" charset="0"/>
-              </a:rPr>
-              <a:t>int</a:t>
-            </a:r>
-            <a:r>
-              <a:rPr lang="en-US" b="0" dirty="0">
-                <a:solidFill>
-                  <a:srgbClr val="000000"/>
-                </a:solidFill>
-                <a:effectLst/>
-                <a:latin typeface="Consolas" panose="020B0609020204030204" pitchFamily="49" charset="0"/>
-              </a:rPr>
-              <a:t> </a:t>
-            </a:r>
-            <a:r>
-              <a:rPr lang="en-US" b="0" dirty="0" err="1">
-                <a:solidFill>
-                  <a:srgbClr val="000000"/>
-                </a:solidFill>
-                <a:effectLst/>
-                <a:latin typeface="Consolas" panose="020B0609020204030204" pitchFamily="49" charset="0"/>
-              </a:rPr>
-              <a:t>i</a:t>
-            </a:r>
-            <a:r>
-              <a:rPr lang="en-US" b="0" dirty="0">
-                <a:solidFill>
-                  <a:srgbClr val="000000"/>
-                </a:solidFill>
-                <a:effectLst/>
-                <a:latin typeface="Consolas" panose="020B0609020204030204" pitchFamily="49" charset="0"/>
-              </a:rPr>
-              <a:t> = </a:t>
-            </a:r>
-            <a:r>
-              <a:rPr lang="en-US" b="0" dirty="0">
-                <a:solidFill>
-                  <a:srgbClr val="098658"/>
-                </a:solidFill>
-                <a:effectLst/>
-                <a:latin typeface="Consolas" panose="020B0609020204030204" pitchFamily="49" charset="0"/>
-              </a:rPr>
-              <a:t>0</a:t>
-            </a:r>
-            <a:r>
-              <a:rPr lang="en-US" b="0" dirty="0">
-                <a:solidFill>
-                  <a:srgbClr val="000000"/>
-                </a:solidFill>
-                <a:effectLst/>
-                <a:latin typeface="Consolas" panose="020B0609020204030204" pitchFamily="49" charset="0"/>
-              </a:rPr>
-              <a:t>; </a:t>
-            </a:r>
-            <a:r>
-              <a:rPr lang="en-US" b="0" dirty="0" err="1">
-                <a:solidFill>
-                  <a:srgbClr val="000000"/>
-                </a:solidFill>
-                <a:effectLst/>
-                <a:latin typeface="Consolas" panose="020B0609020204030204" pitchFamily="49" charset="0"/>
-              </a:rPr>
-              <a:t>i</a:t>
-            </a:r>
-            <a:r>
-              <a:rPr lang="en-US" b="0" dirty="0">
-                <a:solidFill>
-                  <a:srgbClr val="000000"/>
-                </a:solidFill>
-                <a:effectLst/>
-                <a:latin typeface="Consolas" panose="020B0609020204030204" pitchFamily="49" charset="0"/>
-              </a:rPr>
-              <a:t> &lt; </a:t>
-            </a:r>
-            <a:r>
-              <a:rPr lang="en-US" b="0" dirty="0" err="1">
-                <a:solidFill>
-                  <a:srgbClr val="000000"/>
-                </a:solidFill>
-                <a:effectLst/>
-                <a:latin typeface="Consolas" panose="020B0609020204030204" pitchFamily="49" charset="0"/>
-              </a:rPr>
-              <a:t>numbers.length</a:t>
-            </a:r>
-            <a:r>
-              <a:rPr lang="en-US" b="0" dirty="0">
-                <a:solidFill>
-                  <a:srgbClr val="000000"/>
-                </a:solidFill>
-                <a:effectLst/>
-                <a:latin typeface="Consolas" panose="020B0609020204030204" pitchFamily="49" charset="0"/>
-              </a:rPr>
-              <a:t>; </a:t>
-            </a:r>
-            <a:r>
-              <a:rPr lang="en-US" b="0" dirty="0" err="1">
-                <a:solidFill>
-                  <a:srgbClr val="000000"/>
-                </a:solidFill>
-                <a:effectLst/>
-                <a:latin typeface="Consolas" panose="020B0609020204030204" pitchFamily="49" charset="0"/>
-              </a:rPr>
-              <a:t>i</a:t>
-            </a:r>
-            <a:r>
-              <a:rPr lang="en-US" b="0" dirty="0">
-                <a:solidFill>
-                  <a:srgbClr val="000000"/>
-                </a:solidFill>
-                <a:effectLst/>
-                <a:latin typeface="Consolas" panose="020B0609020204030204" pitchFamily="49" charset="0"/>
-              </a:rPr>
-              <a:t>++){</a:t>
-            </a:r>
-          </a:p>
-          <a:p>
-            <a:endParaRPr lang="en-US" b="0" dirty="0">
-              <a:solidFill>
-                <a:srgbClr val="000000"/>
-              </a:solidFill>
-              <a:effectLst/>
-              <a:latin typeface="Consolas" panose="020B0609020204030204" pitchFamily="49" charset="0"/>
-            </a:endParaRPr>
-          </a:p>
-          <a:p>
-            <a:r>
-              <a:rPr lang="en-US" b="0" dirty="0">
-                <a:solidFill>
-                  <a:srgbClr val="000000"/>
-                </a:solidFill>
-                <a:effectLst/>
-                <a:latin typeface="Consolas" panose="020B0609020204030204" pitchFamily="49" charset="0"/>
-              </a:rPr>
-              <a:t>   </a:t>
-            </a:r>
-            <a:r>
-              <a:rPr lang="en-US" b="0" dirty="0" err="1">
-                <a:solidFill>
-                  <a:srgbClr val="000000"/>
-                </a:solidFill>
-                <a:effectLst/>
-                <a:latin typeface="Consolas" panose="020B0609020204030204" pitchFamily="49" charset="0"/>
-              </a:rPr>
-              <a:t>System.out.println</a:t>
-            </a:r>
-            <a:r>
-              <a:rPr lang="en-US" b="0" dirty="0">
-                <a:solidFill>
-                  <a:srgbClr val="000000"/>
-                </a:solidFill>
-                <a:effectLst/>
-                <a:latin typeface="Consolas" panose="020B0609020204030204" pitchFamily="49" charset="0"/>
-              </a:rPr>
-              <a:t>(numbers[</a:t>
-            </a:r>
-            <a:r>
-              <a:rPr lang="en-US" b="0" dirty="0" err="1">
-                <a:solidFill>
-                  <a:srgbClr val="000000"/>
-                </a:solidFill>
-                <a:effectLst/>
-                <a:latin typeface="Consolas" panose="020B0609020204030204" pitchFamily="49" charset="0"/>
-              </a:rPr>
-              <a:t>i</a:t>
-            </a:r>
-            <a:r>
-              <a:rPr lang="en-US" b="0" dirty="0">
-                <a:solidFill>
-                  <a:srgbClr val="000000"/>
-                </a:solidFill>
-                <a:effectLst/>
-                <a:latin typeface="Consolas" panose="020B0609020204030204" pitchFamily="49" charset="0"/>
-              </a:rPr>
-              <a:t>]);</a:t>
-            </a:r>
-          </a:p>
-          <a:p>
-            <a:endParaRPr lang="en-US" b="0" dirty="0">
-              <a:solidFill>
-                <a:srgbClr val="000000"/>
-              </a:solidFill>
-              <a:effectLst/>
-              <a:latin typeface="Consolas" panose="020B0609020204030204" pitchFamily="49" charset="0"/>
-            </a:endParaRPr>
-          </a:p>
-          <a:p>
-            <a:r>
-              <a:rPr lang="en-US" b="0" dirty="0">
-                <a:solidFill>
-                  <a:srgbClr val="000000"/>
-                </a:solidFill>
-                <a:effectLst/>
-                <a:latin typeface="Consolas" panose="020B0609020204030204" pitchFamily="49" charset="0"/>
-              </a:rPr>
-              <a:t>}</a:t>
-            </a:r>
-          </a:p>
-        </p:txBody>
-      </p:sp>
       <p:cxnSp>
         <p:nvCxnSpPr>
           <p:cNvPr id="5" name="Straight Connector 4">
@@ -4572,7 +4431,7 @@
         </p:nvCxnSpPr>
         <p:spPr>
           <a:xfrm>
-            <a:off x="730603" y="1807362"/>
+            <a:off x="2018553" y="1730379"/>
             <a:ext cx="2057400" cy="0"/>
           </a:xfrm>
           <a:prstGeom prst="line">
@@ -4595,12 +4454,88 @@
           </a:fontRef>
         </p:style>
       </p:cxnSp>
+      <p:sp>
+        <p:nvSpPr>
+          <p:cNvPr id="12" name="TextBox 11">
+            <a:extLst>
+              <a:ext uri="{FF2B5EF4-FFF2-40B4-BE49-F238E27FC236}">
+                <a16:creationId xmlns:a16="http://schemas.microsoft.com/office/drawing/2014/main" id="{2F21B15B-18F0-404B-A4D9-CF02D6672999}"/>
+              </a:ext>
+            </a:extLst>
+          </p:cNvPr>
+          <p:cNvSpPr txBox="1"/>
+          <p:nvPr/>
+        </p:nvSpPr>
+        <p:spPr>
+          <a:xfrm>
+            <a:off x="1932829" y="1361047"/>
+            <a:ext cx="1884234" cy="369332"/>
+          </a:xfrm>
+          <a:prstGeom prst="rect">
+            <a:avLst/>
+          </a:prstGeom>
+          <a:noFill/>
+        </p:spPr>
+        <p:txBody>
+          <a:bodyPr wrap="none" rtlCol="0">
+            <a:spAutoFit/>
+          </a:bodyPr>
+          <a:lstStyle/>
+          <a:p>
+            <a:r>
+              <a:rPr lang="en-US" dirty="0">
+                <a:solidFill>
+                  <a:schemeClr val="accent6">
+                    <a:lumMod val="75000"/>
+                  </a:schemeClr>
+                </a:solidFill>
+              </a:rPr>
+              <a:t>Starting Condition</a:t>
+            </a:r>
+          </a:p>
+        </p:txBody>
+      </p:sp>
+      <p:sp>
+        <p:nvSpPr>
+          <p:cNvPr id="13" name="TextBox 12">
+            <a:extLst>
+              <a:ext uri="{FF2B5EF4-FFF2-40B4-BE49-F238E27FC236}">
+                <a16:creationId xmlns:a16="http://schemas.microsoft.com/office/drawing/2014/main" id="{EEE27833-6AE7-4490-ACA8-634D7BF527E7}"/>
+              </a:ext>
+            </a:extLst>
+          </p:cNvPr>
+          <p:cNvSpPr txBox="1"/>
+          <p:nvPr/>
+        </p:nvSpPr>
+        <p:spPr>
+          <a:xfrm>
+            <a:off x="1932829" y="1792590"/>
+            <a:ext cx="1690656" cy="369332"/>
+          </a:xfrm>
+          <a:prstGeom prst="rect">
+            <a:avLst/>
+          </a:prstGeom>
+          <a:noFill/>
+        </p:spPr>
+        <p:txBody>
+          <a:bodyPr wrap="none" rtlCol="0">
+            <a:spAutoFit/>
+          </a:bodyPr>
+          <a:lstStyle/>
+          <a:p>
+            <a:r>
+              <a:rPr lang="en-US" dirty="0"/>
+              <a:t>Where we start.</a:t>
+            </a:r>
+          </a:p>
+        </p:txBody>
+      </p:sp>
       <p:cxnSp>
         <p:nvCxnSpPr>
-          <p:cNvPr id="10" name="Straight Connector 9">
-            <a:extLst>
-              <a:ext uri="{FF2B5EF4-FFF2-40B4-BE49-F238E27FC236}">
-                <a16:creationId xmlns:a16="http://schemas.microsoft.com/office/drawing/2014/main" id="{919ADC1C-0558-439F-A333-9AA3CEA1B859}"/>
+          <p:cNvPr id="15" name="Straight Connector 14">
+            <a:extLst>
+              <a:ext uri="{FF2B5EF4-FFF2-40B4-BE49-F238E27FC236}">
+                <a16:creationId xmlns:a16="http://schemas.microsoft.com/office/drawing/2014/main" id="{3EF40E82-75AF-4C36-BE82-CD0B838F564A}"/>
               </a:ext>
             </a:extLst>
           </p:cNvPr>
@@ -4610,9 +4545,9 @@
           <p:nvPr/>
         </p:nvCxnSpPr>
         <p:spPr>
-          <a:xfrm>
-            <a:off x="2788003" y="1807362"/>
-            <a:ext cx="995363" cy="476250"/>
+          <a:xfrm flipV="1">
+            <a:off x="2018553" y="3784045"/>
+            <a:ext cx="1966913" cy="14287"/>
           </a:xfrm>
           <a:prstGeom prst="line">
             <a:avLst/>
@@ -4636,54 +4571,10 @@
       </p:cxnSp>
       <p:sp>
         <p:nvSpPr>
-          <p:cNvPr id="11" name="Oval 10">
-            <a:extLst>
-              <a:ext uri="{FF2B5EF4-FFF2-40B4-BE49-F238E27FC236}">
-                <a16:creationId xmlns:a16="http://schemas.microsoft.com/office/drawing/2014/main" id="{B8162159-F990-4B83-B1ED-B71983DC26AC}"/>
-              </a:ext>
-            </a:extLst>
-          </p:cNvPr>
-          <p:cNvSpPr/>
-          <p:nvPr/>
-        </p:nvSpPr>
-        <p:spPr>
-          <a:xfrm>
-            <a:off x="3700202" y="2197888"/>
-            <a:ext cx="133350" cy="133350"/>
-          </a:xfrm>
-          <a:prstGeom prst="ellipse">
-            <a:avLst/>
-          </a:prstGeom>
-        </p:spPr>
-        <p:style>
-          <a:lnRef idx="2">
-            <a:schemeClr val="accent6"/>
-          </a:lnRef>
-          <a:fillRef idx="1">
-            <a:schemeClr val="lt1"/>
-          </a:fillRef>
-          <a:effectRef idx="0">
-            <a:schemeClr val="accent6"/>
-          </a:effectRef>
-          <a:fontRef idx="minor">
-            <a:schemeClr val="dk1"/>
-          </a:fontRef>
-        </p:style>
-        <p:txBody>
-          <a:bodyPr rtlCol="0" anchor="ctr"/>
-          <a:lstStyle/>
-          <a:p>
-            <a:pPr algn="ctr"/>
-            <a:endParaRPr lang="en-US" dirty="0"/>
-          </a:p>
-        </p:txBody>
-      </p:sp>
-      <p:sp>
-        <p:nvSpPr>
-          <p:cNvPr id="12" name="TextBox 11">
-            <a:extLst>
-              <a:ext uri="{FF2B5EF4-FFF2-40B4-BE49-F238E27FC236}">
-                <a16:creationId xmlns:a16="http://schemas.microsoft.com/office/drawing/2014/main" id="{2F21B15B-18F0-404B-A4D9-CF02D6672999}"/>
+          <p:cNvPr id="18" name="TextBox 17">
+            <a:extLst>
+              <a:ext uri="{FF2B5EF4-FFF2-40B4-BE49-F238E27FC236}">
+                <a16:creationId xmlns:a16="http://schemas.microsoft.com/office/drawing/2014/main" id="{6DB2D5B6-174D-4FD1-BD9D-A9A150032FE9}"/>
               </a:ext>
             </a:extLst>
           </p:cNvPr>
@@ -4692,8 +4583,8 @@
         </p:nvSpPr>
         <p:spPr>
           <a:xfrm>
-            <a:off x="644879" y="1438030"/>
-            <a:ext cx="1884234" cy="369332"/>
+            <a:off x="1928066" y="3429000"/>
+            <a:ext cx="657552" cy="369332"/>
           </a:xfrm>
           <a:prstGeom prst="rect">
             <a:avLst/>
@@ -4714,17 +4605,17 @@
                   </a:schemeClr>
                 </a:solidFill>
               </a:rPr>
-              <a:t>Starting Condition</a:t>
-            </a:r>
-          </a:p>
-        </p:txBody>
-      </p:sp>
-      <p:sp>
-        <p:nvSpPr>
-          <p:cNvPr id="13" name="TextBox 12">
-            <a:extLst>
-              <a:ext uri="{FF2B5EF4-FFF2-40B4-BE49-F238E27FC236}">
-                <a16:creationId xmlns:a16="http://schemas.microsoft.com/office/drawing/2014/main" id="{EEE27833-6AE7-4490-ACA8-634D7BF527E7}"/>
+              <a:t>Body</a:t>
+            </a:r>
+          </a:p>
+        </p:txBody>
+      </p:sp>
+      <p:sp>
+        <p:nvSpPr>
+          <p:cNvPr id="21" name="TextBox 20">
+            <a:extLst>
+              <a:ext uri="{FF2B5EF4-FFF2-40B4-BE49-F238E27FC236}">
+                <a16:creationId xmlns:a16="http://schemas.microsoft.com/office/drawing/2014/main" id="{DC718CB7-F8D1-4195-901B-86FD1D2BB6E0}"/>
               </a:ext>
             </a:extLst>
           </p:cNvPr>
@@ -4733,8 +4624,8 @@
         </p:nvSpPr>
         <p:spPr>
           <a:xfrm>
-            <a:off x="644879" y="1869573"/>
-            <a:ext cx="1690656" cy="369332"/>
+            <a:off x="1932829" y="3798332"/>
+            <a:ext cx="1575807" cy="923330"/>
           </a:xfrm>
           <a:prstGeom prst="rect">
             <a:avLst/>
@@ -4742,24 +4633,24 @@
           <a:noFill/>
         </p:spPr>
         <p:txBody>
-          <a:bodyPr wrap="none" rtlCol="0">
+          <a:bodyPr wrap="square" rtlCol="0">
             <a:spAutoFit/>
           </a:bodyPr>
           <a:lstStyle/>
           <a:p>
             <a:r>
               <a:rPr lang="en-US" dirty="0"/>
-              <a:t>Where we start.</a:t>
+              <a:t>What we actually want to do.</a:t>
             </a:r>
           </a:p>
         </p:txBody>
       </p:sp>
       <p:cxnSp>
         <p:nvCxnSpPr>
-          <p:cNvPr id="15" name="Straight Connector 14">
-            <a:extLst>
-              <a:ext uri="{FF2B5EF4-FFF2-40B4-BE49-F238E27FC236}">
-                <a16:creationId xmlns:a16="http://schemas.microsoft.com/office/drawing/2014/main" id="{3EF40E82-75AF-4C36-BE82-CD0B838F564A}"/>
+          <p:cNvPr id="22" name="Straight Connector 21">
+            <a:extLst>
+              <a:ext uri="{FF2B5EF4-FFF2-40B4-BE49-F238E27FC236}">
+                <a16:creationId xmlns:a16="http://schemas.microsoft.com/office/drawing/2014/main" id="{281F65D4-8811-4C7C-9370-9FFB690657BE}"/>
               </a:ext>
             </a:extLst>
           </p:cNvPr>
@@ -4769,9 +4660,9 @@
           <p:nvPr/>
         </p:nvCxnSpPr>
         <p:spPr>
-          <a:xfrm flipV="1">
-            <a:off x="1212916" y="4325905"/>
-            <a:ext cx="1966913" cy="14287"/>
+          <a:xfrm flipH="1">
+            <a:off x="7908188" y="3767817"/>
+            <a:ext cx="1104900" cy="1"/>
           </a:xfrm>
           <a:prstGeom prst="line">
             <a:avLst/>
@@ -4793,25 +4684,65 @@
           </a:fontRef>
         </p:style>
       </p:cxnSp>
+      <p:sp>
+        <p:nvSpPr>
+          <p:cNvPr id="25" name="TextBox 24">
+            <a:extLst>
+              <a:ext uri="{FF2B5EF4-FFF2-40B4-BE49-F238E27FC236}">
+                <a16:creationId xmlns:a16="http://schemas.microsoft.com/office/drawing/2014/main" id="{5FD8137D-08BF-449C-AE7B-0500735A5E83}"/>
+              </a:ext>
+            </a:extLst>
+          </p:cNvPr>
+          <p:cNvSpPr txBox="1"/>
+          <p:nvPr/>
+        </p:nvSpPr>
+        <p:spPr>
+          <a:xfrm>
+            <a:off x="8281742" y="3412772"/>
+            <a:ext cx="874150" cy="369332"/>
+          </a:xfrm>
+          <a:prstGeom prst="rect">
+            <a:avLst/>
+          </a:prstGeom>
+          <a:noFill/>
+        </p:spPr>
+        <p:txBody>
+          <a:bodyPr wrap="none" rtlCol="0">
+            <a:spAutoFit/>
+          </a:bodyPr>
+          <a:lstStyle/>
+          <a:p>
+            <a:r>
+              <a:rPr lang="en-US" dirty="0">
+                <a:solidFill>
+                  <a:schemeClr val="accent6">
+                    <a:lumMod val="75000"/>
+                  </a:schemeClr>
+                </a:solidFill>
+              </a:rPr>
+              <a:t>Update</a:t>
+            </a:r>
+          </a:p>
+        </p:txBody>
+      </p:sp>
       <p:cxnSp>
         <p:nvCxnSpPr>
-          <p:cNvPr id="16" name="Straight Connector 15">
-            <a:extLst>
-              <a:ext uri="{FF2B5EF4-FFF2-40B4-BE49-F238E27FC236}">
-                <a16:creationId xmlns:a16="http://schemas.microsoft.com/office/drawing/2014/main" id="{BD704978-A488-43B5-8D13-A641FA7B8F5F}"/>
+          <p:cNvPr id="29" name="Straight Connector 28">
+            <a:extLst>
+              <a:ext uri="{FF2B5EF4-FFF2-40B4-BE49-F238E27FC236}">
+                <a16:creationId xmlns:a16="http://schemas.microsoft.com/office/drawing/2014/main" id="{019108DC-831E-4879-A640-53B4FCF9C7A9}"/>
               </a:ext>
             </a:extLst>
           </p:cNvPr>
           <p:cNvCxnSpPr>
             <a:cxnSpLocks/>
-            <a:endCxn id="17" idx="3"/>
           </p:cNvCxnSpPr>
           <p:nvPr/>
         </p:nvCxnSpPr>
         <p:spPr>
-          <a:xfrm flipV="1">
-            <a:off x="3179829" y="3149956"/>
-            <a:ext cx="1616625" cy="1178094"/>
+          <a:xfrm flipH="1">
+            <a:off x="7525780" y="1700298"/>
+            <a:ext cx="1913188" cy="0"/>
           </a:xfrm>
           <a:prstGeom prst="line">
             <a:avLst/>
@@ -4835,54 +4766,10 @@
       </p:cxnSp>
       <p:sp>
         <p:nvSpPr>
-          <p:cNvPr id="17" name="Oval 16">
-            <a:extLst>
-              <a:ext uri="{FF2B5EF4-FFF2-40B4-BE49-F238E27FC236}">
-                <a16:creationId xmlns:a16="http://schemas.microsoft.com/office/drawing/2014/main" id="{FB49C377-E263-47FC-9ECC-AF19F9C12794}"/>
-              </a:ext>
-            </a:extLst>
-          </p:cNvPr>
-          <p:cNvSpPr/>
-          <p:nvPr/>
-        </p:nvSpPr>
-        <p:spPr>
-          <a:xfrm>
-            <a:off x="4776925" y="3036135"/>
-            <a:ext cx="133350" cy="133350"/>
-          </a:xfrm>
-          <a:prstGeom prst="ellipse">
-            <a:avLst/>
-          </a:prstGeom>
-        </p:spPr>
-        <p:style>
-          <a:lnRef idx="2">
-            <a:schemeClr val="accent6"/>
-          </a:lnRef>
-          <a:fillRef idx="1">
-            <a:schemeClr val="lt1"/>
-          </a:fillRef>
-          <a:effectRef idx="0">
-            <a:schemeClr val="accent6"/>
-          </a:effectRef>
-          <a:fontRef idx="minor">
-            <a:schemeClr val="dk1"/>
-          </a:fontRef>
-        </p:style>
-        <p:txBody>
-          <a:bodyPr rtlCol="0" anchor="ctr"/>
-          <a:lstStyle/>
-          <a:p>
-            <a:pPr algn="ctr"/>
-            <a:endParaRPr lang="en-US" dirty="0"/>
-          </a:p>
-        </p:txBody>
-      </p:sp>
-      <p:sp>
-        <p:nvSpPr>
-          <p:cNvPr id="18" name="TextBox 17">
-            <a:extLst>
-              <a:ext uri="{FF2B5EF4-FFF2-40B4-BE49-F238E27FC236}">
-                <a16:creationId xmlns:a16="http://schemas.microsoft.com/office/drawing/2014/main" id="{6DB2D5B6-174D-4FD1-BD9D-A9A150032FE9}"/>
+          <p:cNvPr id="32" name="TextBox 31">
+            <a:extLst>
+              <a:ext uri="{FF2B5EF4-FFF2-40B4-BE49-F238E27FC236}">
+                <a16:creationId xmlns:a16="http://schemas.microsoft.com/office/drawing/2014/main" id="{1BA67ACD-6A40-4ED1-9EF4-C8F06D2CA166}"/>
               </a:ext>
             </a:extLst>
           </p:cNvPr>
@@ -4891,8 +4778,8 @@
         </p:nvSpPr>
         <p:spPr>
           <a:xfrm>
-            <a:off x="1122429" y="3970860"/>
-            <a:ext cx="657552" cy="369332"/>
+            <a:off x="7422996" y="1361047"/>
+            <a:ext cx="1982594" cy="369332"/>
           </a:xfrm>
           <a:prstGeom prst="rect">
             <a:avLst/>
@@ -4913,17 +4800,17 @@
                   </a:schemeClr>
                 </a:solidFill>
               </a:rPr>
-              <a:t>Body</a:t>
-            </a:r>
-          </a:p>
-        </p:txBody>
-      </p:sp>
-      <p:sp>
-        <p:nvSpPr>
-          <p:cNvPr id="21" name="TextBox 20">
-            <a:extLst>
-              <a:ext uri="{FF2B5EF4-FFF2-40B4-BE49-F238E27FC236}">
-                <a16:creationId xmlns:a16="http://schemas.microsoft.com/office/drawing/2014/main" id="{DC718CB7-F8D1-4195-901B-86FD1D2BB6E0}"/>
+              <a:t>Stopping Condition</a:t>
+            </a:r>
+          </a:p>
+        </p:txBody>
+      </p:sp>
+      <p:sp>
+        <p:nvSpPr>
+          <p:cNvPr id="33" name="TextBox 32">
+            <a:extLst>
+              <a:ext uri="{FF2B5EF4-FFF2-40B4-BE49-F238E27FC236}">
+                <a16:creationId xmlns:a16="http://schemas.microsoft.com/office/drawing/2014/main" id="{E4ED2E01-78B9-4E9E-97D7-97336255BDE0}"/>
               </a:ext>
             </a:extLst>
           </p:cNvPr>
@@ -4932,8 +4819,8 @@
         </p:nvSpPr>
         <p:spPr>
           <a:xfrm>
-            <a:off x="1127192" y="4340192"/>
-            <a:ext cx="1575807" cy="923330"/>
+            <a:off x="7808708" y="1717237"/>
+            <a:ext cx="1596882" cy="1200329"/>
           </a:xfrm>
           <a:prstGeom prst="rect">
             <a:avLst/>
@@ -4946,142 +4833,27 @@
           </a:bodyPr>
           <a:lstStyle/>
           <a:p>
+            <a:pPr algn="r"/>
             <a:r>
               <a:rPr lang="en-US" dirty="0"/>
-              <a:t>What we actually want to do.</a:t>
-            </a:r>
-          </a:p>
-        </p:txBody>
-      </p:sp>
-      <p:cxnSp>
-        <p:nvCxnSpPr>
-          <p:cNvPr id="22" name="Straight Connector 21">
-            <a:extLst>
-              <a:ext uri="{FF2B5EF4-FFF2-40B4-BE49-F238E27FC236}">
-                <a16:creationId xmlns:a16="http://schemas.microsoft.com/office/drawing/2014/main" id="{281F65D4-8811-4C7C-9370-9FFB690657BE}"/>
-              </a:ext>
-            </a:extLst>
-          </p:cNvPr>
-          <p:cNvCxnSpPr>
-            <a:cxnSpLocks/>
-          </p:cNvCxnSpPr>
-          <p:nvPr/>
-        </p:nvCxnSpPr>
-        <p:spPr>
-          <a:xfrm flipH="1">
-            <a:off x="9551579" y="3477064"/>
-            <a:ext cx="1104900" cy="1"/>
-          </a:xfrm>
-          <a:prstGeom prst="line">
-            <a:avLst/>
-          </a:prstGeom>
-          <a:ln cap="rnd"/>
-        </p:spPr>
-        <p:style>
-          <a:lnRef idx="3">
-            <a:schemeClr val="accent6"/>
-          </a:lnRef>
-          <a:fillRef idx="0">
-            <a:schemeClr val="accent6"/>
-          </a:fillRef>
-          <a:effectRef idx="2">
-            <a:schemeClr val="accent6"/>
-          </a:effectRef>
-          <a:fontRef idx="minor">
-            <a:schemeClr val="tx1"/>
-          </a:fontRef>
-        </p:style>
-      </p:cxnSp>
-      <p:cxnSp>
-        <p:nvCxnSpPr>
-          <p:cNvPr id="23" name="Straight Connector 22">
-            <a:extLst>
-              <a:ext uri="{FF2B5EF4-FFF2-40B4-BE49-F238E27FC236}">
-                <a16:creationId xmlns:a16="http://schemas.microsoft.com/office/drawing/2014/main" id="{E0D3EF36-CFD1-4353-B6BE-50AEE339ED21}"/>
-              </a:ext>
-            </a:extLst>
-          </p:cNvPr>
-          <p:cNvCxnSpPr>
-            <a:cxnSpLocks/>
-            <a:endCxn id="24" idx="5"/>
-          </p:cNvCxnSpPr>
-          <p:nvPr/>
-        </p:nvCxnSpPr>
-        <p:spPr>
-          <a:xfrm flipH="1" flipV="1">
-            <a:off x="7694958" y="2595206"/>
-            <a:ext cx="1856621" cy="881858"/>
-          </a:xfrm>
-          <a:prstGeom prst="line">
-            <a:avLst/>
-          </a:prstGeom>
-          <a:ln cap="rnd"/>
-        </p:spPr>
-        <p:style>
-          <a:lnRef idx="3">
-            <a:schemeClr val="accent6"/>
-          </a:lnRef>
-          <a:fillRef idx="0">
-            <a:schemeClr val="accent6"/>
-          </a:fillRef>
-          <a:effectRef idx="2">
-            <a:schemeClr val="accent6"/>
-          </a:effectRef>
-          <a:fontRef idx="minor">
-            <a:schemeClr val="tx1"/>
-          </a:fontRef>
-        </p:style>
-      </p:cxnSp>
-      <p:sp>
-        <p:nvSpPr>
-          <p:cNvPr id="24" name="Oval 23">
-            <a:extLst>
-              <a:ext uri="{FF2B5EF4-FFF2-40B4-BE49-F238E27FC236}">
-                <a16:creationId xmlns:a16="http://schemas.microsoft.com/office/drawing/2014/main" id="{9442696C-9BC0-478B-9CA9-E9EE6FB12287}"/>
-              </a:ext>
-            </a:extLst>
-          </p:cNvPr>
-          <p:cNvSpPr/>
-          <p:nvPr/>
-        </p:nvSpPr>
-        <p:spPr>
-          <a:xfrm>
-            <a:off x="7581137" y="2481385"/>
-            <a:ext cx="133350" cy="133350"/>
-          </a:xfrm>
-          <a:prstGeom prst="ellipse">
-            <a:avLst/>
-          </a:prstGeom>
-        </p:spPr>
-        <p:style>
-          <a:lnRef idx="2">
-            <a:schemeClr val="accent6"/>
-          </a:lnRef>
-          <a:fillRef idx="1">
-            <a:schemeClr val="lt1"/>
-          </a:fillRef>
-          <a:effectRef idx="0">
-            <a:schemeClr val="accent6"/>
-          </a:effectRef>
-          <a:fontRef idx="minor">
-            <a:schemeClr val="dk1"/>
-          </a:fontRef>
-        </p:style>
-        <p:txBody>
-          <a:bodyPr rtlCol="0" anchor="ctr"/>
-          <a:lstStyle/>
-          <a:p>
-            <a:pPr algn="ctr"/>
-            <a:endParaRPr lang="en-US" dirty="0"/>
-          </a:p>
-        </p:txBody>
-      </p:sp>
-      <p:sp>
-        <p:nvSpPr>
-          <p:cNvPr id="25" name="TextBox 24">
-            <a:extLst>
-              <a:ext uri="{FF2B5EF4-FFF2-40B4-BE49-F238E27FC236}">
-                <a16:creationId xmlns:a16="http://schemas.microsoft.com/office/drawing/2014/main" id="{5FD8137D-08BF-449C-AE7B-0500735A5E83}"/>
+              <a:t>Also called the “Invariant.”</a:t>
+            </a:r>
+          </a:p>
+          <a:p>
+            <a:pPr algn="r"/>
+            <a:r>
+              <a:rPr lang="en-US" dirty="0"/>
+              <a:t>Tells us when to stop.</a:t>
+            </a:r>
+          </a:p>
+        </p:txBody>
+      </p:sp>
+      <p:sp>
+        <p:nvSpPr>
+          <p:cNvPr id="38" name="TextBox 37">
+            <a:extLst>
+              <a:ext uri="{FF2B5EF4-FFF2-40B4-BE49-F238E27FC236}">
+                <a16:creationId xmlns:a16="http://schemas.microsoft.com/office/drawing/2014/main" id="{91D2CAB9-EF2E-4B5B-B20A-806B6DD60F42}"/>
               </a:ext>
             </a:extLst>
           </p:cNvPr>
@@ -5090,8 +4862,8 @@
         </p:nvSpPr>
         <p:spPr>
           <a:xfrm>
-            <a:off x="9925133" y="3122019"/>
-            <a:ext cx="874150" cy="369332"/>
+            <a:off x="0" y="250222"/>
+            <a:ext cx="12192000" cy="523220"/>
           </a:xfrm>
           <a:prstGeom prst="rect">
             <a:avLst/>
@@ -5099,259 +4871,11 @@
           <a:noFill/>
         </p:spPr>
         <p:txBody>
-          <a:bodyPr wrap="none" rtlCol="0">
-            <a:spAutoFit/>
-          </a:bodyPr>
-          <a:lstStyle/>
-          <a:p>
-            <a:r>
-              <a:rPr lang="en-US" dirty="0">
-                <a:solidFill>
-                  <a:schemeClr val="accent6">
-                    <a:lumMod val="75000"/>
-                  </a:schemeClr>
-                </a:solidFill>
-              </a:rPr>
-              <a:t>Update</a:t>
-            </a:r>
-          </a:p>
-        </p:txBody>
-      </p:sp>
-      <p:cxnSp>
-        <p:nvCxnSpPr>
-          <p:cNvPr id="29" name="Straight Connector 28">
-            <a:extLst>
-              <a:ext uri="{FF2B5EF4-FFF2-40B4-BE49-F238E27FC236}">
-                <a16:creationId xmlns:a16="http://schemas.microsoft.com/office/drawing/2014/main" id="{019108DC-831E-4879-A640-53B4FCF9C7A9}"/>
-              </a:ext>
-            </a:extLst>
-          </p:cNvPr>
-          <p:cNvCxnSpPr>
-            <a:cxnSpLocks/>
-          </p:cNvCxnSpPr>
-          <p:nvPr/>
-        </p:nvCxnSpPr>
-        <p:spPr>
-          <a:xfrm flipH="1">
-            <a:off x="9169171" y="1409545"/>
-            <a:ext cx="1913188" cy="0"/>
-          </a:xfrm>
-          <a:prstGeom prst="line">
-            <a:avLst/>
-          </a:prstGeom>
-          <a:ln cap="rnd"/>
-        </p:spPr>
-        <p:style>
-          <a:lnRef idx="3">
-            <a:schemeClr val="accent6"/>
-          </a:lnRef>
-          <a:fillRef idx="0">
-            <a:schemeClr val="accent6"/>
-          </a:fillRef>
-          <a:effectRef idx="2">
-            <a:schemeClr val="accent6"/>
-          </a:effectRef>
-          <a:fontRef idx="minor">
-            <a:schemeClr val="tx1"/>
-          </a:fontRef>
-        </p:style>
-      </p:cxnSp>
-      <p:cxnSp>
-        <p:nvCxnSpPr>
-          <p:cNvPr id="30" name="Straight Connector 29">
-            <a:extLst>
-              <a:ext uri="{FF2B5EF4-FFF2-40B4-BE49-F238E27FC236}">
-                <a16:creationId xmlns:a16="http://schemas.microsoft.com/office/drawing/2014/main" id="{E7DB3AE7-E4CD-4EDA-8372-16564775FA28}"/>
-              </a:ext>
-            </a:extLst>
-          </p:cNvPr>
-          <p:cNvCxnSpPr>
-            <a:cxnSpLocks/>
-            <a:endCxn id="31" idx="6"/>
-          </p:cNvCxnSpPr>
-          <p:nvPr/>
-        </p:nvCxnSpPr>
-        <p:spPr>
-          <a:xfrm flipH="1">
-            <a:off x="6162675" y="1409545"/>
-            <a:ext cx="3006496" cy="906606"/>
-          </a:xfrm>
-          <a:prstGeom prst="line">
-            <a:avLst/>
-          </a:prstGeom>
-          <a:ln cap="rnd"/>
-        </p:spPr>
-        <p:style>
-          <a:lnRef idx="3">
-            <a:schemeClr val="accent6"/>
-          </a:lnRef>
-          <a:fillRef idx="0">
-            <a:schemeClr val="accent6"/>
-          </a:fillRef>
-          <a:effectRef idx="2">
-            <a:schemeClr val="accent6"/>
-          </a:effectRef>
-          <a:fontRef idx="minor">
-            <a:schemeClr val="tx1"/>
-          </a:fontRef>
-        </p:style>
-      </p:cxnSp>
-      <p:sp>
-        <p:nvSpPr>
-          <p:cNvPr id="31" name="Oval 30">
-            <a:extLst>
-              <a:ext uri="{FF2B5EF4-FFF2-40B4-BE49-F238E27FC236}">
-                <a16:creationId xmlns:a16="http://schemas.microsoft.com/office/drawing/2014/main" id="{6FFE47B9-57C8-4E04-91FB-14709991813A}"/>
-              </a:ext>
-            </a:extLst>
-          </p:cNvPr>
-          <p:cNvSpPr/>
-          <p:nvPr/>
-        </p:nvSpPr>
-        <p:spPr>
-          <a:xfrm>
-            <a:off x="6029325" y="2249476"/>
-            <a:ext cx="133350" cy="133350"/>
-          </a:xfrm>
-          <a:prstGeom prst="ellipse">
-            <a:avLst/>
-          </a:prstGeom>
-        </p:spPr>
-        <p:style>
-          <a:lnRef idx="2">
-            <a:schemeClr val="accent6"/>
-          </a:lnRef>
-          <a:fillRef idx="1">
-            <a:schemeClr val="lt1"/>
-          </a:fillRef>
-          <a:effectRef idx="0">
-            <a:schemeClr val="accent6"/>
-          </a:effectRef>
-          <a:fontRef idx="minor">
-            <a:schemeClr val="dk1"/>
-          </a:fontRef>
-        </p:style>
-        <p:txBody>
-          <a:bodyPr rtlCol="0" anchor="ctr"/>
-          <a:lstStyle/>
-          <a:p>
-            <a:pPr algn="ctr"/>
-            <a:endParaRPr lang="en-US" dirty="0"/>
-          </a:p>
-        </p:txBody>
-      </p:sp>
-      <p:sp>
-        <p:nvSpPr>
-          <p:cNvPr id="32" name="TextBox 31">
-            <a:extLst>
-              <a:ext uri="{FF2B5EF4-FFF2-40B4-BE49-F238E27FC236}">
-                <a16:creationId xmlns:a16="http://schemas.microsoft.com/office/drawing/2014/main" id="{1BA67ACD-6A40-4ED1-9EF4-C8F06D2CA166}"/>
-              </a:ext>
-            </a:extLst>
-          </p:cNvPr>
-          <p:cNvSpPr txBox="1"/>
-          <p:nvPr/>
-        </p:nvSpPr>
-        <p:spPr>
-          <a:xfrm>
-            <a:off x="9066387" y="1070294"/>
-            <a:ext cx="1982594" cy="369332"/>
-          </a:xfrm>
-          <a:prstGeom prst="rect">
-            <a:avLst/>
-          </a:prstGeom>
-          <a:noFill/>
-        </p:spPr>
-        <p:txBody>
-          <a:bodyPr wrap="none" rtlCol="0">
-            <a:spAutoFit/>
-          </a:bodyPr>
-          <a:lstStyle/>
-          <a:p>
-            <a:r>
-              <a:rPr lang="en-US" dirty="0">
-                <a:solidFill>
-                  <a:schemeClr val="accent6">
-                    <a:lumMod val="75000"/>
-                  </a:schemeClr>
-                </a:solidFill>
-              </a:rPr>
-              <a:t>Stopping Condition</a:t>
-            </a:r>
-          </a:p>
-        </p:txBody>
-      </p:sp>
-      <p:sp>
-        <p:nvSpPr>
-          <p:cNvPr id="33" name="TextBox 32">
-            <a:extLst>
-              <a:ext uri="{FF2B5EF4-FFF2-40B4-BE49-F238E27FC236}">
-                <a16:creationId xmlns:a16="http://schemas.microsoft.com/office/drawing/2014/main" id="{E4ED2E01-78B9-4E9E-97D7-97336255BDE0}"/>
-              </a:ext>
-            </a:extLst>
-          </p:cNvPr>
-          <p:cNvSpPr txBox="1"/>
-          <p:nvPr/>
-        </p:nvSpPr>
-        <p:spPr>
-          <a:xfrm>
-            <a:off x="9169171" y="1461236"/>
-            <a:ext cx="1596882" cy="1200329"/>
-          </a:xfrm>
-          <a:prstGeom prst="rect">
-            <a:avLst/>
-          </a:prstGeom>
-          <a:noFill/>
-        </p:spPr>
-        <p:txBody>
           <a:bodyPr wrap="square" rtlCol="0">
             <a:spAutoFit/>
           </a:bodyPr>
           <a:lstStyle/>
           <a:p>
-            <a:pPr algn="r"/>
-            <a:r>
-              <a:rPr lang="en-US" dirty="0"/>
-              <a:t>Also called the “Invariant.”</a:t>
-            </a:r>
-          </a:p>
-          <a:p>
-            <a:pPr algn="r"/>
-            <a:r>
-              <a:rPr lang="en-US" dirty="0"/>
-              <a:t>Tells us when to stop.</a:t>
-            </a:r>
-          </a:p>
-        </p:txBody>
-      </p:sp>
-      <p:sp>
-        <p:nvSpPr>
-          <p:cNvPr id="38" name="TextBox 37">
-            <a:extLst>
-              <a:ext uri="{FF2B5EF4-FFF2-40B4-BE49-F238E27FC236}">
-                <a16:creationId xmlns:a16="http://schemas.microsoft.com/office/drawing/2014/main" id="{91D2CAB9-EF2E-4B5B-B20A-806B6DD60F42}"/>
-              </a:ext>
-            </a:extLst>
-          </p:cNvPr>
-          <p:cNvSpPr txBox="1"/>
-          <p:nvPr/>
-        </p:nvSpPr>
-        <p:spPr>
-          <a:xfrm>
-            <a:off x="0" y="250222"/>
-            <a:ext cx="12192000" cy="523220"/>
-          </a:xfrm>
-          <a:prstGeom prst="rect">
-            <a:avLst/>
-          </a:prstGeom>
-          <a:noFill/>
-        </p:spPr>
-        <p:txBody>
-          <a:bodyPr wrap="square" rtlCol="0">
-            <a:spAutoFit/>
-          </a:bodyPr>
-          <a:lstStyle/>
-          <a:p>
             <a:pPr algn="ctr"/>
             <a:r>
               <a:rPr lang="en-US" sz="2800" dirty="0">
@@ -5361,7 +4885,7 @@
                   </a:schemeClr>
                 </a:solidFill>
               </a:rPr>
-              <a:t>Four Parts of a Loop (for) </a:t>
+              <a:t>Four Parts of a Loop</a:t>
             </a:r>
           </a:p>
         </p:txBody>
@@ -5682,7 +5206,7 @@
         </p:nvSpPr>
         <p:spPr>
           <a:xfrm>
-            <a:off x="9202401" y="3491351"/>
+            <a:off x="7559010" y="3782104"/>
             <a:ext cx="1596882" cy="646331"/>
           </a:xfrm>
           <a:prstGeom prst="rect">
@@ -5704,10 +5228,107 @@
           </a:p>
         </p:txBody>
       </p:sp>
+      <p:pic>
+        <p:nvPicPr>
+          <p:cNvPr id="4" name="Picture 3" descr="A picture containing sitting&#10;&#10;Description automatically generated">
+            <a:extLst>
+              <a:ext uri="{FF2B5EF4-FFF2-40B4-BE49-F238E27FC236}">
+                <a16:creationId xmlns:a16="http://schemas.microsoft.com/office/drawing/2014/main" id="{725F99D4-F069-4650-9E88-B8EAD6F9FE8C}"/>
+              </a:ext>
+            </a:extLst>
+          </p:cNvPr>
+          <p:cNvPicPr>
+            <a:picLocks noChangeAspect="1"/>
+          </p:cNvPicPr>
+          <p:nvPr/>
+        </p:nvPicPr>
+        <p:blipFill>
+          <a:blip r:embed="rId2">
+            <a:extLst>
+              <a:ext uri="{28A0092B-C50C-407E-A947-70E740481C1C}">
+                <a14:useLocalDpi xmlns:a14="http://schemas.microsoft.com/office/drawing/2010/main" val="0"/>
+              </a:ext>
+            </a:extLst>
+          </a:blip>
+          <a:stretch>
+            <a:fillRect/>
+          </a:stretch>
+        </p:blipFill>
+        <p:spPr>
+          <a:xfrm>
+            <a:off x="3393910" y="1362027"/>
+            <a:ext cx="4854454" cy="3640840"/>
+          </a:xfrm>
+          <a:prstGeom prst="rect">
+            <a:avLst/>
+          </a:prstGeom>
+          <a:effectLst>
+            <a:softEdge rad="635000"/>
+          </a:effectLst>
+        </p:spPr>
+      </p:pic>
+      <p:sp>
+        <p:nvSpPr>
+          <p:cNvPr id="6" name="TextBox 5">
+            <a:extLst>
+              <a:ext uri="{FF2B5EF4-FFF2-40B4-BE49-F238E27FC236}">
+                <a16:creationId xmlns:a16="http://schemas.microsoft.com/office/drawing/2014/main" id="{AE288902-A926-4FAF-B41A-933B72A9167A}"/>
+              </a:ext>
+            </a:extLst>
+          </p:cNvPr>
+          <p:cNvSpPr txBox="1"/>
+          <p:nvPr/>
+        </p:nvSpPr>
+        <p:spPr>
+          <a:xfrm>
+            <a:off x="151108" y="6423112"/>
+            <a:ext cx="1819985" cy="338554"/>
+          </a:xfrm>
+          <a:prstGeom prst="rect">
+            <a:avLst/>
+          </a:prstGeom>
+          <a:noFill/>
+        </p:spPr>
+        <p:txBody>
+          <a:bodyPr wrap="none" rtlCol="0">
+            <a:spAutoFit/>
+          </a:bodyPr>
+          <a:lstStyle/>
+          <a:p>
+            <a:r>
+              <a:rPr lang="en-US" sz="1600" dirty="0">
+                <a:solidFill>
+                  <a:schemeClr val="bg1">
+                    <a:lumMod val="65000"/>
+                  </a:schemeClr>
+                </a:solidFill>
+              </a:rPr>
+              <a:t>Image from </a:t>
+            </a:r>
+            <a:r>
+              <a:rPr lang="en-US" sz="1600" dirty="0" err="1">
+                <a:solidFill>
+                  <a:schemeClr val="bg1">
+                    <a:lumMod val="65000"/>
+                  </a:schemeClr>
+                </a:solidFill>
+              </a:rPr>
+              <a:t>Pixabay</a:t>
+            </a:r>
+            <a:endParaRPr lang="en-US" sz="1600" dirty="0">
+              <a:solidFill>
+                <a:schemeClr val="bg1">
+                  <a:lumMod val="65000"/>
+                </a:schemeClr>
+              </a:solidFill>
+            </a:endParaRPr>
+          </a:p>
+        </p:txBody>
+      </p:sp>
     </p:spTree>
     <p:extLst>
       <p:ext uri="{BB962C8B-B14F-4D97-AF65-F5344CB8AC3E}">
-        <p14:creationId xmlns:p14="http://schemas.microsoft.com/office/powerpoint/2010/main" val="3451868537"/>
+        <p14:creationId xmlns:p14="http://schemas.microsoft.com/office/powerpoint/2010/main" val="4267201624"/>
       </p:ext>
     </p:extLst>
   </p:cSld>
@@ -5800,8 +5421,8 @@
         </p:nvSpPr>
         <p:spPr>
           <a:xfrm>
-            <a:off x="3477330" y="1646462"/>
-            <a:ext cx="5239684" cy="2585323"/>
+            <a:off x="2891915" y="2249477"/>
+            <a:ext cx="5239684" cy="1477328"/>
           </a:xfrm>
           <a:prstGeom prst="rect">
             <a:avLst/>
@@ -5822,6 +5443,26 @@
                 <a:effectLst/>
                 <a:latin typeface="Consolas" panose="020B0609020204030204" pitchFamily="49" charset="0"/>
               </a:rPr>
+              <a:t>for</a:t>
+            </a:r>
+            <a:r>
+              <a:rPr lang="en-US" b="0" dirty="0">
+                <a:solidFill>
+                  <a:srgbClr val="000000"/>
+                </a:solidFill>
+                <a:effectLst/>
+                <a:latin typeface="Consolas" panose="020B0609020204030204" pitchFamily="49" charset="0"/>
+              </a:rPr>
+              <a:t>(</a:t>
+            </a:r>
+            <a:r>
+              <a:rPr lang="en-US" b="0" dirty="0">
+                <a:solidFill>
+                  <a:srgbClr val="0000FF"/>
+                </a:solidFill>
+                <a:effectLst/>
+                <a:latin typeface="Consolas" panose="020B0609020204030204" pitchFamily="49" charset="0"/>
+              </a:rPr>
               <a:t>int</a:t>
             </a:r>
             <a:r>
@@ -5872,7 +5513,67 @@
                 <a:effectLst/>
                 <a:latin typeface="Consolas" panose="020B0609020204030204" pitchFamily="49" charset="0"/>
               </a:rPr>
-              <a:t>;</a:t>
+              <a:t>; </a:t>
+            </a:r>
+            <a:r>
+              <a:rPr lang="en-US" b="0" dirty="0" err="1">
+                <a:solidFill>
+                  <a:srgbClr val="000000"/>
+                </a:solidFill>
+                <a:effectLst/>
+                <a:latin typeface="Consolas" panose="020B0609020204030204" pitchFamily="49" charset="0"/>
+              </a:rPr>
+              <a:t>i</a:t>
+            </a:r>
+            <a:r>
+              <a:rPr lang="en-US" b="0" dirty="0">
+                <a:solidFill>
+                  <a:srgbClr val="000000"/>
+                </a:solidFill>
+                <a:effectLst/>
+                <a:latin typeface="Consolas" panose="020B0609020204030204" pitchFamily="49" charset="0"/>
+              </a:rPr>
+              <a:t> &lt; </a:t>
+            </a:r>
+            <a:r>
+              <a:rPr lang="en-US" b="0" dirty="0" err="1">
+                <a:solidFill>
+                  <a:srgbClr val="000000"/>
+                </a:solidFill>
+                <a:effectLst/>
+                <a:latin typeface="Consolas" panose="020B0609020204030204" pitchFamily="49" charset="0"/>
+              </a:rPr>
+              <a:t>numbers.length</a:t>
+            </a:r>
+            <a:r>
+              <a:rPr lang="en-US" b="0" dirty="0">
+                <a:solidFill>
+                  <a:srgbClr val="000000"/>
+                </a:solidFill>
+                <a:effectLst/>
+                <a:latin typeface="Consolas" panose="020B0609020204030204" pitchFamily="49" charset="0"/>
+              </a:rPr>
+              <a:t>; </a:t>
+            </a:r>
+            <a:r>
+              <a:rPr lang="en-US" b="0" dirty="0" err="1">
+                <a:solidFill>
+                  <a:srgbClr val="000000"/>
+                </a:solidFill>
+                <a:effectLst/>
+                <a:latin typeface="Consolas" panose="020B0609020204030204" pitchFamily="49" charset="0"/>
+              </a:rPr>
+              <a:t>i</a:t>
+            </a:r>
+            <a:r>
+              <a:rPr lang="en-US" b="0" dirty="0">
+                <a:solidFill>
+                  <a:srgbClr val="000000"/>
+                </a:solidFill>
+                <a:effectLst/>
+                <a:latin typeface="Consolas" panose="020B0609020204030204" pitchFamily="49" charset="0"/>
+              </a:rPr>
+              <a:t>++){</a:t>
             </a:r>
           </a:p>
           <a:p>
@@ -5888,22 +5589,12 @@
             <a:r>
               <a:rPr lang="en-US" b="0" dirty="0">
                 <a:solidFill>
-                  <a:srgbClr val="0000FF"/>
-                </a:solidFill>
-                <a:effectLst/>
-                <a:latin typeface="Consolas" panose="020B0609020204030204" pitchFamily="49" charset="0"/>
-              </a:rPr>
-              <a:t>while</a:t>
-            </a:r>
-            <a:r>
-              <a:rPr lang="en-US" b="0" dirty="0">
-                <a:solidFill>
-                  <a:srgbClr val="000000"/>
-                </a:solidFill>
-                <a:effectLst/>
-                <a:latin typeface="Consolas" panose="020B0609020204030204" pitchFamily="49" charset="0"/>
-              </a:rPr>
-              <a:t>(</a:t>
+                  <a:srgbClr val="000000"/>
+                </a:solidFill>
+                <a:effectLst/>
+                <a:latin typeface="Consolas" panose="020B0609020204030204" pitchFamily="49" charset="0"/>
+              </a:rPr>
+              <a:t>   </a:t>
             </a:r>
             <a:r>
               <a:rPr lang="en-US" b="0" dirty="0" err="1">
@@ -5913,6 +5604,26 @@
                 <a:effectLst/>
                 <a:latin typeface="Consolas" panose="020B0609020204030204" pitchFamily="49" charset="0"/>
               </a:rPr>
+              <a:t>System.out.println</a:t>
+            </a:r>
+            <a:r>
+              <a:rPr lang="en-US" b="0" dirty="0">
+                <a:solidFill>
+                  <a:srgbClr val="000000"/>
+                </a:solidFill>
+                <a:effectLst/>
+                <a:latin typeface="Consolas" panose="020B0609020204030204" pitchFamily="49" charset="0"/>
+              </a:rPr>
+              <a:t>(numbers[</a:t>
+            </a:r>
+            <a:r>
+              <a:rPr lang="en-US" b="0" dirty="0" err="1">
+                <a:solidFill>
+                  <a:srgbClr val="000000"/>
+                </a:solidFill>
+                <a:effectLst/>
+                <a:latin typeface="Consolas" panose="020B0609020204030204" pitchFamily="49" charset="0"/>
+              </a:rPr>
               <a:t>i</a:t>
             </a:r>
             <a:r>
@@ -5923,129 +5634,7 @@
                 <a:effectLst/>
                 <a:latin typeface="Consolas" panose="020B0609020204030204" pitchFamily="49" charset="0"/>
               </a:rPr>
-              <a:t>&lt;</a:t>
-            </a:r>
-            <a:r>
-              <a:rPr lang="en-US" b="0" dirty="0" err="1">
-                <a:solidFill>
-                  <a:srgbClr val="000000"/>
-                </a:solidFill>
-                <a:effectLst/>
-                <a:latin typeface="Consolas" panose="020B0609020204030204" pitchFamily="49" charset="0"/>
-              </a:rPr>
-              <a:t>numbers.length</a:t>
-            </a:r>
-            <a:r>
-              <a:rPr lang="en-US" b="0" dirty="0">
-                <a:solidFill>
-                  <a:srgbClr val="000000"/>
-                </a:solidFill>
-                <a:effectLst/>
-                <a:latin typeface="Consolas" panose="020B0609020204030204" pitchFamily="49" charset="0"/>
-              </a:rPr>
-              <a:t>){</a:t>
-            </a:r>
-          </a:p>
-          <a:p>
-            <a:endParaRPr lang="en-US" b="0" dirty="0">
-              <a:solidFill>
-                <a:srgbClr val="000000"/>
-              </a:solidFill>
-              <a:effectLst/>
-              <a:latin typeface="Consolas" panose="020B0609020204030204" pitchFamily="49" charset="0"/>
-            </a:endParaRPr>
-          </a:p>
-          <a:p>
-            <a:r>
-              <a:rPr lang="en-US" b="0" dirty="0">
-                <a:solidFill>
-                  <a:srgbClr val="000000"/>
-                </a:solidFill>
-                <a:effectLst/>
-                <a:latin typeface="Consolas" panose="020B0609020204030204" pitchFamily="49" charset="0"/>
-              </a:rPr>
-              <a:t>  </a:t>
-            </a:r>
-            <a:r>
-              <a:rPr lang="en-US" b="0" dirty="0" err="1">
-                <a:solidFill>
-                  <a:srgbClr val="000000"/>
-                </a:solidFill>
-                <a:effectLst/>
-                <a:latin typeface="Consolas" panose="020B0609020204030204" pitchFamily="49" charset="0"/>
-              </a:rPr>
-              <a:t>System.out.println</a:t>
-            </a:r>
-            <a:r>
-              <a:rPr lang="en-US" b="0" dirty="0">
-                <a:solidFill>
-                  <a:srgbClr val="000000"/>
-                </a:solidFill>
-                <a:effectLst/>
-                <a:latin typeface="Consolas" panose="020B0609020204030204" pitchFamily="49" charset="0"/>
-              </a:rPr>
-              <a:t>(numbers[</a:t>
-            </a:r>
-            <a:r>
-              <a:rPr lang="en-US" b="0" dirty="0" err="1">
-                <a:solidFill>
-                  <a:srgbClr val="000000"/>
-                </a:solidFill>
-                <a:effectLst/>
-                <a:latin typeface="Consolas" panose="020B0609020204030204" pitchFamily="49" charset="0"/>
-              </a:rPr>
-              <a:t>i</a:t>
-            </a:r>
-            <a:r>
-              <a:rPr lang="en-US" b="0" dirty="0">
-                <a:solidFill>
-                  <a:srgbClr val="000000"/>
-                </a:solidFill>
-                <a:effectLst/>
-                <a:latin typeface="Consolas" panose="020B0609020204030204" pitchFamily="49" charset="0"/>
-              </a:rPr>
               <a:t>]);</a:t>
-            </a:r>
-          </a:p>
-          <a:p>
-            <a:endParaRPr lang="en-US" b="0" dirty="0">
-              <a:solidFill>
-                <a:srgbClr val="000000"/>
-              </a:solidFill>
-              <a:effectLst/>
-              <a:latin typeface="Consolas" panose="020B0609020204030204" pitchFamily="49" charset="0"/>
-            </a:endParaRPr>
-          </a:p>
-          <a:p>
-            <a:r>
-              <a:rPr lang="en-US" b="0" dirty="0">
-                <a:solidFill>
-                  <a:srgbClr val="000000"/>
-                </a:solidFill>
-                <a:effectLst/>
-                <a:latin typeface="Consolas" panose="020B0609020204030204" pitchFamily="49" charset="0"/>
-              </a:rPr>
-              <a:t>  </a:t>
-            </a:r>
-            <a:r>
-              <a:rPr lang="en-US" b="0" dirty="0" err="1">
-                <a:solidFill>
-                  <a:srgbClr val="000000"/>
-                </a:solidFill>
-                <a:effectLst/>
-                <a:latin typeface="Consolas" panose="020B0609020204030204" pitchFamily="49" charset="0"/>
-              </a:rPr>
-              <a:t>i</a:t>
-            </a:r>
-            <a:r>
-              <a:rPr lang="en-US" b="0" dirty="0">
-                <a:solidFill>
-                  <a:srgbClr val="000000"/>
-                </a:solidFill>
-                <a:effectLst/>
-                <a:latin typeface="Consolas" panose="020B0609020204030204" pitchFamily="49" charset="0"/>
-              </a:rPr>
-              <a:t>++;</a:t>
             </a:r>
           </a:p>
           <a:p>
@@ -6119,14 +5708,13 @@
           </p:cNvPr>
           <p:cNvCxnSpPr>
             <a:cxnSpLocks/>
-            <a:endCxn id="11" idx="2"/>
           </p:cNvCxnSpPr>
           <p:nvPr/>
         </p:nvCxnSpPr>
         <p:spPr>
           <a:xfrm>
             <a:off x="2788003" y="1807362"/>
-            <a:ext cx="703410" cy="52724"/>
+            <a:ext cx="995363" cy="476250"/>
           </a:xfrm>
           <a:prstGeom prst="line">
             <a:avLst/>
@@ -6162,7 +5750,7 @@
         </p:nvSpPr>
         <p:spPr>
           <a:xfrm>
-            <a:off x="3491413" y="1793411"/>
+            <a:off x="3700202" y="2197888"/>
             <a:ext cx="133350" cy="133350"/>
           </a:xfrm>
           <a:prstGeom prst="ellipse">
@@ -6284,7 +5872,7 @@
         </p:nvCxnSpPr>
         <p:spPr>
           <a:xfrm flipV="1">
-            <a:off x="730603" y="3921378"/>
+            <a:off x="1212916" y="4325905"/>
             <a:ext cx="1966913" cy="14287"/>
           </a:xfrm>
           <a:prstGeom prst="line">
@@ -6324,8 +5912,8 @@
         </p:nvCxnSpPr>
         <p:spPr>
           <a:xfrm flipV="1">
-            <a:off x="2707245" y="3050443"/>
-            <a:ext cx="1053128" cy="870935"/>
+            <a:off x="3179829" y="3149956"/>
+            <a:ext cx="1616625" cy="1178094"/>
           </a:xfrm>
           <a:prstGeom prst="line">
             <a:avLst/>
@@ -6361,7 +5949,7 @@
         </p:nvSpPr>
         <p:spPr>
           <a:xfrm>
-            <a:off x="3740844" y="2936622"/>
+            <a:off x="4776925" y="3036135"/>
             <a:ext cx="133350" cy="133350"/>
           </a:xfrm>
           <a:prstGeom prst="ellipse">
@@ -6405,7 +5993,7 @@
         </p:nvSpPr>
         <p:spPr>
           <a:xfrm>
-            <a:off x="640116" y="3566333"/>
+            <a:off x="1122429" y="3970860"/>
             <a:ext cx="657552" cy="369332"/>
           </a:xfrm>
           <a:prstGeom prst="rect">
@@ -6446,7 +6034,7 @@
         </p:nvSpPr>
         <p:spPr>
           <a:xfrm>
-            <a:off x="644879" y="3935665"/>
+            <a:off x="1127192" y="4340192"/>
             <a:ext cx="1575807" cy="923330"/>
           </a:xfrm>
           <a:prstGeom prst="rect">
@@ -6483,7 +6071,7 @@
         </p:nvCxnSpPr>
         <p:spPr>
           <a:xfrm flipH="1">
-            <a:off x="6778883" y="4273581"/>
+            <a:off x="9551579" y="3477064"/>
             <a:ext cx="1104900" cy="1"/>
           </a:xfrm>
           <a:prstGeom prst="line">
@@ -6523,8 +6111,8 @@
         </p:nvCxnSpPr>
         <p:spPr>
           <a:xfrm flipH="1" flipV="1">
-            <a:off x="4220914" y="3680154"/>
-            <a:ext cx="2557969" cy="593427"/>
+            <a:off x="7694958" y="2595206"/>
+            <a:ext cx="1856621" cy="881858"/>
           </a:xfrm>
           <a:prstGeom prst="line">
             <a:avLst/>
@@ -6560,7 +6148,7 @@
         </p:nvSpPr>
         <p:spPr>
           <a:xfrm>
-            <a:off x="4107093" y="3566333"/>
+            <a:off x="7581137" y="2481385"/>
             <a:ext cx="133350" cy="133350"/>
           </a:xfrm>
           <a:prstGeom prst="ellipse">
@@ -6604,7 +6192,7 @@
         </p:nvSpPr>
         <p:spPr>
           <a:xfrm>
-            <a:off x="7152437" y="3918536"/>
+            <a:off x="9925133" y="3122019"/>
             <a:ext cx="874150" cy="369332"/>
           </a:xfrm>
           <a:prstGeom prst="rect">
@@ -6687,8 +6275,8 @@
         </p:nvCxnSpPr>
         <p:spPr>
           <a:xfrm flipH="1">
-            <a:off x="6301773" y="1419440"/>
-            <a:ext cx="2867398" cy="826993"/>
+            <a:off x="6162675" y="1409545"/>
+            <a:ext cx="3006496" cy="906606"/>
           </a:xfrm>
           <a:prstGeom prst="line">
             <a:avLst/>
@@ -6724,7 +6312,7 @@
         </p:nvSpPr>
         <p:spPr>
           <a:xfrm>
-            <a:off x="6168423" y="2179758"/>
+            <a:off x="6029325" y="2249476"/>
             <a:ext cx="133350" cy="133350"/>
           </a:xfrm>
           <a:prstGeom prst="ellipse">
@@ -6875,7 +6463,7 @@
                   </a:schemeClr>
                 </a:solidFill>
               </a:rPr>
-              <a:t>Four Parts of a Loop (while) </a:t>
+              <a:t>Four Parts of a Loop (for) </a:t>
             </a:r>
           </a:p>
         </p:txBody>
@@ -7196,7 +6784,7 @@
         </p:nvSpPr>
         <p:spPr>
           <a:xfrm>
-            <a:off x="6429705" y="4287868"/>
+            <a:off x="9202401" y="3491351"/>
             <a:ext cx="1596882" cy="646331"/>
           </a:xfrm>
           <a:prstGeom prst="rect">
@@ -7221,7 +6809,7 @@
     </p:spTree>
     <p:extLst>
       <p:ext uri="{BB962C8B-B14F-4D97-AF65-F5344CB8AC3E}">
-        <p14:creationId xmlns:p14="http://schemas.microsoft.com/office/powerpoint/2010/main" val="2944281412"/>
+        <p14:creationId xmlns:p14="http://schemas.microsoft.com/office/powerpoint/2010/main" val="3451868537"/>
       </p:ext>
     </p:extLst>
   </p:cSld>
@@ -7314,8 +6902,8 @@
         </p:nvSpPr>
         <p:spPr>
           <a:xfrm>
-            <a:off x="3477329" y="1646462"/>
-            <a:ext cx="5691841" cy="2862322"/>
+            <a:off x="3477330" y="1646462"/>
+            <a:ext cx="5239684" cy="2585323"/>
           </a:xfrm>
           <a:prstGeom prst="rect">
             <a:avLst/>
@@ -7331,12 +6919,42 @@
             <a:r>
               <a:rPr lang="en-US" b="0" dirty="0">
                 <a:solidFill>
-                  <a:srgbClr val="000000"/>
-                </a:solidFill>
-                <a:effectLst/>
-                <a:latin typeface="Consolas" panose="020B0609020204030204" pitchFamily="49" charset="0"/>
-              </a:rPr>
-              <a:t>Recurse(</a:t>
+                  <a:srgbClr val="0000FF"/>
+                </a:solidFill>
+                <a:effectLst/>
+                <a:latin typeface="Consolas" panose="020B0609020204030204" pitchFamily="49" charset="0"/>
+              </a:rPr>
+              <a:t>int</a:t>
+            </a:r>
+            <a:r>
+              <a:rPr lang="en-US" b="0" dirty="0">
+                <a:solidFill>
+                  <a:srgbClr val="000000"/>
+                </a:solidFill>
+                <a:effectLst/>
+                <a:latin typeface="Consolas" panose="020B0609020204030204" pitchFamily="49" charset="0"/>
+              </a:rPr>
+              <a:t> </a:t>
+            </a:r>
+            <a:r>
+              <a:rPr lang="en-US" b="0" dirty="0" err="1">
+                <a:solidFill>
+                  <a:srgbClr val="000000"/>
+                </a:solidFill>
+                <a:effectLst/>
+                <a:latin typeface="Consolas" panose="020B0609020204030204" pitchFamily="49" charset="0"/>
+              </a:rPr>
+              <a:t>i</a:t>
+            </a:r>
+            <a:r>
+              <a:rPr lang="en-US" b="0" dirty="0">
+                <a:solidFill>
+                  <a:srgbClr val="000000"/>
+                </a:solidFill>
+                <a:effectLst/>
+                <a:latin typeface="Consolas" panose="020B0609020204030204" pitchFamily="49" charset="0"/>
+              </a:rPr>
+              <a:t> = </a:t>
             </a:r>
             <a:r>
               <a:rPr lang="en-US" b="0" dirty="0">
@@ -7356,339 +6974,7 @@
                 <a:effectLst/>
                 <a:latin typeface="Consolas" panose="020B0609020204030204" pitchFamily="49" charset="0"/>
               </a:rPr>
-              <a:t>, numbers);</a:t>
-            </a:r>
-          </a:p>
-          <a:p>
-            <a:r>
-              <a:rPr lang="en-US" dirty="0">
-                <a:solidFill>
-                  <a:srgbClr val="000000"/>
-                </a:solidFill>
-                <a:latin typeface="Consolas" panose="020B0609020204030204" pitchFamily="49" charset="0"/>
-              </a:rPr>
-              <a:t>…</a:t>
-            </a:r>
-          </a:p>
-          <a:p>
-            <a:r>
-              <a:rPr lang="en-US" b="0" dirty="0">
-                <a:solidFill>
-                  <a:srgbClr val="0000FF"/>
-                </a:solidFill>
-                <a:effectLst/>
-                <a:latin typeface="Consolas" panose="020B0609020204030204" pitchFamily="49" charset="0"/>
-              </a:rPr>
-              <a:t>public</a:t>
-            </a:r>
-            <a:r>
-              <a:rPr lang="en-US" b="0" dirty="0">
-                <a:solidFill>
-                  <a:srgbClr val="000000"/>
-                </a:solidFill>
-                <a:effectLst/>
-                <a:latin typeface="Consolas" panose="020B0609020204030204" pitchFamily="49" charset="0"/>
-              </a:rPr>
-              <a:t> </a:t>
-            </a:r>
-            <a:r>
-              <a:rPr lang="en-US" b="0" dirty="0">
-                <a:solidFill>
-                  <a:srgbClr val="0000FF"/>
-                </a:solidFill>
-                <a:effectLst/>
-                <a:latin typeface="Consolas" panose="020B0609020204030204" pitchFamily="49" charset="0"/>
-              </a:rPr>
-              <a:t>void</a:t>
-            </a:r>
-            <a:r>
-              <a:rPr lang="en-US" b="0" dirty="0">
-                <a:solidFill>
-                  <a:srgbClr val="000000"/>
-                </a:solidFill>
-                <a:effectLst/>
-                <a:latin typeface="Consolas" panose="020B0609020204030204" pitchFamily="49" charset="0"/>
-              </a:rPr>
-              <a:t> Recurse(</a:t>
-            </a:r>
-            <a:r>
-              <a:rPr lang="en-US" b="0" dirty="0">
-                <a:solidFill>
-                  <a:srgbClr val="0000FF"/>
-                </a:solidFill>
-                <a:effectLst/>
-                <a:latin typeface="Consolas" panose="020B0609020204030204" pitchFamily="49" charset="0"/>
-              </a:rPr>
-              <a:t>int</a:t>
-            </a:r>
-            <a:r>
-              <a:rPr lang="en-US" b="0" dirty="0">
-                <a:solidFill>
-                  <a:srgbClr val="000000"/>
-                </a:solidFill>
-                <a:effectLst/>
-                <a:latin typeface="Consolas" panose="020B0609020204030204" pitchFamily="49" charset="0"/>
-              </a:rPr>
-              <a:t> </a:t>
-            </a:r>
-            <a:r>
-              <a:rPr lang="en-US" b="0" dirty="0" err="1">
-                <a:solidFill>
-                  <a:srgbClr val="000000"/>
-                </a:solidFill>
-                <a:effectLst/>
-                <a:latin typeface="Consolas" panose="020B0609020204030204" pitchFamily="49" charset="0"/>
-              </a:rPr>
-              <a:t>i</a:t>
-            </a:r>
-            <a:r>
-              <a:rPr lang="en-US" b="0" dirty="0">
-                <a:solidFill>
-                  <a:srgbClr val="000000"/>
-                </a:solidFill>
-                <a:effectLst/>
-                <a:latin typeface="Consolas" panose="020B0609020204030204" pitchFamily="49" charset="0"/>
-              </a:rPr>
-              <a:t>, </a:t>
-            </a:r>
-            <a:r>
-              <a:rPr lang="en-US" b="0" dirty="0">
-                <a:solidFill>
-                  <a:srgbClr val="0000FF"/>
-                </a:solidFill>
-                <a:effectLst/>
-                <a:latin typeface="Consolas" panose="020B0609020204030204" pitchFamily="49" charset="0"/>
-              </a:rPr>
-              <a:t>int</a:t>
-            </a:r>
-            <a:r>
-              <a:rPr lang="en-US" b="0" dirty="0">
-                <a:solidFill>
-                  <a:srgbClr val="000000"/>
-                </a:solidFill>
-                <a:effectLst/>
-                <a:latin typeface="Consolas" panose="020B0609020204030204" pitchFamily="49" charset="0"/>
-              </a:rPr>
-              <a:t>[] numbers){</a:t>
-            </a:r>
-          </a:p>
-          <a:p>
-            <a:r>
-              <a:rPr lang="en-US" b="0" dirty="0">
-                <a:solidFill>
-                  <a:srgbClr val="000000"/>
-                </a:solidFill>
-                <a:effectLst/>
-                <a:latin typeface="Consolas" panose="020B0609020204030204" pitchFamily="49" charset="0"/>
-              </a:rPr>
-              <a:t>  </a:t>
-            </a:r>
-            <a:r>
-              <a:rPr lang="en-US" b="0" dirty="0">
-                <a:solidFill>
-                  <a:srgbClr val="0000FF"/>
-                </a:solidFill>
-                <a:effectLst/>
-                <a:latin typeface="Consolas" panose="020B0609020204030204" pitchFamily="49" charset="0"/>
-              </a:rPr>
-              <a:t>if</a:t>
-            </a:r>
-            <a:r>
-              <a:rPr lang="en-US" b="0" dirty="0">
-                <a:solidFill>
-                  <a:srgbClr val="000000"/>
-                </a:solidFill>
-                <a:effectLst/>
-                <a:latin typeface="Consolas" panose="020B0609020204030204" pitchFamily="49" charset="0"/>
-              </a:rPr>
-              <a:t>(</a:t>
-            </a:r>
-            <a:r>
-              <a:rPr lang="en-US" b="0" dirty="0" err="1">
-                <a:solidFill>
-                  <a:srgbClr val="000000"/>
-                </a:solidFill>
-                <a:effectLst/>
-                <a:latin typeface="Consolas" panose="020B0609020204030204" pitchFamily="49" charset="0"/>
-              </a:rPr>
-              <a:t>i</a:t>
-            </a:r>
-            <a:r>
-              <a:rPr lang="en-US" b="0" dirty="0">
-                <a:solidFill>
-                  <a:srgbClr val="000000"/>
-                </a:solidFill>
-                <a:effectLst/>
-                <a:latin typeface="Consolas" panose="020B0609020204030204" pitchFamily="49" charset="0"/>
-              </a:rPr>
-              <a:t>&lt;</a:t>
-            </a:r>
-            <a:r>
-              <a:rPr lang="en-US" b="0" dirty="0" err="1">
-                <a:solidFill>
-                  <a:srgbClr val="000000"/>
-                </a:solidFill>
-                <a:effectLst/>
-                <a:latin typeface="Consolas" panose="020B0609020204030204" pitchFamily="49" charset="0"/>
-              </a:rPr>
-              <a:t>numbers.length</a:t>
-            </a:r>
-            <a:r>
-              <a:rPr lang="en-US" b="0" dirty="0">
-                <a:solidFill>
-                  <a:srgbClr val="000000"/>
-                </a:solidFill>
-                <a:effectLst/>
-                <a:latin typeface="Consolas" panose="020B0609020204030204" pitchFamily="49" charset="0"/>
-              </a:rPr>
-              <a:t>){</a:t>
-            </a:r>
-          </a:p>
-          <a:p>
-            <a:r>
-              <a:rPr lang="en-US" b="0" dirty="0">
-                <a:solidFill>
-                  <a:srgbClr val="000000"/>
-                </a:solidFill>
-                <a:effectLst/>
-                <a:latin typeface="Consolas" panose="020B0609020204030204" pitchFamily="49" charset="0"/>
-              </a:rPr>
-              <a:t>    </a:t>
-            </a:r>
-            <a:r>
-              <a:rPr lang="en-US" b="0" dirty="0" err="1">
-                <a:solidFill>
-                  <a:srgbClr val="000000"/>
-                </a:solidFill>
-                <a:effectLst/>
-                <a:latin typeface="Consolas" panose="020B0609020204030204" pitchFamily="49" charset="0"/>
-              </a:rPr>
-              <a:t>System.out.println</a:t>
-            </a:r>
-            <a:r>
-              <a:rPr lang="en-US" b="0" dirty="0">
-                <a:solidFill>
-                  <a:srgbClr val="000000"/>
-                </a:solidFill>
-                <a:effectLst/>
-                <a:latin typeface="Consolas" panose="020B0609020204030204" pitchFamily="49" charset="0"/>
-              </a:rPr>
-              <a:t>(numbers[</a:t>
-            </a:r>
-            <a:r>
-              <a:rPr lang="en-US" b="0" dirty="0" err="1">
-                <a:solidFill>
-                  <a:srgbClr val="000000"/>
-                </a:solidFill>
-                <a:effectLst/>
-                <a:latin typeface="Consolas" panose="020B0609020204030204" pitchFamily="49" charset="0"/>
-              </a:rPr>
-              <a:t>i</a:t>
-            </a:r>
-            <a:r>
-              <a:rPr lang="en-US" b="0" dirty="0">
-                <a:solidFill>
-                  <a:srgbClr val="000000"/>
-                </a:solidFill>
-                <a:effectLst/>
-                <a:latin typeface="Consolas" panose="020B0609020204030204" pitchFamily="49" charset="0"/>
-              </a:rPr>
-              <a:t>]);</a:t>
-            </a:r>
-          </a:p>
-          <a:p>
-            <a:r>
-              <a:rPr lang="en-US" b="0" dirty="0">
-                <a:solidFill>
-                  <a:srgbClr val="000000"/>
-                </a:solidFill>
-                <a:effectLst/>
-                <a:latin typeface="Consolas" panose="020B0609020204030204" pitchFamily="49" charset="0"/>
-              </a:rPr>
-              <a:t>    </a:t>
-            </a:r>
-            <a:r>
-              <a:rPr lang="en-US" b="0" dirty="0" err="1">
-                <a:solidFill>
-                  <a:srgbClr val="000000"/>
-                </a:solidFill>
-                <a:effectLst/>
-                <a:latin typeface="Consolas" panose="020B0609020204030204" pitchFamily="49" charset="0"/>
-              </a:rPr>
-              <a:t>i</a:t>
-            </a:r>
-            <a:r>
-              <a:rPr lang="en-US" b="0" dirty="0">
-                <a:solidFill>
-                  <a:srgbClr val="000000"/>
-                </a:solidFill>
-                <a:effectLst/>
-                <a:latin typeface="Consolas" panose="020B0609020204030204" pitchFamily="49" charset="0"/>
-              </a:rPr>
-              <a:t>++;</a:t>
-            </a:r>
-          </a:p>
-          <a:p>
-            <a:r>
-              <a:rPr lang="en-US" b="0" dirty="0">
-                <a:solidFill>
-                  <a:srgbClr val="000000"/>
-                </a:solidFill>
-                <a:effectLst/>
-                <a:latin typeface="Consolas" panose="020B0609020204030204" pitchFamily="49" charset="0"/>
-              </a:rPr>
-              <a:t>    Recurse(</a:t>
-            </a:r>
-            <a:r>
-              <a:rPr lang="en-US" b="0" dirty="0" err="1">
-                <a:solidFill>
-                  <a:srgbClr val="000000"/>
-                </a:solidFill>
-                <a:effectLst/>
-                <a:latin typeface="Consolas" panose="020B0609020204030204" pitchFamily="49" charset="0"/>
-              </a:rPr>
-              <a:t>i</a:t>
-            </a:r>
-            <a:r>
-              <a:rPr lang="en-US" b="0" dirty="0">
-                <a:solidFill>
-                  <a:srgbClr val="000000"/>
-                </a:solidFill>
-                <a:effectLst/>
-                <a:latin typeface="Consolas" panose="020B0609020204030204" pitchFamily="49" charset="0"/>
-              </a:rPr>
-              <a:t>, numbers);</a:t>
-            </a:r>
-          </a:p>
-          <a:p>
-            <a:r>
-              <a:rPr lang="en-US" b="0" dirty="0">
-                <a:solidFill>
-                  <a:srgbClr val="000000"/>
-                </a:solidFill>
-                <a:effectLst/>
-                <a:latin typeface="Consolas" panose="020B0609020204030204" pitchFamily="49" charset="0"/>
-              </a:rPr>
-              <a:t>  }</a:t>
-            </a:r>
-            <a:br>
-              <a:rPr lang="en-US" b="0" dirty="0">
-                <a:solidFill>
-                  <a:srgbClr val="000000"/>
-                </a:solidFill>
-                <a:effectLst/>
-                <a:latin typeface="Consolas" panose="020B0609020204030204" pitchFamily="49" charset="0"/>
-              </a:rPr>
-            </a:br>
-            <a:r>
-              <a:rPr lang="en-US" b="0" dirty="0">
-                <a:solidFill>
-                  <a:srgbClr val="000000"/>
-                </a:solidFill>
-                <a:effectLst/>
-                <a:latin typeface="Consolas" panose="020B0609020204030204" pitchFamily="49" charset="0"/>
-              </a:rPr>
-              <a:t>}</a:t>
+              <a:t>;</a:t>
             </a:r>
           </a:p>
           <a:p>
@@ -7700,6 +6986,191 @@
               <a:latin typeface="Consolas" panose="020B0609020204030204" pitchFamily="49" charset="0"/>
             </a:endParaRPr>
           </a:p>
+          <a:p>
+            <a:r>
+              <a:rPr lang="en-US" b="0" dirty="0">
+                <a:solidFill>
+                  <a:srgbClr val="0000FF"/>
+                </a:solidFill>
+                <a:effectLst/>
+                <a:latin typeface="Consolas" panose="020B0609020204030204" pitchFamily="49" charset="0"/>
+              </a:rPr>
+              <a:t>while</a:t>
+            </a:r>
+            <a:r>
+              <a:rPr lang="en-US" b="0" dirty="0">
+                <a:solidFill>
+                  <a:srgbClr val="000000"/>
+                </a:solidFill>
+                <a:effectLst/>
+                <a:latin typeface="Consolas" panose="020B0609020204030204" pitchFamily="49" charset="0"/>
+              </a:rPr>
+              <a:t>(</a:t>
+            </a:r>
+            <a:r>
+              <a:rPr lang="en-US" b="0" dirty="0" err="1">
+                <a:solidFill>
+                  <a:srgbClr val="000000"/>
+                </a:solidFill>
+                <a:effectLst/>
+                <a:latin typeface="Consolas" panose="020B0609020204030204" pitchFamily="49" charset="0"/>
+              </a:rPr>
+              <a:t>i</a:t>
+            </a:r>
+            <a:r>
+              <a:rPr lang="en-US" b="0" dirty="0">
+                <a:solidFill>
+                  <a:srgbClr val="000000"/>
+                </a:solidFill>
+                <a:effectLst/>
+                <a:latin typeface="Consolas" panose="020B0609020204030204" pitchFamily="49" charset="0"/>
+              </a:rPr>
+              <a:t>&lt;</a:t>
+            </a:r>
+            <a:r>
+              <a:rPr lang="en-US" b="0" dirty="0" err="1">
+                <a:solidFill>
+                  <a:srgbClr val="000000"/>
+                </a:solidFill>
+                <a:effectLst/>
+                <a:latin typeface="Consolas" panose="020B0609020204030204" pitchFamily="49" charset="0"/>
+              </a:rPr>
+              <a:t>numbers.length</a:t>
+            </a:r>
+            <a:r>
+              <a:rPr lang="en-US" b="0" dirty="0">
+                <a:solidFill>
+                  <a:srgbClr val="000000"/>
+                </a:solidFill>
+                <a:effectLst/>
+                <a:latin typeface="Consolas" panose="020B0609020204030204" pitchFamily="49" charset="0"/>
+              </a:rPr>
+              <a:t>){</a:t>
+            </a:r>
+          </a:p>
+          <a:p>
+            <a:endParaRPr lang="en-US" b="0" dirty="0">
+              <a:solidFill>
+                <a:srgbClr val="000000"/>
+              </a:solidFill>
+              <a:effectLst/>
+              <a:latin typeface="Consolas" panose="020B0609020204030204" pitchFamily="49" charset="0"/>
+            </a:endParaRPr>
+          </a:p>
+          <a:p>
+            <a:r>
+              <a:rPr lang="en-US" b="0" dirty="0">
+                <a:solidFill>
+                  <a:srgbClr val="000000"/>
+                </a:solidFill>
+                <a:effectLst/>
+                <a:latin typeface="Consolas" panose="020B0609020204030204" pitchFamily="49" charset="0"/>
+              </a:rPr>
+              <a:t>  </a:t>
+            </a:r>
+            <a:r>
+              <a:rPr lang="en-US" b="0" dirty="0" err="1">
+                <a:solidFill>
+                  <a:srgbClr val="000000"/>
+                </a:solidFill>
+                <a:effectLst/>
+                <a:latin typeface="Consolas" panose="020B0609020204030204" pitchFamily="49" charset="0"/>
+              </a:rPr>
+              <a:t>System.out.println</a:t>
+            </a:r>
+            <a:r>
+              <a:rPr lang="en-US" b="0" dirty="0">
+                <a:solidFill>
+                  <a:srgbClr val="000000"/>
+                </a:solidFill>
+                <a:effectLst/>
+                <a:latin typeface="Consolas" panose="020B0609020204030204" pitchFamily="49" charset="0"/>
+              </a:rPr>
+              <a:t>(numbers[</a:t>
+            </a:r>
+            <a:r>
+              <a:rPr lang="en-US" b="0" dirty="0" err="1">
+                <a:solidFill>
+                  <a:srgbClr val="000000"/>
+                </a:solidFill>
+                <a:effectLst/>
+                <a:latin typeface="Consolas" panose="020B0609020204030204" pitchFamily="49" charset="0"/>
+              </a:rPr>
+              <a:t>i</a:t>
+            </a:r>
+            <a:r>
+              <a:rPr lang="en-US" b="0" dirty="0">
+                <a:solidFill>
+                  <a:srgbClr val="000000"/>
+                </a:solidFill>
+                <a:effectLst/>
+                <a:latin typeface="Consolas" panose="020B0609020204030204" pitchFamily="49" charset="0"/>
+              </a:rPr>
+              <a:t>]);</a:t>
+            </a:r>
+          </a:p>
+          <a:p>
+            <a:endParaRPr lang="en-US" b="0" dirty="0">
+              <a:solidFill>
+                <a:srgbClr val="000000"/>
+              </a:solidFill>
+              <a:effectLst/>
+              <a:latin typeface="Consolas" panose="020B0609020204030204" pitchFamily="49" charset="0"/>
+            </a:endParaRPr>
+          </a:p>
+          <a:p>
+            <a:r>
+              <a:rPr lang="en-US" b="0" dirty="0">
+                <a:solidFill>
+                  <a:srgbClr val="000000"/>
+                </a:solidFill>
+                <a:effectLst/>
+                <a:latin typeface="Consolas" panose="020B0609020204030204" pitchFamily="49" charset="0"/>
+              </a:rPr>
+              <a:t>  </a:t>
+            </a:r>
+            <a:r>
+              <a:rPr lang="en-US" b="0" dirty="0" err="1">
+                <a:solidFill>
+                  <a:srgbClr val="000000"/>
+                </a:solidFill>
+                <a:effectLst/>
+                <a:latin typeface="Consolas" panose="020B0609020204030204" pitchFamily="49" charset="0"/>
+              </a:rPr>
+              <a:t>i</a:t>
+            </a:r>
+            <a:r>
+              <a:rPr lang="en-US" b="0" dirty="0">
+                <a:solidFill>
+                  <a:srgbClr val="000000"/>
+                </a:solidFill>
+                <a:effectLst/>
+                <a:latin typeface="Consolas" panose="020B0609020204030204" pitchFamily="49" charset="0"/>
+              </a:rPr>
+              <a:t>++;</a:t>
+            </a:r>
+          </a:p>
+          <a:p>
+            <a:endParaRPr lang="en-US" b="0" dirty="0">
+              <a:solidFill>
+                <a:srgbClr val="000000"/>
+              </a:solidFill>
+              <a:effectLst/>
+              <a:latin typeface="Consolas" panose="020B0609020204030204" pitchFamily="49" charset="0"/>
+            </a:endParaRPr>
+          </a:p>
+          <a:p>
+            <a:r>
+              <a:rPr lang="en-US" b="0" dirty="0">
+                <a:solidFill>
+                  <a:srgbClr val="000000"/>
+                </a:solidFill>
+                <a:effectLst/>
+                <a:latin typeface="Consolas" panose="020B0609020204030204" pitchFamily="49" charset="0"/>
+              </a:rPr>
+              <a:t>}</a:t>
+            </a:r>
+          </a:p>
         </p:txBody>
       </p:sp>
       <p:cxnSp>
@@ -7716,7 +7187,7 @@
         </p:nvCxnSpPr>
         <p:spPr>
           <a:xfrm>
-            <a:off x="730603" y="1336229"/>
+            <a:off x="730603" y="1807362"/>
             <a:ext cx="2057400" cy="0"/>
           </a:xfrm>
           <a:prstGeom prst="line">
@@ -7756,8 +7227,8 @@
         </p:nvCxnSpPr>
         <p:spPr>
           <a:xfrm>
-            <a:off x="2782271" y="1336229"/>
-            <a:ext cx="1738202" cy="385756"/>
+            <a:off x="2788003" y="1807362"/>
+            <a:ext cx="703410" cy="52724"/>
           </a:xfrm>
           <a:prstGeom prst="line">
             <a:avLst/>
@@ -7793,7 +7264,7 @@
         </p:nvSpPr>
         <p:spPr>
           <a:xfrm>
-            <a:off x="4520473" y="1655310"/>
+            <a:off x="3491413" y="1793411"/>
             <a:ext cx="133350" cy="133350"/>
           </a:xfrm>
           <a:prstGeom prst="ellipse">
@@ -7837,7 +7308,7 @@
         </p:nvSpPr>
         <p:spPr>
           <a:xfrm>
-            <a:off x="644879" y="966897"/>
+            <a:off x="644879" y="1438030"/>
             <a:ext cx="1884234" cy="369332"/>
           </a:xfrm>
           <a:prstGeom prst="rect">
@@ -7878,7 +7349,7 @@
         </p:nvSpPr>
         <p:spPr>
           <a:xfrm>
-            <a:off x="644879" y="1398440"/>
+            <a:off x="644879" y="1869573"/>
             <a:ext cx="1690656" cy="369332"/>
           </a:xfrm>
           <a:prstGeom prst="rect">
@@ -7955,8 +7426,8 @@
         </p:nvCxnSpPr>
         <p:spPr>
           <a:xfrm flipV="1">
-            <a:off x="2697516" y="2961952"/>
-            <a:ext cx="1290879" cy="956584"/>
+            <a:off x="2707245" y="3050443"/>
+            <a:ext cx="1053128" cy="870935"/>
           </a:xfrm>
           <a:prstGeom prst="line">
             <a:avLst/>
@@ -7992,7 +7463,7 @@
         </p:nvSpPr>
         <p:spPr>
           <a:xfrm>
-            <a:off x="3968866" y="2848131"/>
+            <a:off x="3740844" y="2936622"/>
             <a:ext cx="133350" cy="133350"/>
           </a:xfrm>
           <a:prstGeom prst="ellipse">
@@ -8114,7 +7585,7 @@
         </p:nvCxnSpPr>
         <p:spPr>
           <a:xfrm flipH="1">
-            <a:off x="8089148" y="4494497"/>
+            <a:off x="6778883" y="4273581"/>
             <a:ext cx="1104900" cy="1"/>
           </a:xfrm>
           <a:prstGeom prst="line">
@@ -8148,13 +7619,14 @@
           </p:cNvPr>
           <p:cNvCxnSpPr>
             <a:cxnSpLocks/>
+            <a:endCxn id="24" idx="5"/>
           </p:cNvCxnSpPr>
           <p:nvPr/>
         </p:nvCxnSpPr>
         <p:spPr>
           <a:xfrm flipH="1" flipV="1">
-            <a:off x="7000240" y="3375660"/>
-            <a:ext cx="1088909" cy="1118837"/>
+            <a:off x="4220914" y="3680154"/>
+            <a:ext cx="2557969" cy="593427"/>
           </a:xfrm>
           <a:prstGeom prst="line">
             <a:avLst/>
@@ -8178,6 +7650,50 @@
       </p:cxnSp>
       <p:sp>
         <p:nvSpPr>
+          <p:cNvPr id="24" name="Oval 23">
+            <a:extLst>
+              <a:ext uri="{FF2B5EF4-FFF2-40B4-BE49-F238E27FC236}">
+                <a16:creationId xmlns:a16="http://schemas.microsoft.com/office/drawing/2014/main" id="{9442696C-9BC0-478B-9CA9-E9EE6FB12287}"/>
+              </a:ext>
+            </a:extLst>
+          </p:cNvPr>
+          <p:cNvSpPr/>
+          <p:nvPr/>
+        </p:nvSpPr>
+        <p:spPr>
+          <a:xfrm>
+            <a:off x="4107093" y="3566333"/>
+            <a:ext cx="133350" cy="133350"/>
+          </a:xfrm>
+          <a:prstGeom prst="ellipse">
+            <a:avLst/>
+          </a:prstGeom>
+        </p:spPr>
+        <p:style>
+          <a:lnRef idx="2">
+            <a:schemeClr val="accent6"/>
+          </a:lnRef>
+          <a:fillRef idx="1">
+            <a:schemeClr val="lt1"/>
+          </a:fillRef>
+          <a:effectRef idx="0">
+            <a:schemeClr val="accent6"/>
+          </a:effectRef>
+          <a:fontRef idx="minor">
+            <a:schemeClr val="dk1"/>
+          </a:fontRef>
+        </p:style>
+        <p:txBody>
+          <a:bodyPr rtlCol="0" anchor="ctr"/>
+          <a:lstStyle/>
+          <a:p>
+            <a:pPr algn="ctr"/>
+            <a:endParaRPr lang="en-US" dirty="0"/>
+          </a:p>
+        </p:txBody>
+      </p:sp>
+      <p:sp>
+        <p:nvSpPr>
           <p:cNvPr id="25" name="TextBox 24">
             <a:extLst>
               <a:ext uri="{FF2B5EF4-FFF2-40B4-BE49-F238E27FC236}">
@@ -8190,7 +7706,7 @@
         </p:nvSpPr>
         <p:spPr>
           <a:xfrm>
-            <a:off x="8462702" y="4139452"/>
+            <a:off x="7152437" y="3918536"/>
             <a:ext cx="874150" cy="369332"/>
           </a:xfrm>
           <a:prstGeom prst="rect">
@@ -8233,7 +7749,7 @@
         </p:nvCxnSpPr>
         <p:spPr>
           <a:xfrm flipH="1">
-            <a:off x="9537300" y="2519009"/>
+            <a:off x="9169171" y="1409545"/>
             <a:ext cx="1913188" cy="0"/>
           </a:xfrm>
           <a:prstGeom prst="line">
@@ -8273,8 +7789,8 @@
         </p:nvCxnSpPr>
         <p:spPr>
           <a:xfrm flipH="1">
-            <a:off x="6390263" y="2527020"/>
-            <a:ext cx="3147037" cy="124074"/>
+            <a:off x="6301773" y="1419440"/>
+            <a:ext cx="2867398" cy="826993"/>
           </a:xfrm>
           <a:prstGeom prst="line">
             <a:avLst/>
@@ -8310,7 +7826,7 @@
         </p:nvSpPr>
         <p:spPr>
           <a:xfrm>
-            <a:off x="6256913" y="2584419"/>
+            <a:off x="6168423" y="2179758"/>
             <a:ext cx="133350" cy="133350"/>
           </a:xfrm>
           <a:prstGeom prst="ellipse">
@@ -8354,7 +7870,7 @@
         </p:nvSpPr>
         <p:spPr>
           <a:xfrm>
-            <a:off x="9434516" y="2179758"/>
+            <a:off x="9066387" y="1070294"/>
             <a:ext cx="1982594" cy="369332"/>
           </a:xfrm>
           <a:prstGeom prst="rect">
@@ -8395,7 +7911,7 @@
         </p:nvSpPr>
         <p:spPr>
           <a:xfrm>
-            <a:off x="9537300" y="2570700"/>
+            <a:off x="9169171" y="1461236"/>
             <a:ext cx="1596882" cy="1200329"/>
           </a:xfrm>
           <a:prstGeom prst="rect">
@@ -8461,7 +7977,7 @@
                   </a:schemeClr>
                 </a:solidFill>
               </a:rPr>
-              <a:t>Four Parts of a Loop (recursion) </a:t>
+              <a:t>Four Parts of a Loop (while) </a:t>
             </a:r>
           </a:p>
         </p:txBody>
@@ -8782,6 +8298,1592 @@
         </p:nvSpPr>
         <p:spPr>
           <a:xfrm>
+            <a:off x="6429705" y="4287868"/>
+            <a:ext cx="1596882" cy="646331"/>
+          </a:xfrm>
+          <a:prstGeom prst="rect">
+            <a:avLst/>
+          </a:prstGeom>
+          <a:noFill/>
+        </p:spPr>
+        <p:txBody>
+          <a:bodyPr wrap="square" rtlCol="0">
+            <a:spAutoFit/>
+          </a:bodyPr>
+          <a:lstStyle/>
+          <a:p>
+            <a:pPr algn="r"/>
+            <a:r>
+              <a:rPr lang="en-US" dirty="0"/>
+              <a:t>Tells us how things change.</a:t>
+            </a:r>
+          </a:p>
+        </p:txBody>
+      </p:sp>
+    </p:spTree>
+    <p:extLst>
+      <p:ext uri="{BB962C8B-B14F-4D97-AF65-F5344CB8AC3E}">
+        <p14:creationId xmlns:p14="http://schemas.microsoft.com/office/powerpoint/2010/main" val="2944281412"/>
+      </p:ext>
+    </p:extLst>
+  </p:cSld>
+  <p:clrMapOvr>
+    <a:masterClrMapping/>
+  </p:clrMapOvr>
+</p:sld>
+</file>
+
+<file path=ppt/slides/slide5.xml><?xml version="1.0" encoding="utf-8"?>
+<p:sld xmlns:a="http://schemas.openxmlformats.org/drawingml/2006/main" xmlns:r="http://schemas.openxmlformats.org/officeDocument/2006/relationships" xmlns:p="http://schemas.openxmlformats.org/presentationml/2006/main">
+  <p:cSld>
+    <p:spTree>
+      <p:nvGrpSpPr>
+        <p:cNvPr id="1" name=""/>
+        <p:cNvGrpSpPr/>
+        <p:nvPr/>
+      </p:nvGrpSpPr>
+      <p:grpSpPr>
+        <a:xfrm>
+          <a:off x="0" y="0"/>
+          <a:ext cx="0" cy="0"/>
+          <a:chOff x="0" y="0"/>
+          <a:chExt cx="0" cy="0"/>
+        </a:xfrm>
+      </p:grpSpPr>
+      <p:sp>
+        <p:nvSpPr>
+          <p:cNvPr id="2" name="Rectangle 1" hidden="1">
+            <a:extLst>
+              <a:ext uri="{FF2B5EF4-FFF2-40B4-BE49-F238E27FC236}">
+                <a16:creationId xmlns:a16="http://schemas.microsoft.com/office/drawing/2014/main" id="{5CCCBFA1-FDCD-4E57-81CE-6E0F8D7901BF}"/>
+              </a:ext>
+            </a:extLst>
+          </p:cNvPr>
+          <p:cNvSpPr/>
+          <p:nvPr/>
+        </p:nvSpPr>
+        <p:spPr>
+          <a:xfrm>
+            <a:off x="0" y="0"/>
+            <a:ext cx="12192000" cy="6858000"/>
+          </a:xfrm>
+          <a:prstGeom prst="rect">
+            <a:avLst/>
+          </a:prstGeom>
+          <a:solidFill>
+            <a:schemeClr val="bg1"/>
+          </a:solidFill>
+          <a:ln>
+            <a:noFill/>
+          </a:ln>
+        </p:spPr>
+        <p:style>
+          <a:lnRef idx="2">
+            <a:schemeClr val="accent1">
+              <a:shade val="50000"/>
+            </a:schemeClr>
+          </a:lnRef>
+          <a:fillRef idx="1">
+            <a:schemeClr val="accent1"/>
+          </a:fillRef>
+          <a:effectRef idx="0">
+            <a:schemeClr val="accent1"/>
+          </a:effectRef>
+          <a:fontRef idx="minor">
+            <a:schemeClr val="lt1"/>
+          </a:fontRef>
+        </p:style>
+        <p:txBody>
+          <a:bodyPr rtlCol="0" anchor="ctr"/>
+          <a:lstStyle/>
+          <a:p>
+            <a:pPr algn="ctr"/>
+            <a:endParaRPr lang="en-US" dirty="0"/>
+          </a:p>
+        </p:txBody>
+      </p:sp>
+      <p:sp>
+        <p:nvSpPr>
+          <p:cNvPr id="36" name="TextBox 35">
+            <a:extLst>
+              <a:ext uri="{FF2B5EF4-FFF2-40B4-BE49-F238E27FC236}">
+                <a16:creationId xmlns:a16="http://schemas.microsoft.com/office/drawing/2014/main" id="{2E68E9CB-B823-4D8B-A76C-C64686C047E8}"/>
+              </a:ext>
+            </a:extLst>
+          </p:cNvPr>
+          <p:cNvSpPr txBox="1"/>
+          <p:nvPr/>
+        </p:nvSpPr>
+        <p:spPr>
+          <a:xfrm>
+            <a:off x="3477329" y="1646462"/>
+            <a:ext cx="5691841" cy="2862322"/>
+          </a:xfrm>
+          <a:prstGeom prst="rect">
+            <a:avLst/>
+          </a:prstGeom>
+          <a:noFill/>
+        </p:spPr>
+        <p:txBody>
+          <a:bodyPr wrap="square">
+            <a:spAutoFit/>
+          </a:bodyPr>
+          <a:lstStyle/>
+          <a:p>
+            <a:r>
+              <a:rPr lang="en-US" b="0" dirty="0">
+                <a:solidFill>
+                  <a:srgbClr val="000000"/>
+                </a:solidFill>
+                <a:effectLst/>
+                <a:latin typeface="Consolas" panose="020B0609020204030204" pitchFamily="49" charset="0"/>
+              </a:rPr>
+              <a:t>Recurse(</a:t>
+            </a:r>
+            <a:r>
+              <a:rPr lang="en-US" b="0" dirty="0">
+                <a:solidFill>
+                  <a:srgbClr val="098658"/>
+                </a:solidFill>
+                <a:effectLst/>
+                <a:latin typeface="Consolas" panose="020B0609020204030204" pitchFamily="49" charset="0"/>
+              </a:rPr>
+              <a:t>0</a:t>
+            </a:r>
+            <a:r>
+              <a:rPr lang="en-US" b="0" dirty="0">
+                <a:solidFill>
+                  <a:srgbClr val="000000"/>
+                </a:solidFill>
+                <a:effectLst/>
+                <a:latin typeface="Consolas" panose="020B0609020204030204" pitchFamily="49" charset="0"/>
+              </a:rPr>
+              <a:t>, numbers);</a:t>
+            </a:r>
+          </a:p>
+          <a:p>
+            <a:r>
+              <a:rPr lang="en-US" dirty="0">
+                <a:solidFill>
+                  <a:srgbClr val="000000"/>
+                </a:solidFill>
+                <a:latin typeface="Consolas" panose="020B0609020204030204" pitchFamily="49" charset="0"/>
+              </a:rPr>
+              <a:t>…</a:t>
+            </a:r>
+          </a:p>
+          <a:p>
+            <a:r>
+              <a:rPr lang="en-US" b="0" dirty="0">
+                <a:solidFill>
+                  <a:srgbClr val="0000FF"/>
+                </a:solidFill>
+                <a:effectLst/>
+                <a:latin typeface="Consolas" panose="020B0609020204030204" pitchFamily="49" charset="0"/>
+              </a:rPr>
+              <a:t>public</a:t>
+            </a:r>
+            <a:r>
+              <a:rPr lang="en-US" b="0" dirty="0">
+                <a:solidFill>
+                  <a:srgbClr val="000000"/>
+                </a:solidFill>
+                <a:effectLst/>
+                <a:latin typeface="Consolas" panose="020B0609020204030204" pitchFamily="49" charset="0"/>
+              </a:rPr>
+              <a:t> </a:t>
+            </a:r>
+            <a:r>
+              <a:rPr lang="en-US" b="0" dirty="0">
+                <a:solidFill>
+                  <a:srgbClr val="0000FF"/>
+                </a:solidFill>
+                <a:effectLst/>
+                <a:latin typeface="Consolas" panose="020B0609020204030204" pitchFamily="49" charset="0"/>
+              </a:rPr>
+              <a:t>void</a:t>
+            </a:r>
+            <a:r>
+              <a:rPr lang="en-US" b="0" dirty="0">
+                <a:solidFill>
+                  <a:srgbClr val="000000"/>
+                </a:solidFill>
+                <a:effectLst/>
+                <a:latin typeface="Consolas" panose="020B0609020204030204" pitchFamily="49" charset="0"/>
+              </a:rPr>
+              <a:t> Recurse(</a:t>
+            </a:r>
+            <a:r>
+              <a:rPr lang="en-US" b="0" dirty="0">
+                <a:solidFill>
+                  <a:srgbClr val="0000FF"/>
+                </a:solidFill>
+                <a:effectLst/>
+                <a:latin typeface="Consolas" panose="020B0609020204030204" pitchFamily="49" charset="0"/>
+              </a:rPr>
+              <a:t>int</a:t>
+            </a:r>
+            <a:r>
+              <a:rPr lang="en-US" b="0" dirty="0">
+                <a:solidFill>
+                  <a:srgbClr val="000000"/>
+                </a:solidFill>
+                <a:effectLst/>
+                <a:latin typeface="Consolas" panose="020B0609020204030204" pitchFamily="49" charset="0"/>
+              </a:rPr>
+              <a:t> </a:t>
+            </a:r>
+            <a:r>
+              <a:rPr lang="en-US" b="0" dirty="0" err="1">
+                <a:solidFill>
+                  <a:srgbClr val="000000"/>
+                </a:solidFill>
+                <a:effectLst/>
+                <a:latin typeface="Consolas" panose="020B0609020204030204" pitchFamily="49" charset="0"/>
+              </a:rPr>
+              <a:t>i</a:t>
+            </a:r>
+            <a:r>
+              <a:rPr lang="en-US" b="0" dirty="0">
+                <a:solidFill>
+                  <a:srgbClr val="000000"/>
+                </a:solidFill>
+                <a:effectLst/>
+                <a:latin typeface="Consolas" panose="020B0609020204030204" pitchFamily="49" charset="0"/>
+              </a:rPr>
+              <a:t>, </a:t>
+            </a:r>
+            <a:r>
+              <a:rPr lang="en-US" b="0" dirty="0">
+                <a:solidFill>
+                  <a:srgbClr val="0000FF"/>
+                </a:solidFill>
+                <a:effectLst/>
+                <a:latin typeface="Consolas" panose="020B0609020204030204" pitchFamily="49" charset="0"/>
+              </a:rPr>
+              <a:t>int</a:t>
+            </a:r>
+            <a:r>
+              <a:rPr lang="en-US" b="0" dirty="0">
+                <a:solidFill>
+                  <a:srgbClr val="000000"/>
+                </a:solidFill>
+                <a:effectLst/>
+                <a:latin typeface="Consolas" panose="020B0609020204030204" pitchFamily="49" charset="0"/>
+              </a:rPr>
+              <a:t>[] numbers){</a:t>
+            </a:r>
+          </a:p>
+          <a:p>
+            <a:r>
+              <a:rPr lang="en-US" b="0" dirty="0">
+                <a:solidFill>
+                  <a:srgbClr val="000000"/>
+                </a:solidFill>
+                <a:effectLst/>
+                <a:latin typeface="Consolas" panose="020B0609020204030204" pitchFamily="49" charset="0"/>
+              </a:rPr>
+              <a:t>  </a:t>
+            </a:r>
+            <a:r>
+              <a:rPr lang="en-US" b="0" dirty="0">
+                <a:solidFill>
+                  <a:srgbClr val="0000FF"/>
+                </a:solidFill>
+                <a:effectLst/>
+                <a:latin typeface="Consolas" panose="020B0609020204030204" pitchFamily="49" charset="0"/>
+              </a:rPr>
+              <a:t>if</a:t>
+            </a:r>
+            <a:r>
+              <a:rPr lang="en-US" b="0" dirty="0">
+                <a:solidFill>
+                  <a:srgbClr val="000000"/>
+                </a:solidFill>
+                <a:effectLst/>
+                <a:latin typeface="Consolas" panose="020B0609020204030204" pitchFamily="49" charset="0"/>
+              </a:rPr>
+              <a:t>(</a:t>
+            </a:r>
+            <a:r>
+              <a:rPr lang="en-US" b="0" dirty="0" err="1">
+                <a:solidFill>
+                  <a:srgbClr val="000000"/>
+                </a:solidFill>
+                <a:effectLst/>
+                <a:latin typeface="Consolas" panose="020B0609020204030204" pitchFamily="49" charset="0"/>
+              </a:rPr>
+              <a:t>i</a:t>
+            </a:r>
+            <a:r>
+              <a:rPr lang="en-US" b="0" dirty="0">
+                <a:solidFill>
+                  <a:srgbClr val="000000"/>
+                </a:solidFill>
+                <a:effectLst/>
+                <a:latin typeface="Consolas" panose="020B0609020204030204" pitchFamily="49" charset="0"/>
+              </a:rPr>
+              <a:t>&lt;</a:t>
+            </a:r>
+            <a:r>
+              <a:rPr lang="en-US" b="0" dirty="0" err="1">
+                <a:solidFill>
+                  <a:srgbClr val="000000"/>
+                </a:solidFill>
+                <a:effectLst/>
+                <a:latin typeface="Consolas" panose="020B0609020204030204" pitchFamily="49" charset="0"/>
+              </a:rPr>
+              <a:t>numbers.length</a:t>
+            </a:r>
+            <a:r>
+              <a:rPr lang="en-US" b="0" dirty="0">
+                <a:solidFill>
+                  <a:srgbClr val="000000"/>
+                </a:solidFill>
+                <a:effectLst/>
+                <a:latin typeface="Consolas" panose="020B0609020204030204" pitchFamily="49" charset="0"/>
+              </a:rPr>
+              <a:t>){</a:t>
+            </a:r>
+          </a:p>
+          <a:p>
+            <a:r>
+              <a:rPr lang="en-US" b="0" dirty="0">
+                <a:solidFill>
+                  <a:srgbClr val="000000"/>
+                </a:solidFill>
+                <a:effectLst/>
+                <a:latin typeface="Consolas" panose="020B0609020204030204" pitchFamily="49" charset="0"/>
+              </a:rPr>
+              <a:t>    </a:t>
+            </a:r>
+            <a:r>
+              <a:rPr lang="en-US" b="0" dirty="0" err="1">
+                <a:solidFill>
+                  <a:srgbClr val="000000"/>
+                </a:solidFill>
+                <a:effectLst/>
+                <a:latin typeface="Consolas" panose="020B0609020204030204" pitchFamily="49" charset="0"/>
+              </a:rPr>
+              <a:t>System.out.println</a:t>
+            </a:r>
+            <a:r>
+              <a:rPr lang="en-US" b="0" dirty="0">
+                <a:solidFill>
+                  <a:srgbClr val="000000"/>
+                </a:solidFill>
+                <a:effectLst/>
+                <a:latin typeface="Consolas" panose="020B0609020204030204" pitchFamily="49" charset="0"/>
+              </a:rPr>
+              <a:t>(numbers[</a:t>
+            </a:r>
+            <a:r>
+              <a:rPr lang="en-US" b="0" dirty="0" err="1">
+                <a:solidFill>
+                  <a:srgbClr val="000000"/>
+                </a:solidFill>
+                <a:effectLst/>
+                <a:latin typeface="Consolas" panose="020B0609020204030204" pitchFamily="49" charset="0"/>
+              </a:rPr>
+              <a:t>i</a:t>
+            </a:r>
+            <a:r>
+              <a:rPr lang="en-US" b="0" dirty="0">
+                <a:solidFill>
+                  <a:srgbClr val="000000"/>
+                </a:solidFill>
+                <a:effectLst/>
+                <a:latin typeface="Consolas" panose="020B0609020204030204" pitchFamily="49" charset="0"/>
+              </a:rPr>
+              <a:t>]);</a:t>
+            </a:r>
+          </a:p>
+          <a:p>
+            <a:r>
+              <a:rPr lang="en-US" b="0" dirty="0">
+                <a:solidFill>
+                  <a:srgbClr val="000000"/>
+                </a:solidFill>
+                <a:effectLst/>
+                <a:latin typeface="Consolas" panose="020B0609020204030204" pitchFamily="49" charset="0"/>
+              </a:rPr>
+              <a:t>    </a:t>
+            </a:r>
+            <a:r>
+              <a:rPr lang="en-US" b="0" dirty="0" err="1">
+                <a:solidFill>
+                  <a:srgbClr val="000000"/>
+                </a:solidFill>
+                <a:effectLst/>
+                <a:latin typeface="Consolas" panose="020B0609020204030204" pitchFamily="49" charset="0"/>
+              </a:rPr>
+              <a:t>i</a:t>
+            </a:r>
+            <a:r>
+              <a:rPr lang="en-US" b="0" dirty="0">
+                <a:solidFill>
+                  <a:srgbClr val="000000"/>
+                </a:solidFill>
+                <a:effectLst/>
+                <a:latin typeface="Consolas" panose="020B0609020204030204" pitchFamily="49" charset="0"/>
+              </a:rPr>
+              <a:t>++;</a:t>
+            </a:r>
+          </a:p>
+          <a:p>
+            <a:r>
+              <a:rPr lang="en-US" b="0" dirty="0">
+                <a:solidFill>
+                  <a:srgbClr val="000000"/>
+                </a:solidFill>
+                <a:effectLst/>
+                <a:latin typeface="Consolas" panose="020B0609020204030204" pitchFamily="49" charset="0"/>
+              </a:rPr>
+              <a:t>    Recurse(</a:t>
+            </a:r>
+            <a:r>
+              <a:rPr lang="en-US" b="0" dirty="0" err="1">
+                <a:solidFill>
+                  <a:srgbClr val="000000"/>
+                </a:solidFill>
+                <a:effectLst/>
+                <a:latin typeface="Consolas" panose="020B0609020204030204" pitchFamily="49" charset="0"/>
+              </a:rPr>
+              <a:t>i</a:t>
+            </a:r>
+            <a:r>
+              <a:rPr lang="en-US" b="0" dirty="0">
+                <a:solidFill>
+                  <a:srgbClr val="000000"/>
+                </a:solidFill>
+                <a:effectLst/>
+                <a:latin typeface="Consolas" panose="020B0609020204030204" pitchFamily="49" charset="0"/>
+              </a:rPr>
+              <a:t>, numbers);</a:t>
+            </a:r>
+          </a:p>
+          <a:p>
+            <a:r>
+              <a:rPr lang="en-US" b="0" dirty="0">
+                <a:solidFill>
+                  <a:srgbClr val="000000"/>
+                </a:solidFill>
+                <a:effectLst/>
+                <a:latin typeface="Consolas" panose="020B0609020204030204" pitchFamily="49" charset="0"/>
+              </a:rPr>
+              <a:t>  }</a:t>
+            </a:r>
+            <a:br>
+              <a:rPr lang="en-US" b="0" dirty="0">
+                <a:solidFill>
+                  <a:srgbClr val="000000"/>
+                </a:solidFill>
+                <a:effectLst/>
+                <a:latin typeface="Consolas" panose="020B0609020204030204" pitchFamily="49" charset="0"/>
+              </a:rPr>
+            </a:br>
+            <a:r>
+              <a:rPr lang="en-US" b="0" dirty="0">
+                <a:solidFill>
+                  <a:srgbClr val="000000"/>
+                </a:solidFill>
+                <a:effectLst/>
+                <a:latin typeface="Consolas" panose="020B0609020204030204" pitchFamily="49" charset="0"/>
+              </a:rPr>
+              <a:t>}</a:t>
+            </a:r>
+          </a:p>
+          <a:p>
+            <a:endParaRPr lang="en-US" b="0" dirty="0">
+              <a:solidFill>
+                <a:srgbClr val="000000"/>
+              </a:solidFill>
+              <a:effectLst/>
+              <a:latin typeface="Consolas" panose="020B0609020204030204" pitchFamily="49" charset="0"/>
+            </a:endParaRPr>
+          </a:p>
+        </p:txBody>
+      </p:sp>
+      <p:cxnSp>
+        <p:nvCxnSpPr>
+          <p:cNvPr id="5" name="Straight Connector 4">
+            <a:extLst>
+              <a:ext uri="{FF2B5EF4-FFF2-40B4-BE49-F238E27FC236}">
+                <a16:creationId xmlns:a16="http://schemas.microsoft.com/office/drawing/2014/main" id="{137595DA-6D53-45A0-9254-830836053E7D}"/>
+              </a:ext>
+            </a:extLst>
+          </p:cNvPr>
+          <p:cNvCxnSpPr/>
+          <p:nvPr/>
+        </p:nvCxnSpPr>
+        <p:spPr>
+          <a:xfrm>
+            <a:off x="730603" y="1336229"/>
+            <a:ext cx="2057400" cy="0"/>
+          </a:xfrm>
+          <a:prstGeom prst="line">
+            <a:avLst/>
+          </a:prstGeom>
+          <a:ln cap="rnd"/>
+        </p:spPr>
+        <p:style>
+          <a:lnRef idx="3">
+            <a:schemeClr val="accent6"/>
+          </a:lnRef>
+          <a:fillRef idx="0">
+            <a:schemeClr val="accent6"/>
+          </a:fillRef>
+          <a:effectRef idx="2">
+            <a:schemeClr val="accent6"/>
+          </a:effectRef>
+          <a:fontRef idx="minor">
+            <a:schemeClr val="tx1"/>
+          </a:fontRef>
+        </p:style>
+      </p:cxnSp>
+      <p:cxnSp>
+        <p:nvCxnSpPr>
+          <p:cNvPr id="10" name="Straight Connector 9">
+            <a:extLst>
+              <a:ext uri="{FF2B5EF4-FFF2-40B4-BE49-F238E27FC236}">
+                <a16:creationId xmlns:a16="http://schemas.microsoft.com/office/drawing/2014/main" id="{919ADC1C-0558-439F-A333-9AA3CEA1B859}"/>
+              </a:ext>
+            </a:extLst>
+          </p:cNvPr>
+          <p:cNvCxnSpPr>
+            <a:cxnSpLocks/>
+            <a:endCxn id="11" idx="2"/>
+          </p:cNvCxnSpPr>
+          <p:nvPr/>
+        </p:nvCxnSpPr>
+        <p:spPr>
+          <a:xfrm>
+            <a:off x="2782271" y="1336229"/>
+            <a:ext cx="1738202" cy="385756"/>
+          </a:xfrm>
+          <a:prstGeom prst="line">
+            <a:avLst/>
+          </a:prstGeom>
+          <a:ln cap="rnd"/>
+        </p:spPr>
+        <p:style>
+          <a:lnRef idx="3">
+            <a:schemeClr val="accent6"/>
+          </a:lnRef>
+          <a:fillRef idx="0">
+            <a:schemeClr val="accent6"/>
+          </a:fillRef>
+          <a:effectRef idx="2">
+            <a:schemeClr val="accent6"/>
+          </a:effectRef>
+          <a:fontRef idx="minor">
+            <a:schemeClr val="tx1"/>
+          </a:fontRef>
+        </p:style>
+      </p:cxnSp>
+      <p:sp>
+        <p:nvSpPr>
+          <p:cNvPr id="11" name="Oval 10">
+            <a:extLst>
+              <a:ext uri="{FF2B5EF4-FFF2-40B4-BE49-F238E27FC236}">
+                <a16:creationId xmlns:a16="http://schemas.microsoft.com/office/drawing/2014/main" id="{B8162159-F990-4B83-B1ED-B71983DC26AC}"/>
+              </a:ext>
+            </a:extLst>
+          </p:cNvPr>
+          <p:cNvSpPr/>
+          <p:nvPr/>
+        </p:nvSpPr>
+        <p:spPr>
+          <a:xfrm>
+            <a:off x="4520473" y="1655310"/>
+            <a:ext cx="133350" cy="133350"/>
+          </a:xfrm>
+          <a:prstGeom prst="ellipse">
+            <a:avLst/>
+          </a:prstGeom>
+        </p:spPr>
+        <p:style>
+          <a:lnRef idx="2">
+            <a:schemeClr val="accent6"/>
+          </a:lnRef>
+          <a:fillRef idx="1">
+            <a:schemeClr val="lt1"/>
+          </a:fillRef>
+          <a:effectRef idx="0">
+            <a:schemeClr val="accent6"/>
+          </a:effectRef>
+          <a:fontRef idx="minor">
+            <a:schemeClr val="dk1"/>
+          </a:fontRef>
+        </p:style>
+        <p:txBody>
+          <a:bodyPr rtlCol="0" anchor="ctr"/>
+          <a:lstStyle/>
+          <a:p>
+            <a:pPr algn="ctr"/>
+            <a:endParaRPr lang="en-US" dirty="0"/>
+          </a:p>
+        </p:txBody>
+      </p:sp>
+      <p:sp>
+        <p:nvSpPr>
+          <p:cNvPr id="12" name="TextBox 11">
+            <a:extLst>
+              <a:ext uri="{FF2B5EF4-FFF2-40B4-BE49-F238E27FC236}">
+                <a16:creationId xmlns:a16="http://schemas.microsoft.com/office/drawing/2014/main" id="{2F21B15B-18F0-404B-A4D9-CF02D6672999}"/>
+              </a:ext>
+            </a:extLst>
+          </p:cNvPr>
+          <p:cNvSpPr txBox="1"/>
+          <p:nvPr/>
+        </p:nvSpPr>
+        <p:spPr>
+          <a:xfrm>
+            <a:off x="644879" y="966897"/>
+            <a:ext cx="1884234" cy="369332"/>
+          </a:xfrm>
+          <a:prstGeom prst="rect">
+            <a:avLst/>
+          </a:prstGeom>
+          <a:noFill/>
+        </p:spPr>
+        <p:txBody>
+          <a:bodyPr wrap="none" rtlCol="0">
+            <a:spAutoFit/>
+          </a:bodyPr>
+          <a:lstStyle/>
+          <a:p>
+            <a:r>
+              <a:rPr lang="en-US" dirty="0">
+                <a:solidFill>
+                  <a:schemeClr val="accent6">
+                    <a:lumMod val="75000"/>
+                  </a:schemeClr>
+                </a:solidFill>
+              </a:rPr>
+              <a:t>Starting Condition</a:t>
+            </a:r>
+          </a:p>
+        </p:txBody>
+      </p:sp>
+      <p:sp>
+        <p:nvSpPr>
+          <p:cNvPr id="13" name="TextBox 12">
+            <a:extLst>
+              <a:ext uri="{FF2B5EF4-FFF2-40B4-BE49-F238E27FC236}">
+                <a16:creationId xmlns:a16="http://schemas.microsoft.com/office/drawing/2014/main" id="{EEE27833-6AE7-4490-ACA8-634D7BF527E7}"/>
+              </a:ext>
+            </a:extLst>
+          </p:cNvPr>
+          <p:cNvSpPr txBox="1"/>
+          <p:nvPr/>
+        </p:nvSpPr>
+        <p:spPr>
+          <a:xfrm>
+            <a:off x="644879" y="1398440"/>
+            <a:ext cx="1690656" cy="369332"/>
+          </a:xfrm>
+          <a:prstGeom prst="rect">
+            <a:avLst/>
+          </a:prstGeom>
+          <a:noFill/>
+        </p:spPr>
+        <p:txBody>
+          <a:bodyPr wrap="none" rtlCol="0">
+            <a:spAutoFit/>
+          </a:bodyPr>
+          <a:lstStyle/>
+          <a:p>
+            <a:r>
+              <a:rPr lang="en-US" dirty="0"/>
+              <a:t>Where we start.</a:t>
+            </a:r>
+          </a:p>
+        </p:txBody>
+      </p:sp>
+      <p:cxnSp>
+        <p:nvCxnSpPr>
+          <p:cNvPr id="15" name="Straight Connector 14">
+            <a:extLst>
+              <a:ext uri="{FF2B5EF4-FFF2-40B4-BE49-F238E27FC236}">
+                <a16:creationId xmlns:a16="http://schemas.microsoft.com/office/drawing/2014/main" id="{3EF40E82-75AF-4C36-BE82-CD0B838F564A}"/>
+              </a:ext>
+            </a:extLst>
+          </p:cNvPr>
+          <p:cNvCxnSpPr>
+            <a:cxnSpLocks/>
+          </p:cNvCxnSpPr>
+          <p:nvPr/>
+        </p:nvCxnSpPr>
+        <p:spPr>
+          <a:xfrm flipV="1">
+            <a:off x="730603" y="3921378"/>
+            <a:ext cx="1966913" cy="14287"/>
+          </a:xfrm>
+          <a:prstGeom prst="line">
+            <a:avLst/>
+          </a:prstGeom>
+          <a:ln cap="rnd"/>
+        </p:spPr>
+        <p:style>
+          <a:lnRef idx="3">
+            <a:schemeClr val="accent6"/>
+          </a:lnRef>
+          <a:fillRef idx="0">
+            <a:schemeClr val="accent6"/>
+          </a:fillRef>
+          <a:effectRef idx="2">
+            <a:schemeClr val="accent6"/>
+          </a:effectRef>
+          <a:fontRef idx="minor">
+            <a:schemeClr val="tx1"/>
+          </a:fontRef>
+        </p:style>
+      </p:cxnSp>
+      <p:cxnSp>
+        <p:nvCxnSpPr>
+          <p:cNvPr id="16" name="Straight Connector 15">
+            <a:extLst>
+              <a:ext uri="{FF2B5EF4-FFF2-40B4-BE49-F238E27FC236}">
+                <a16:creationId xmlns:a16="http://schemas.microsoft.com/office/drawing/2014/main" id="{BD704978-A488-43B5-8D13-A641FA7B8F5F}"/>
+              </a:ext>
+            </a:extLst>
+          </p:cNvPr>
+          <p:cNvCxnSpPr>
+            <a:cxnSpLocks/>
+            <a:endCxn id="17" idx="3"/>
+          </p:cNvCxnSpPr>
+          <p:nvPr/>
+        </p:nvCxnSpPr>
+        <p:spPr>
+          <a:xfrm flipV="1">
+            <a:off x="2697516" y="2961952"/>
+            <a:ext cx="1290879" cy="956584"/>
+          </a:xfrm>
+          <a:prstGeom prst="line">
+            <a:avLst/>
+          </a:prstGeom>
+          <a:ln cap="rnd"/>
+        </p:spPr>
+        <p:style>
+          <a:lnRef idx="3">
+            <a:schemeClr val="accent6"/>
+          </a:lnRef>
+          <a:fillRef idx="0">
+            <a:schemeClr val="accent6"/>
+          </a:fillRef>
+          <a:effectRef idx="2">
+            <a:schemeClr val="accent6"/>
+          </a:effectRef>
+          <a:fontRef idx="minor">
+            <a:schemeClr val="tx1"/>
+          </a:fontRef>
+        </p:style>
+      </p:cxnSp>
+      <p:sp>
+        <p:nvSpPr>
+          <p:cNvPr id="17" name="Oval 16">
+            <a:extLst>
+              <a:ext uri="{FF2B5EF4-FFF2-40B4-BE49-F238E27FC236}">
+                <a16:creationId xmlns:a16="http://schemas.microsoft.com/office/drawing/2014/main" id="{FB49C377-E263-47FC-9ECC-AF19F9C12794}"/>
+              </a:ext>
+            </a:extLst>
+          </p:cNvPr>
+          <p:cNvSpPr/>
+          <p:nvPr/>
+        </p:nvSpPr>
+        <p:spPr>
+          <a:xfrm>
+            <a:off x="3968866" y="2848131"/>
+            <a:ext cx="133350" cy="133350"/>
+          </a:xfrm>
+          <a:prstGeom prst="ellipse">
+            <a:avLst/>
+          </a:prstGeom>
+        </p:spPr>
+        <p:style>
+          <a:lnRef idx="2">
+            <a:schemeClr val="accent6"/>
+          </a:lnRef>
+          <a:fillRef idx="1">
+            <a:schemeClr val="lt1"/>
+          </a:fillRef>
+          <a:effectRef idx="0">
+            <a:schemeClr val="accent6"/>
+          </a:effectRef>
+          <a:fontRef idx="minor">
+            <a:schemeClr val="dk1"/>
+          </a:fontRef>
+        </p:style>
+        <p:txBody>
+          <a:bodyPr rtlCol="0" anchor="ctr"/>
+          <a:lstStyle/>
+          <a:p>
+            <a:pPr algn="ctr"/>
+            <a:endParaRPr lang="en-US" dirty="0"/>
+          </a:p>
+        </p:txBody>
+      </p:sp>
+      <p:sp>
+        <p:nvSpPr>
+          <p:cNvPr id="18" name="TextBox 17">
+            <a:extLst>
+              <a:ext uri="{FF2B5EF4-FFF2-40B4-BE49-F238E27FC236}">
+                <a16:creationId xmlns:a16="http://schemas.microsoft.com/office/drawing/2014/main" id="{6DB2D5B6-174D-4FD1-BD9D-A9A150032FE9}"/>
+              </a:ext>
+            </a:extLst>
+          </p:cNvPr>
+          <p:cNvSpPr txBox="1"/>
+          <p:nvPr/>
+        </p:nvSpPr>
+        <p:spPr>
+          <a:xfrm>
+            <a:off x="640116" y="3566333"/>
+            <a:ext cx="657552" cy="369332"/>
+          </a:xfrm>
+          <a:prstGeom prst="rect">
+            <a:avLst/>
+          </a:prstGeom>
+          <a:noFill/>
+        </p:spPr>
+        <p:txBody>
+          <a:bodyPr wrap="none" rtlCol="0">
+            <a:spAutoFit/>
+          </a:bodyPr>
+          <a:lstStyle/>
+          <a:p>
+            <a:r>
+              <a:rPr lang="en-US" dirty="0">
+                <a:solidFill>
+                  <a:schemeClr val="accent6">
+                    <a:lumMod val="75000"/>
+                  </a:schemeClr>
+                </a:solidFill>
+              </a:rPr>
+              <a:t>Body</a:t>
+            </a:r>
+          </a:p>
+        </p:txBody>
+      </p:sp>
+      <p:sp>
+        <p:nvSpPr>
+          <p:cNvPr id="21" name="TextBox 20">
+            <a:extLst>
+              <a:ext uri="{FF2B5EF4-FFF2-40B4-BE49-F238E27FC236}">
+                <a16:creationId xmlns:a16="http://schemas.microsoft.com/office/drawing/2014/main" id="{DC718CB7-F8D1-4195-901B-86FD1D2BB6E0}"/>
+              </a:ext>
+            </a:extLst>
+          </p:cNvPr>
+          <p:cNvSpPr txBox="1"/>
+          <p:nvPr/>
+        </p:nvSpPr>
+        <p:spPr>
+          <a:xfrm>
+            <a:off x="644879" y="3935665"/>
+            <a:ext cx="1575807" cy="923330"/>
+          </a:xfrm>
+          <a:prstGeom prst="rect">
+            <a:avLst/>
+          </a:prstGeom>
+          <a:noFill/>
+        </p:spPr>
+        <p:txBody>
+          <a:bodyPr wrap="square" rtlCol="0">
+            <a:spAutoFit/>
+          </a:bodyPr>
+          <a:lstStyle/>
+          <a:p>
+            <a:r>
+              <a:rPr lang="en-US" dirty="0"/>
+              <a:t>What we actually want to do.</a:t>
+            </a:r>
+          </a:p>
+        </p:txBody>
+      </p:sp>
+      <p:cxnSp>
+        <p:nvCxnSpPr>
+          <p:cNvPr id="22" name="Straight Connector 21">
+            <a:extLst>
+              <a:ext uri="{FF2B5EF4-FFF2-40B4-BE49-F238E27FC236}">
+                <a16:creationId xmlns:a16="http://schemas.microsoft.com/office/drawing/2014/main" id="{281F65D4-8811-4C7C-9370-9FFB690657BE}"/>
+              </a:ext>
+            </a:extLst>
+          </p:cNvPr>
+          <p:cNvCxnSpPr>
+            <a:cxnSpLocks/>
+          </p:cNvCxnSpPr>
+          <p:nvPr/>
+        </p:nvCxnSpPr>
+        <p:spPr>
+          <a:xfrm flipH="1">
+            <a:off x="8089148" y="4494497"/>
+            <a:ext cx="1104900" cy="1"/>
+          </a:xfrm>
+          <a:prstGeom prst="line">
+            <a:avLst/>
+          </a:prstGeom>
+          <a:ln cap="rnd"/>
+        </p:spPr>
+        <p:style>
+          <a:lnRef idx="3">
+            <a:schemeClr val="accent6"/>
+          </a:lnRef>
+          <a:fillRef idx="0">
+            <a:schemeClr val="accent6"/>
+          </a:fillRef>
+          <a:effectRef idx="2">
+            <a:schemeClr val="accent6"/>
+          </a:effectRef>
+          <a:fontRef idx="minor">
+            <a:schemeClr val="tx1"/>
+          </a:fontRef>
+        </p:style>
+      </p:cxnSp>
+      <p:cxnSp>
+        <p:nvCxnSpPr>
+          <p:cNvPr id="23" name="Straight Connector 22">
+            <a:extLst>
+              <a:ext uri="{FF2B5EF4-FFF2-40B4-BE49-F238E27FC236}">
+                <a16:creationId xmlns:a16="http://schemas.microsoft.com/office/drawing/2014/main" id="{E0D3EF36-CFD1-4353-B6BE-50AEE339ED21}"/>
+              </a:ext>
+            </a:extLst>
+          </p:cNvPr>
+          <p:cNvCxnSpPr>
+            <a:cxnSpLocks/>
+          </p:cNvCxnSpPr>
+          <p:nvPr/>
+        </p:nvCxnSpPr>
+        <p:spPr>
+          <a:xfrm flipH="1" flipV="1">
+            <a:off x="7000240" y="3375660"/>
+            <a:ext cx="1088909" cy="1118837"/>
+          </a:xfrm>
+          <a:prstGeom prst="line">
+            <a:avLst/>
+          </a:prstGeom>
+          <a:ln cap="rnd"/>
+        </p:spPr>
+        <p:style>
+          <a:lnRef idx="3">
+            <a:schemeClr val="accent6"/>
+          </a:lnRef>
+          <a:fillRef idx="0">
+            <a:schemeClr val="accent6"/>
+          </a:fillRef>
+          <a:effectRef idx="2">
+            <a:schemeClr val="accent6"/>
+          </a:effectRef>
+          <a:fontRef idx="minor">
+            <a:schemeClr val="tx1"/>
+          </a:fontRef>
+        </p:style>
+      </p:cxnSp>
+      <p:sp>
+        <p:nvSpPr>
+          <p:cNvPr id="25" name="TextBox 24">
+            <a:extLst>
+              <a:ext uri="{FF2B5EF4-FFF2-40B4-BE49-F238E27FC236}">
+                <a16:creationId xmlns:a16="http://schemas.microsoft.com/office/drawing/2014/main" id="{5FD8137D-08BF-449C-AE7B-0500735A5E83}"/>
+              </a:ext>
+            </a:extLst>
+          </p:cNvPr>
+          <p:cNvSpPr txBox="1"/>
+          <p:nvPr/>
+        </p:nvSpPr>
+        <p:spPr>
+          <a:xfrm>
+            <a:off x="8462702" y="4139452"/>
+            <a:ext cx="874150" cy="369332"/>
+          </a:xfrm>
+          <a:prstGeom prst="rect">
+            <a:avLst/>
+          </a:prstGeom>
+          <a:noFill/>
+        </p:spPr>
+        <p:txBody>
+          <a:bodyPr wrap="none" rtlCol="0">
+            <a:spAutoFit/>
+          </a:bodyPr>
+          <a:lstStyle/>
+          <a:p>
+            <a:r>
+              <a:rPr lang="en-US" dirty="0">
+                <a:solidFill>
+                  <a:schemeClr val="accent6">
+                    <a:lumMod val="75000"/>
+                  </a:schemeClr>
+                </a:solidFill>
+              </a:rPr>
+              <a:t>Update</a:t>
+            </a:r>
+          </a:p>
+        </p:txBody>
+      </p:sp>
+      <p:cxnSp>
+        <p:nvCxnSpPr>
+          <p:cNvPr id="29" name="Straight Connector 28">
+            <a:extLst>
+              <a:ext uri="{FF2B5EF4-FFF2-40B4-BE49-F238E27FC236}">
+                <a16:creationId xmlns:a16="http://schemas.microsoft.com/office/drawing/2014/main" id="{019108DC-831E-4879-A640-53B4FCF9C7A9}"/>
+              </a:ext>
+            </a:extLst>
+          </p:cNvPr>
+          <p:cNvCxnSpPr>
+            <a:cxnSpLocks/>
+          </p:cNvCxnSpPr>
+          <p:nvPr/>
+        </p:nvCxnSpPr>
+        <p:spPr>
+          <a:xfrm flipH="1">
+            <a:off x="9537300" y="2519009"/>
+            <a:ext cx="1913188" cy="0"/>
+          </a:xfrm>
+          <a:prstGeom prst="line">
+            <a:avLst/>
+          </a:prstGeom>
+          <a:ln cap="rnd"/>
+        </p:spPr>
+        <p:style>
+          <a:lnRef idx="3">
+            <a:schemeClr val="accent6"/>
+          </a:lnRef>
+          <a:fillRef idx="0">
+            <a:schemeClr val="accent6"/>
+          </a:fillRef>
+          <a:effectRef idx="2">
+            <a:schemeClr val="accent6"/>
+          </a:effectRef>
+          <a:fontRef idx="minor">
+            <a:schemeClr val="tx1"/>
+          </a:fontRef>
+        </p:style>
+      </p:cxnSp>
+      <p:cxnSp>
+        <p:nvCxnSpPr>
+          <p:cNvPr id="30" name="Straight Connector 29">
+            <a:extLst>
+              <a:ext uri="{FF2B5EF4-FFF2-40B4-BE49-F238E27FC236}">
+                <a16:creationId xmlns:a16="http://schemas.microsoft.com/office/drawing/2014/main" id="{E7DB3AE7-E4CD-4EDA-8372-16564775FA28}"/>
+              </a:ext>
+            </a:extLst>
+          </p:cNvPr>
+          <p:cNvCxnSpPr>
+            <a:cxnSpLocks/>
+            <a:endCxn id="31" idx="6"/>
+          </p:cNvCxnSpPr>
+          <p:nvPr/>
+        </p:nvCxnSpPr>
+        <p:spPr>
+          <a:xfrm flipH="1">
+            <a:off x="6390263" y="2527020"/>
+            <a:ext cx="3147037" cy="124074"/>
+          </a:xfrm>
+          <a:prstGeom prst="line">
+            <a:avLst/>
+          </a:prstGeom>
+          <a:ln cap="rnd"/>
+        </p:spPr>
+        <p:style>
+          <a:lnRef idx="3">
+            <a:schemeClr val="accent6"/>
+          </a:lnRef>
+          <a:fillRef idx="0">
+            <a:schemeClr val="accent6"/>
+          </a:fillRef>
+          <a:effectRef idx="2">
+            <a:schemeClr val="accent6"/>
+          </a:effectRef>
+          <a:fontRef idx="minor">
+            <a:schemeClr val="tx1"/>
+          </a:fontRef>
+        </p:style>
+      </p:cxnSp>
+      <p:sp>
+        <p:nvSpPr>
+          <p:cNvPr id="31" name="Oval 30">
+            <a:extLst>
+              <a:ext uri="{FF2B5EF4-FFF2-40B4-BE49-F238E27FC236}">
+                <a16:creationId xmlns:a16="http://schemas.microsoft.com/office/drawing/2014/main" id="{6FFE47B9-57C8-4E04-91FB-14709991813A}"/>
+              </a:ext>
+            </a:extLst>
+          </p:cNvPr>
+          <p:cNvSpPr/>
+          <p:nvPr/>
+        </p:nvSpPr>
+        <p:spPr>
+          <a:xfrm>
+            <a:off x="6256913" y="2584419"/>
+            <a:ext cx="133350" cy="133350"/>
+          </a:xfrm>
+          <a:prstGeom prst="ellipse">
+            <a:avLst/>
+          </a:prstGeom>
+        </p:spPr>
+        <p:style>
+          <a:lnRef idx="2">
+            <a:schemeClr val="accent6"/>
+          </a:lnRef>
+          <a:fillRef idx="1">
+            <a:schemeClr val="lt1"/>
+          </a:fillRef>
+          <a:effectRef idx="0">
+            <a:schemeClr val="accent6"/>
+          </a:effectRef>
+          <a:fontRef idx="minor">
+            <a:schemeClr val="dk1"/>
+          </a:fontRef>
+        </p:style>
+        <p:txBody>
+          <a:bodyPr rtlCol="0" anchor="ctr"/>
+          <a:lstStyle/>
+          <a:p>
+            <a:pPr algn="ctr"/>
+            <a:endParaRPr lang="en-US" dirty="0"/>
+          </a:p>
+        </p:txBody>
+      </p:sp>
+      <p:sp>
+        <p:nvSpPr>
+          <p:cNvPr id="32" name="TextBox 31">
+            <a:extLst>
+              <a:ext uri="{FF2B5EF4-FFF2-40B4-BE49-F238E27FC236}">
+                <a16:creationId xmlns:a16="http://schemas.microsoft.com/office/drawing/2014/main" id="{1BA67ACD-6A40-4ED1-9EF4-C8F06D2CA166}"/>
+              </a:ext>
+            </a:extLst>
+          </p:cNvPr>
+          <p:cNvSpPr txBox="1"/>
+          <p:nvPr/>
+        </p:nvSpPr>
+        <p:spPr>
+          <a:xfrm>
+            <a:off x="9434516" y="2179758"/>
+            <a:ext cx="1982594" cy="369332"/>
+          </a:xfrm>
+          <a:prstGeom prst="rect">
+            <a:avLst/>
+          </a:prstGeom>
+          <a:noFill/>
+        </p:spPr>
+        <p:txBody>
+          <a:bodyPr wrap="none" rtlCol="0">
+            <a:spAutoFit/>
+          </a:bodyPr>
+          <a:lstStyle/>
+          <a:p>
+            <a:r>
+              <a:rPr lang="en-US" dirty="0">
+                <a:solidFill>
+                  <a:schemeClr val="accent6">
+                    <a:lumMod val="75000"/>
+                  </a:schemeClr>
+                </a:solidFill>
+              </a:rPr>
+              <a:t>Stopping Condition</a:t>
+            </a:r>
+          </a:p>
+        </p:txBody>
+      </p:sp>
+      <p:sp>
+        <p:nvSpPr>
+          <p:cNvPr id="33" name="TextBox 32">
+            <a:extLst>
+              <a:ext uri="{FF2B5EF4-FFF2-40B4-BE49-F238E27FC236}">
+                <a16:creationId xmlns:a16="http://schemas.microsoft.com/office/drawing/2014/main" id="{E4ED2E01-78B9-4E9E-97D7-97336255BDE0}"/>
+              </a:ext>
+            </a:extLst>
+          </p:cNvPr>
+          <p:cNvSpPr txBox="1"/>
+          <p:nvPr/>
+        </p:nvSpPr>
+        <p:spPr>
+          <a:xfrm>
+            <a:off x="9537300" y="2570700"/>
+            <a:ext cx="1596882" cy="1200329"/>
+          </a:xfrm>
+          <a:prstGeom prst="rect">
+            <a:avLst/>
+          </a:prstGeom>
+          <a:noFill/>
+        </p:spPr>
+        <p:txBody>
+          <a:bodyPr wrap="square" rtlCol="0">
+            <a:spAutoFit/>
+          </a:bodyPr>
+          <a:lstStyle/>
+          <a:p>
+            <a:pPr algn="r"/>
+            <a:r>
+              <a:rPr lang="en-US" dirty="0"/>
+              <a:t>Also called the “Invariant.”</a:t>
+            </a:r>
+          </a:p>
+          <a:p>
+            <a:pPr algn="r"/>
+            <a:r>
+              <a:rPr lang="en-US" dirty="0"/>
+              <a:t>Tells us when to stop.</a:t>
+            </a:r>
+          </a:p>
+        </p:txBody>
+      </p:sp>
+      <p:sp>
+        <p:nvSpPr>
+          <p:cNvPr id="38" name="TextBox 37">
+            <a:extLst>
+              <a:ext uri="{FF2B5EF4-FFF2-40B4-BE49-F238E27FC236}">
+                <a16:creationId xmlns:a16="http://schemas.microsoft.com/office/drawing/2014/main" id="{91D2CAB9-EF2E-4B5B-B20A-806B6DD60F42}"/>
+              </a:ext>
+            </a:extLst>
+          </p:cNvPr>
+          <p:cNvSpPr txBox="1"/>
+          <p:nvPr/>
+        </p:nvSpPr>
+        <p:spPr>
+          <a:xfrm>
+            <a:off x="0" y="250222"/>
+            <a:ext cx="12192000" cy="523220"/>
+          </a:xfrm>
+          <a:prstGeom prst="rect">
+            <a:avLst/>
+          </a:prstGeom>
+          <a:noFill/>
+        </p:spPr>
+        <p:txBody>
+          <a:bodyPr wrap="square" rtlCol="0">
+            <a:spAutoFit/>
+          </a:bodyPr>
+          <a:lstStyle/>
+          <a:p>
+            <a:pPr algn="ctr"/>
+            <a:r>
+              <a:rPr lang="en-US" sz="2800" dirty="0">
+                <a:solidFill>
+                  <a:schemeClr val="accent6">
+                    <a:lumMod val="75000"/>
+                  </a:schemeClr>
+                </a:solidFill>
+              </a:rPr>
+              <a:t>Four Parts of a Loop (recursion) </a:t>
+            </a:r>
+          </a:p>
+        </p:txBody>
+      </p:sp>
+      <p:grpSp>
+        <p:nvGrpSpPr>
+          <p:cNvPr id="49" name="Group 48">
+            <a:extLst>
+              <a:ext uri="{FF2B5EF4-FFF2-40B4-BE49-F238E27FC236}">
+                <a16:creationId xmlns:a16="http://schemas.microsoft.com/office/drawing/2014/main" id="{B8CE06AF-2806-4107-95D9-AAC286CC343B}"/>
+              </a:ext>
+            </a:extLst>
+          </p:cNvPr>
+          <p:cNvGrpSpPr/>
+          <p:nvPr/>
+        </p:nvGrpSpPr>
+        <p:grpSpPr>
+          <a:xfrm>
+            <a:off x="3766877" y="629685"/>
+            <a:ext cx="4498072" cy="297874"/>
+            <a:chOff x="3971469" y="624781"/>
+            <a:chExt cx="4498072" cy="297874"/>
+          </a:xfrm>
+        </p:grpSpPr>
+        <p:cxnSp>
+          <p:nvCxnSpPr>
+            <p:cNvPr id="40" name="Straight Connector 39">
+              <a:extLst>
+                <a:ext uri="{FF2B5EF4-FFF2-40B4-BE49-F238E27FC236}">
+                  <a16:creationId xmlns:a16="http://schemas.microsoft.com/office/drawing/2014/main" id="{D6E0AC31-61D0-4CE2-AA3B-3C6978E8704A}"/>
+                </a:ext>
+              </a:extLst>
+            </p:cNvPr>
+            <p:cNvCxnSpPr/>
+            <p:nvPr/>
+          </p:nvCxnSpPr>
+          <p:spPr>
+            <a:xfrm>
+              <a:off x="5170031" y="773442"/>
+              <a:ext cx="2057400" cy="0"/>
+            </a:xfrm>
+            <a:prstGeom prst="line">
+              <a:avLst/>
+            </a:prstGeom>
+            <a:ln cap="rnd"/>
+          </p:spPr>
+          <p:style>
+            <a:lnRef idx="3">
+              <a:schemeClr val="accent6"/>
+            </a:lnRef>
+            <a:fillRef idx="0">
+              <a:schemeClr val="accent6"/>
+            </a:fillRef>
+            <a:effectRef idx="2">
+              <a:schemeClr val="accent6"/>
+            </a:effectRef>
+            <a:fontRef idx="minor">
+              <a:schemeClr val="tx1"/>
+            </a:fontRef>
+          </p:style>
+        </p:cxnSp>
+        <p:cxnSp>
+          <p:nvCxnSpPr>
+            <p:cNvPr id="41" name="Straight Connector 40">
+              <a:extLst>
+                <a:ext uri="{FF2B5EF4-FFF2-40B4-BE49-F238E27FC236}">
+                  <a16:creationId xmlns:a16="http://schemas.microsoft.com/office/drawing/2014/main" id="{B388F3BF-FB37-4435-8519-443F06647178}"/>
+                </a:ext>
+              </a:extLst>
+            </p:cNvPr>
+            <p:cNvCxnSpPr>
+              <a:cxnSpLocks/>
+            </p:cNvCxnSpPr>
+            <p:nvPr/>
+          </p:nvCxnSpPr>
+          <p:spPr>
+            <a:xfrm>
+              <a:off x="7349270" y="697242"/>
+              <a:ext cx="1027511" cy="0"/>
+            </a:xfrm>
+            <a:prstGeom prst="line">
+              <a:avLst/>
+            </a:prstGeom>
+            <a:ln cap="rnd"/>
+          </p:spPr>
+          <p:style>
+            <a:lnRef idx="3">
+              <a:schemeClr val="accent6"/>
+            </a:lnRef>
+            <a:fillRef idx="0">
+              <a:schemeClr val="accent6"/>
+            </a:fillRef>
+            <a:effectRef idx="2">
+              <a:schemeClr val="accent6"/>
+            </a:effectRef>
+            <a:fontRef idx="minor">
+              <a:schemeClr val="tx1"/>
+            </a:fontRef>
+          </p:style>
+        </p:cxnSp>
+        <p:cxnSp>
+          <p:nvCxnSpPr>
+            <p:cNvPr id="43" name="Straight Connector 42">
+              <a:extLst>
+                <a:ext uri="{FF2B5EF4-FFF2-40B4-BE49-F238E27FC236}">
+                  <a16:creationId xmlns:a16="http://schemas.microsoft.com/office/drawing/2014/main" id="{EC5F7052-9710-4CD3-8A81-EEE0E9A7244C}"/>
+                </a:ext>
+              </a:extLst>
+            </p:cNvPr>
+            <p:cNvCxnSpPr>
+              <a:cxnSpLocks/>
+            </p:cNvCxnSpPr>
+            <p:nvPr/>
+          </p:nvCxnSpPr>
+          <p:spPr>
+            <a:xfrm flipV="1">
+              <a:off x="7227431" y="697242"/>
+              <a:ext cx="121839" cy="76200"/>
+            </a:xfrm>
+            <a:prstGeom prst="line">
+              <a:avLst/>
+            </a:prstGeom>
+            <a:ln cap="rnd"/>
+          </p:spPr>
+          <p:style>
+            <a:lnRef idx="3">
+              <a:schemeClr val="accent6"/>
+            </a:lnRef>
+            <a:fillRef idx="0">
+              <a:schemeClr val="accent6"/>
+            </a:fillRef>
+            <a:effectRef idx="2">
+              <a:schemeClr val="accent6"/>
+            </a:effectRef>
+            <a:fontRef idx="minor">
+              <a:schemeClr val="tx1"/>
+            </a:fontRef>
+          </p:style>
+        </p:cxnSp>
+        <p:cxnSp>
+          <p:nvCxnSpPr>
+            <p:cNvPr id="46" name="Straight Connector 45">
+              <a:extLst>
+                <a:ext uri="{FF2B5EF4-FFF2-40B4-BE49-F238E27FC236}">
+                  <a16:creationId xmlns:a16="http://schemas.microsoft.com/office/drawing/2014/main" id="{C86B609C-3E9D-4EA1-9D7B-7AD108C8C57B}"/>
+                </a:ext>
+              </a:extLst>
+            </p:cNvPr>
+            <p:cNvCxnSpPr>
+              <a:cxnSpLocks/>
+            </p:cNvCxnSpPr>
+            <p:nvPr/>
+          </p:nvCxnSpPr>
+          <p:spPr>
+            <a:xfrm flipV="1">
+              <a:off x="5048192" y="773442"/>
+              <a:ext cx="121839" cy="76200"/>
+            </a:xfrm>
+            <a:prstGeom prst="line">
+              <a:avLst/>
+            </a:prstGeom>
+            <a:ln cap="rnd"/>
+          </p:spPr>
+          <p:style>
+            <a:lnRef idx="3">
+              <a:schemeClr val="accent6"/>
+            </a:lnRef>
+            <a:fillRef idx="0">
+              <a:schemeClr val="accent6"/>
+            </a:fillRef>
+            <a:effectRef idx="2">
+              <a:schemeClr val="accent6"/>
+            </a:effectRef>
+            <a:fontRef idx="minor">
+              <a:schemeClr val="tx1"/>
+            </a:fontRef>
+          </p:style>
+        </p:cxnSp>
+        <p:cxnSp>
+          <p:nvCxnSpPr>
+            <p:cNvPr id="47" name="Straight Connector 46">
+              <a:extLst>
+                <a:ext uri="{FF2B5EF4-FFF2-40B4-BE49-F238E27FC236}">
+                  <a16:creationId xmlns:a16="http://schemas.microsoft.com/office/drawing/2014/main" id="{0D690C07-0109-4CEC-B0CC-434EED608911}"/>
+                </a:ext>
+              </a:extLst>
+            </p:cNvPr>
+            <p:cNvCxnSpPr>
+              <a:cxnSpLocks/>
+            </p:cNvCxnSpPr>
+            <p:nvPr/>
+          </p:nvCxnSpPr>
+          <p:spPr>
+            <a:xfrm flipV="1">
+              <a:off x="4021655" y="849642"/>
+              <a:ext cx="1026537" cy="11668"/>
+            </a:xfrm>
+            <a:prstGeom prst="line">
+              <a:avLst/>
+            </a:prstGeom>
+            <a:ln cap="rnd"/>
+          </p:spPr>
+          <p:style>
+            <a:lnRef idx="3">
+              <a:schemeClr val="accent6"/>
+            </a:lnRef>
+            <a:fillRef idx="0">
+              <a:schemeClr val="accent6"/>
+            </a:fillRef>
+            <a:effectRef idx="2">
+              <a:schemeClr val="accent6"/>
+            </a:effectRef>
+            <a:fontRef idx="minor">
+              <a:schemeClr val="tx1"/>
+            </a:fontRef>
+          </p:style>
+        </p:cxnSp>
+        <p:sp>
+          <p:nvSpPr>
+            <p:cNvPr id="50" name="Oval 49">
+              <a:extLst>
+                <a:ext uri="{FF2B5EF4-FFF2-40B4-BE49-F238E27FC236}">
+                  <a16:creationId xmlns:a16="http://schemas.microsoft.com/office/drawing/2014/main" id="{EEA3A56A-D77B-4804-9467-3C2325189A39}"/>
+                </a:ext>
+              </a:extLst>
+            </p:cNvPr>
+            <p:cNvSpPr/>
+            <p:nvPr/>
+          </p:nvSpPr>
+          <p:spPr>
+            <a:xfrm>
+              <a:off x="3971469" y="789305"/>
+              <a:ext cx="133350" cy="133350"/>
+            </a:xfrm>
+            <a:prstGeom prst="ellipse">
+              <a:avLst/>
+            </a:prstGeom>
+          </p:spPr>
+          <p:style>
+            <a:lnRef idx="2">
+              <a:schemeClr val="accent6"/>
+            </a:lnRef>
+            <a:fillRef idx="1">
+              <a:schemeClr val="lt1"/>
+            </a:fillRef>
+            <a:effectRef idx="0">
+              <a:schemeClr val="accent6"/>
+            </a:effectRef>
+            <a:fontRef idx="minor">
+              <a:schemeClr val="dk1"/>
+            </a:fontRef>
+          </p:style>
+          <p:txBody>
+            <a:bodyPr rtlCol="0" anchor="ctr"/>
+            <a:lstStyle/>
+            <a:p>
+              <a:pPr algn="ctr"/>
+              <a:endParaRPr lang="en-US" i="1" dirty="0"/>
+            </a:p>
+          </p:txBody>
+        </p:sp>
+        <p:sp>
+          <p:nvSpPr>
+            <p:cNvPr id="51" name="Oval 50">
+              <a:extLst>
+                <a:ext uri="{FF2B5EF4-FFF2-40B4-BE49-F238E27FC236}">
+                  <a16:creationId xmlns:a16="http://schemas.microsoft.com/office/drawing/2014/main" id="{488A40C9-3C11-477D-B0FB-19648893F367}"/>
+                </a:ext>
+              </a:extLst>
+            </p:cNvPr>
+            <p:cNvSpPr/>
+            <p:nvPr/>
+          </p:nvSpPr>
+          <p:spPr>
+            <a:xfrm>
+              <a:off x="8336191" y="624781"/>
+              <a:ext cx="133350" cy="133350"/>
+            </a:xfrm>
+            <a:prstGeom prst="ellipse">
+              <a:avLst/>
+            </a:prstGeom>
+          </p:spPr>
+          <p:style>
+            <a:lnRef idx="2">
+              <a:schemeClr val="accent6"/>
+            </a:lnRef>
+            <a:fillRef idx="1">
+              <a:schemeClr val="lt1"/>
+            </a:fillRef>
+            <a:effectRef idx="0">
+              <a:schemeClr val="accent6"/>
+            </a:effectRef>
+            <a:fontRef idx="minor">
+              <a:schemeClr val="dk1"/>
+            </a:fontRef>
+          </p:style>
+          <p:txBody>
+            <a:bodyPr rtlCol="0" anchor="ctr"/>
+            <a:lstStyle/>
+            <a:p>
+              <a:pPr algn="ctr"/>
+              <a:endParaRPr lang="en-US" i="1" dirty="0"/>
+            </a:p>
+          </p:txBody>
+        </p:sp>
+      </p:grpSp>
+      <p:sp>
+        <p:nvSpPr>
+          <p:cNvPr id="14" name="TextBox 13">
+            <a:extLst>
+              <a:ext uri="{FF2B5EF4-FFF2-40B4-BE49-F238E27FC236}">
+                <a16:creationId xmlns:a16="http://schemas.microsoft.com/office/drawing/2014/main" id="{435208E8-8392-4F66-87E2-1DC4DFEE19B1}"/>
+              </a:ext>
+            </a:extLst>
+          </p:cNvPr>
+          <p:cNvSpPr txBox="1"/>
+          <p:nvPr/>
+        </p:nvSpPr>
+        <p:spPr>
+          <a:xfrm>
             <a:off x="7466898" y="4508784"/>
             <a:ext cx="1869954" cy="923330"/>
           </a:xfrm>
@@ -8866,7 +9968,7 @@
 </p:sld>
 </file>
 
-<file path=ppt/slides/slide5.xml><?xml version="1.0" encoding="utf-8"?>
+<file path=ppt/slides/slide6.xml><?xml version="1.0" encoding="utf-8"?>
 <p:sld xmlns:a="http://schemas.openxmlformats.org/drawingml/2006/main" xmlns:r="http://schemas.openxmlformats.org/officeDocument/2006/relationships" xmlns:p="http://schemas.openxmlformats.org/presentationml/2006/main">
   <p:cSld>
     <p:spTree>

--- a/Data Structures Parts and Terms.pptx
+++ b/Data Structures Parts and Terms.pptx
@@ -264,7 +264,7 @@
           <a:p>
             <a:fld id="{06ADBE60-9DBF-4AEC-B933-FFCA020856EA}" type="datetimeFigureOut">
               <a:rPr lang="en-US" smtClean="0"/>
-              <a:t>9/11/2020</a:t>
+              <a:t>9/14/2020</a:t>
             </a:fld>
             <a:endParaRPr lang="en-US"/>
           </a:p>
@@ -462,7 +462,7 @@
           <a:p>
             <a:fld id="{06ADBE60-9DBF-4AEC-B933-FFCA020856EA}" type="datetimeFigureOut">
               <a:rPr lang="en-US" smtClean="0"/>
-              <a:t>9/11/2020</a:t>
+              <a:t>9/14/2020</a:t>
             </a:fld>
             <a:endParaRPr lang="en-US"/>
           </a:p>
@@ -670,7 +670,7 @@
           <a:p>
             <a:fld id="{06ADBE60-9DBF-4AEC-B933-FFCA020856EA}" type="datetimeFigureOut">
               <a:rPr lang="en-US" smtClean="0"/>
-              <a:t>9/11/2020</a:t>
+              <a:t>9/14/2020</a:t>
             </a:fld>
             <a:endParaRPr lang="en-US"/>
           </a:p>
@@ -868,7 +868,7 @@
           <a:p>
             <a:fld id="{06ADBE60-9DBF-4AEC-B933-FFCA020856EA}" type="datetimeFigureOut">
               <a:rPr lang="en-US" smtClean="0"/>
-              <a:t>9/11/2020</a:t>
+              <a:t>9/14/2020</a:t>
             </a:fld>
             <a:endParaRPr lang="en-US"/>
           </a:p>
@@ -1143,7 +1143,7 @@
           <a:p>
             <a:fld id="{06ADBE60-9DBF-4AEC-B933-FFCA020856EA}" type="datetimeFigureOut">
               <a:rPr lang="en-US" smtClean="0"/>
-              <a:t>9/11/2020</a:t>
+              <a:t>9/14/2020</a:t>
             </a:fld>
             <a:endParaRPr lang="en-US"/>
           </a:p>
@@ -1408,7 +1408,7 @@
           <a:p>
             <a:fld id="{06ADBE60-9DBF-4AEC-B933-FFCA020856EA}" type="datetimeFigureOut">
               <a:rPr lang="en-US" smtClean="0"/>
-              <a:t>9/11/2020</a:t>
+              <a:t>9/14/2020</a:t>
             </a:fld>
             <a:endParaRPr lang="en-US"/>
           </a:p>
@@ -1820,7 +1820,7 @@
           <a:p>
             <a:fld id="{06ADBE60-9DBF-4AEC-B933-FFCA020856EA}" type="datetimeFigureOut">
               <a:rPr lang="en-US" smtClean="0"/>
-              <a:t>9/11/2020</a:t>
+              <a:t>9/14/2020</a:t>
             </a:fld>
             <a:endParaRPr lang="en-US"/>
           </a:p>
@@ -1961,7 +1961,7 @@
           <a:p>
             <a:fld id="{06ADBE60-9DBF-4AEC-B933-FFCA020856EA}" type="datetimeFigureOut">
               <a:rPr lang="en-US" smtClean="0"/>
-              <a:t>9/11/2020</a:t>
+              <a:t>9/14/2020</a:t>
             </a:fld>
             <a:endParaRPr lang="en-US"/>
           </a:p>
@@ -2074,7 +2074,7 @@
           <a:p>
             <a:fld id="{06ADBE60-9DBF-4AEC-B933-FFCA020856EA}" type="datetimeFigureOut">
               <a:rPr lang="en-US" smtClean="0"/>
-              <a:t>9/11/2020</a:t>
+              <a:t>9/14/2020</a:t>
             </a:fld>
             <a:endParaRPr lang="en-US"/>
           </a:p>
@@ -2385,7 +2385,7 @@
           <a:p>
             <a:fld id="{06ADBE60-9DBF-4AEC-B933-FFCA020856EA}" type="datetimeFigureOut">
               <a:rPr lang="en-US" smtClean="0"/>
-              <a:t>9/11/2020</a:t>
+              <a:t>9/14/2020</a:t>
             </a:fld>
             <a:endParaRPr lang="en-US"/>
           </a:p>
@@ -2673,7 +2673,7 @@
           <a:p>
             <a:fld id="{06ADBE60-9DBF-4AEC-B933-FFCA020856EA}" type="datetimeFigureOut">
               <a:rPr lang="en-US" smtClean="0"/>
-              <a:t>9/11/2020</a:t>
+              <a:t>9/14/2020</a:t>
             </a:fld>
             <a:endParaRPr lang="en-US"/>
           </a:p>
@@ -2914,7 +2914,7 @@
           <a:p>
             <a:fld id="{06ADBE60-9DBF-4AEC-B933-FFCA020856EA}" type="datetimeFigureOut">
               <a:rPr lang="en-US" smtClean="0"/>
-              <a:t>9/11/2020</a:t>
+              <a:t>9/14/2020</a:t>
             </a:fld>
             <a:endParaRPr lang="en-US"/>
           </a:p>
@@ -3427,7 +3427,7 @@
         </p:nvSpPr>
         <p:spPr>
           <a:xfrm>
-            <a:off x="0" y="250222"/>
+            <a:off x="0" y="271811"/>
             <a:ext cx="12192000" cy="523220"/>
           </a:xfrm>
           <a:prstGeom prst="rect">
@@ -3800,489 +3800,168 @@
           </a:p>
         </p:txBody>
       </p:sp>
-      <p:grpSp>
-        <p:nvGrpSpPr>
-          <p:cNvPr id="48" name="Group 47">
-            <a:extLst>
-              <a:ext uri="{FF2B5EF4-FFF2-40B4-BE49-F238E27FC236}">
-                <a16:creationId xmlns:a16="http://schemas.microsoft.com/office/drawing/2014/main" id="{D4675467-FA1F-45F5-9F12-4A0349C81C9C}"/>
-              </a:ext>
-            </a:extLst>
-          </p:cNvPr>
-          <p:cNvGrpSpPr/>
+      <p:pic>
+        <p:nvPicPr>
+          <p:cNvPr id="23" name="Picture 22" descr="A group of giraffe standing on top of a sandy beach&#10;&#10;Description automatically generated">
+            <a:extLst>
+              <a:ext uri="{FF2B5EF4-FFF2-40B4-BE49-F238E27FC236}">
+                <a16:creationId xmlns:a16="http://schemas.microsoft.com/office/drawing/2014/main" id="{BAA221C9-2C31-4246-85A0-8B7FD46201A8}"/>
+              </a:ext>
+            </a:extLst>
+          </p:cNvPr>
+          <p:cNvPicPr>
+            <a:picLocks noChangeAspect="1"/>
+          </p:cNvPicPr>
           <p:nvPr/>
-        </p:nvGrpSpPr>
-        <p:grpSpPr>
+        </p:nvPicPr>
+        <p:blipFill rotWithShape="1">
+          <a:blip r:embed="rId2">
+            <a:extLst>
+              <a:ext uri="{28A0092B-C50C-407E-A947-70E740481C1C}">
+                <a14:useLocalDpi xmlns:a14="http://schemas.microsoft.com/office/drawing/2010/main" val="0"/>
+              </a:ext>
+            </a:extLst>
+          </a:blip>
+          <a:srcRect l="10628" t="44044" r="51632" b="28023"/>
+          <a:stretch/>
+        </p:blipFill>
+        <p:spPr>
           <a:xfrm>
-            <a:off x="1273709" y="1401347"/>
-            <a:ext cx="9644583" cy="2996358"/>
-            <a:chOff x="1035438" y="1401347"/>
-            <a:chExt cx="9644583" cy="2996358"/>
-          </a:xfrm>
-        </p:grpSpPr>
-        <p:pic>
-          <p:nvPicPr>
-            <p:cNvPr id="23" name="Picture 22" descr="A group of giraffe standing on top of a sandy beach&#10;&#10;Description automatically generated">
-              <a:extLst>
-                <a:ext uri="{FF2B5EF4-FFF2-40B4-BE49-F238E27FC236}">
-                  <a16:creationId xmlns:a16="http://schemas.microsoft.com/office/drawing/2014/main" id="{BAA221C9-2C31-4246-85A0-8B7FD46201A8}"/>
-                </a:ext>
-              </a:extLst>
-            </p:cNvPr>
-            <p:cNvPicPr>
-              <a:picLocks noChangeAspect="1"/>
-            </p:cNvPicPr>
-            <p:nvPr/>
-          </p:nvPicPr>
-          <p:blipFill rotWithShape="1">
-            <a:blip r:embed="rId2">
-              <a:extLst>
-                <a:ext uri="{28A0092B-C50C-407E-A947-70E740481C1C}">
-                  <a14:useLocalDpi xmlns:a14="http://schemas.microsoft.com/office/drawing/2010/main" val="0"/>
-                </a:ext>
-              </a:extLst>
-            </a:blip>
-            <a:srcRect l="10628" t="44044" r="51632" b="28023"/>
-            <a:stretch/>
-          </p:blipFill>
-          <p:spPr>
-            <a:xfrm>
-              <a:off x="3341151" y="1909399"/>
-              <a:ext cx="4278327" cy="2111077"/>
-            </a:xfrm>
-            <a:prstGeom prst="rect">
-              <a:avLst/>
-            </a:prstGeom>
-          </p:spPr>
-        </p:pic>
-        <p:cxnSp>
-          <p:nvCxnSpPr>
-            <p:cNvPr id="26" name="Straight Connector 25">
-              <a:extLst>
-                <a:ext uri="{FF2B5EF4-FFF2-40B4-BE49-F238E27FC236}">
-                  <a16:creationId xmlns:a16="http://schemas.microsoft.com/office/drawing/2014/main" id="{AAAAC738-34FF-489D-8518-B8CE49C63EF2}"/>
-                </a:ext>
-              </a:extLst>
-            </p:cNvPr>
-            <p:cNvCxnSpPr/>
-            <p:nvPr/>
-          </p:nvCxnSpPr>
-          <p:spPr>
-            <a:xfrm>
-              <a:off x="8477570" y="2858166"/>
-              <a:ext cx="2057400" cy="0"/>
-            </a:xfrm>
-            <a:prstGeom prst="line">
-              <a:avLst/>
-            </a:prstGeom>
-            <a:ln cap="rnd"/>
-          </p:spPr>
-          <p:style>
-            <a:lnRef idx="3">
-              <a:schemeClr val="accent6"/>
-            </a:lnRef>
-            <a:fillRef idx="0">
-              <a:schemeClr val="accent6"/>
-            </a:fillRef>
-            <a:effectRef idx="2">
-              <a:schemeClr val="accent6"/>
-            </a:effectRef>
-            <a:fontRef idx="minor">
-              <a:schemeClr val="tx1"/>
-            </a:fontRef>
-          </p:style>
-        </p:cxnSp>
-        <p:cxnSp>
-          <p:nvCxnSpPr>
-            <p:cNvPr id="27" name="Straight Connector 26">
-              <a:extLst>
-                <a:ext uri="{FF2B5EF4-FFF2-40B4-BE49-F238E27FC236}">
-                  <a16:creationId xmlns:a16="http://schemas.microsoft.com/office/drawing/2014/main" id="{708B92C9-11D8-4B84-B2BD-8597A6232BFF}"/>
-                </a:ext>
-              </a:extLst>
-            </p:cNvPr>
-            <p:cNvCxnSpPr>
-              <a:cxnSpLocks/>
-              <a:endCxn id="28" idx="6"/>
-            </p:cNvCxnSpPr>
-            <p:nvPr/>
-          </p:nvCxnSpPr>
-          <p:spPr>
-            <a:xfrm flipH="1" flipV="1">
-              <a:off x="6597442" y="2673500"/>
-              <a:ext cx="1889354" cy="184666"/>
-            </a:xfrm>
-            <a:prstGeom prst="line">
-              <a:avLst/>
-            </a:prstGeom>
-            <a:ln cap="rnd"/>
-          </p:spPr>
-          <p:style>
-            <a:lnRef idx="3">
-              <a:schemeClr val="accent6"/>
-            </a:lnRef>
-            <a:fillRef idx="0">
-              <a:schemeClr val="accent6"/>
-            </a:fillRef>
-            <a:effectRef idx="2">
-              <a:schemeClr val="accent6"/>
-            </a:effectRef>
-            <a:fontRef idx="minor">
-              <a:schemeClr val="tx1"/>
-            </a:fontRef>
-          </p:style>
-        </p:cxnSp>
-        <p:sp>
-          <p:nvSpPr>
-            <p:cNvPr id="28" name="Oval 27">
-              <a:extLst>
-                <a:ext uri="{FF2B5EF4-FFF2-40B4-BE49-F238E27FC236}">
-                  <a16:creationId xmlns:a16="http://schemas.microsoft.com/office/drawing/2014/main" id="{898A6CD7-8689-4EFE-8479-2FD270136EA3}"/>
-                </a:ext>
-              </a:extLst>
-            </p:cNvPr>
-            <p:cNvSpPr/>
-            <p:nvPr/>
-          </p:nvSpPr>
-          <p:spPr>
-            <a:xfrm>
-              <a:off x="6464092" y="2606825"/>
-              <a:ext cx="133350" cy="133350"/>
-            </a:xfrm>
-            <a:prstGeom prst="ellipse">
-              <a:avLst/>
-            </a:prstGeom>
-          </p:spPr>
-          <p:style>
-            <a:lnRef idx="2">
-              <a:schemeClr val="accent6"/>
-            </a:lnRef>
-            <a:fillRef idx="1">
-              <a:schemeClr val="lt1"/>
-            </a:fillRef>
-            <a:effectRef idx="0">
-              <a:schemeClr val="accent6"/>
-            </a:effectRef>
-            <a:fontRef idx="minor">
-              <a:schemeClr val="dk1"/>
-            </a:fontRef>
-          </p:style>
-          <p:txBody>
-            <a:bodyPr rtlCol="0" anchor="ctr"/>
-            <a:lstStyle/>
-            <a:p>
-              <a:pPr algn="ctr"/>
-              <a:endParaRPr lang="en-US" dirty="0"/>
-            </a:p>
-          </p:txBody>
-        </p:sp>
-        <p:sp>
-          <p:nvSpPr>
-            <p:cNvPr id="30" name="TextBox 29">
-              <a:extLst>
-                <a:ext uri="{FF2B5EF4-FFF2-40B4-BE49-F238E27FC236}">
-                  <a16:creationId xmlns:a16="http://schemas.microsoft.com/office/drawing/2014/main" id="{FBA2935E-4ACF-4B33-BFB3-6CD7610D4EFF}"/>
-                </a:ext>
-              </a:extLst>
-            </p:cNvPr>
-            <p:cNvSpPr txBox="1"/>
-            <p:nvPr/>
-          </p:nvSpPr>
-          <p:spPr>
-            <a:xfrm>
-              <a:off x="9126324" y="2488834"/>
-              <a:ext cx="1455976" cy="369332"/>
-            </a:xfrm>
-            <a:prstGeom prst="rect">
-              <a:avLst/>
-            </a:prstGeom>
-            <a:noFill/>
-          </p:spPr>
-          <p:txBody>
-            <a:bodyPr wrap="none" rtlCol="0">
-              <a:spAutoFit/>
-            </a:bodyPr>
-            <a:lstStyle/>
-            <a:p>
-              <a:r>
-                <a:rPr lang="en-US" dirty="0">
-                  <a:solidFill>
-                    <a:schemeClr val="accent6">
-                      <a:lumMod val="75000"/>
-                    </a:schemeClr>
-                  </a:solidFill>
-                </a:rPr>
-                <a:t>Slim and Trim</a:t>
-              </a:r>
-            </a:p>
-          </p:txBody>
-        </p:sp>
-        <p:sp>
-          <p:nvSpPr>
-            <p:cNvPr id="31" name="TextBox 30">
-              <a:extLst>
-                <a:ext uri="{FF2B5EF4-FFF2-40B4-BE49-F238E27FC236}">
-                  <a16:creationId xmlns:a16="http://schemas.microsoft.com/office/drawing/2014/main" id="{7F3BE7A1-1CD6-49B2-B5D6-1A8BA7EFB795}"/>
-                </a:ext>
-              </a:extLst>
-            </p:cNvPr>
-            <p:cNvSpPr txBox="1"/>
-            <p:nvPr/>
-          </p:nvSpPr>
-          <p:spPr>
-            <a:xfrm>
-              <a:off x="8391847" y="2920377"/>
-              <a:ext cx="2288174" cy="1477328"/>
-            </a:xfrm>
-            <a:prstGeom prst="rect">
-              <a:avLst/>
-            </a:prstGeom>
-            <a:noFill/>
-          </p:spPr>
-          <p:txBody>
-            <a:bodyPr wrap="square" rtlCol="0">
-              <a:spAutoFit/>
-            </a:bodyPr>
-            <a:lstStyle/>
-            <a:p>
-              <a:pPr algn="r"/>
-              <a:r>
-                <a:rPr lang="en-US" dirty="0"/>
-                <a:t>Low </a:t>
-              </a:r>
-            </a:p>
-            <a:p>
-              <a:pPr algn="r"/>
-              <a:r>
-                <a:rPr lang="en-US" dirty="0"/>
-                <a:t>“space complexity.”</a:t>
-              </a:r>
-            </a:p>
-            <a:p>
-              <a:pPr algn="r"/>
-              <a:r>
-                <a:rPr lang="en-US" dirty="0"/>
-                <a:t>Computers have limited stack and heap space.</a:t>
-              </a:r>
-            </a:p>
-          </p:txBody>
-        </p:sp>
-        <p:cxnSp>
-          <p:nvCxnSpPr>
-            <p:cNvPr id="37" name="Straight Connector 36">
-              <a:extLst>
-                <a:ext uri="{FF2B5EF4-FFF2-40B4-BE49-F238E27FC236}">
-                  <a16:creationId xmlns:a16="http://schemas.microsoft.com/office/drawing/2014/main" id="{F27ED46B-DE59-4EAB-93B4-120B51A831F9}"/>
-                </a:ext>
-              </a:extLst>
-            </p:cNvPr>
-            <p:cNvCxnSpPr/>
-            <p:nvPr/>
-          </p:nvCxnSpPr>
-          <p:spPr>
-            <a:xfrm>
-              <a:off x="1121162" y="1770679"/>
-              <a:ext cx="2057400" cy="0"/>
-            </a:xfrm>
-            <a:prstGeom prst="line">
-              <a:avLst/>
-            </a:prstGeom>
-            <a:ln cap="rnd"/>
-          </p:spPr>
-          <p:style>
-            <a:lnRef idx="3">
-              <a:schemeClr val="accent6"/>
-            </a:lnRef>
-            <a:fillRef idx="0">
-              <a:schemeClr val="accent6"/>
-            </a:fillRef>
-            <a:effectRef idx="2">
-              <a:schemeClr val="accent6"/>
-            </a:effectRef>
-            <a:fontRef idx="minor">
-              <a:schemeClr val="tx1"/>
-            </a:fontRef>
-          </p:style>
-        </p:cxnSp>
-        <p:cxnSp>
-          <p:nvCxnSpPr>
-            <p:cNvPr id="39" name="Straight Connector 38">
-              <a:extLst>
-                <a:ext uri="{FF2B5EF4-FFF2-40B4-BE49-F238E27FC236}">
-                  <a16:creationId xmlns:a16="http://schemas.microsoft.com/office/drawing/2014/main" id="{601AE160-8691-4D9E-A165-0048B0ABFB06}"/>
-                </a:ext>
-              </a:extLst>
-            </p:cNvPr>
-            <p:cNvCxnSpPr>
-              <a:cxnSpLocks/>
-              <a:endCxn id="42" idx="1"/>
-            </p:cNvCxnSpPr>
-            <p:nvPr/>
-          </p:nvCxnSpPr>
-          <p:spPr>
-            <a:xfrm>
-              <a:off x="3198148" y="1770679"/>
-              <a:ext cx="2159756" cy="672979"/>
-            </a:xfrm>
-            <a:prstGeom prst="line">
-              <a:avLst/>
-            </a:prstGeom>
-            <a:ln cap="rnd"/>
-          </p:spPr>
-          <p:style>
-            <a:lnRef idx="3">
-              <a:schemeClr val="accent6"/>
-            </a:lnRef>
-            <a:fillRef idx="0">
-              <a:schemeClr val="accent6"/>
-            </a:fillRef>
-            <a:effectRef idx="2">
-              <a:schemeClr val="accent6"/>
-            </a:effectRef>
-            <a:fontRef idx="minor">
-              <a:schemeClr val="tx1"/>
-            </a:fontRef>
-          </p:style>
-        </p:cxnSp>
-        <p:sp>
-          <p:nvSpPr>
-            <p:cNvPr id="42" name="Oval 41">
-              <a:extLst>
-                <a:ext uri="{FF2B5EF4-FFF2-40B4-BE49-F238E27FC236}">
-                  <a16:creationId xmlns:a16="http://schemas.microsoft.com/office/drawing/2014/main" id="{DF3E0132-9F5E-4E04-8604-A031C09BF4D3}"/>
-                </a:ext>
-              </a:extLst>
-            </p:cNvPr>
-            <p:cNvSpPr/>
-            <p:nvPr/>
-          </p:nvSpPr>
-          <p:spPr>
-            <a:xfrm>
-              <a:off x="5338375" y="2424129"/>
-              <a:ext cx="133350" cy="133350"/>
-            </a:xfrm>
-            <a:prstGeom prst="ellipse">
-              <a:avLst/>
-            </a:prstGeom>
-          </p:spPr>
-          <p:style>
-            <a:lnRef idx="2">
-              <a:schemeClr val="accent6"/>
-            </a:lnRef>
-            <a:fillRef idx="1">
-              <a:schemeClr val="lt1"/>
-            </a:fillRef>
-            <a:effectRef idx="0">
-              <a:schemeClr val="accent6"/>
-            </a:effectRef>
-            <a:fontRef idx="minor">
-              <a:schemeClr val="dk1"/>
-            </a:fontRef>
-          </p:style>
-          <p:txBody>
-            <a:bodyPr rtlCol="0" anchor="ctr"/>
-            <a:lstStyle/>
-            <a:p>
-              <a:pPr algn="ctr"/>
-              <a:endParaRPr lang="en-US" dirty="0"/>
-            </a:p>
-          </p:txBody>
-        </p:sp>
-        <p:sp>
-          <p:nvSpPr>
-            <p:cNvPr id="44" name="TextBox 43">
-              <a:extLst>
-                <a:ext uri="{FF2B5EF4-FFF2-40B4-BE49-F238E27FC236}">
-                  <a16:creationId xmlns:a16="http://schemas.microsoft.com/office/drawing/2014/main" id="{51DC198F-3773-4331-80A2-6613B35B7AA3}"/>
-                </a:ext>
-              </a:extLst>
-            </p:cNvPr>
-            <p:cNvSpPr txBox="1"/>
-            <p:nvPr/>
-          </p:nvSpPr>
-          <p:spPr>
-            <a:xfrm>
-              <a:off x="1035438" y="1401347"/>
-              <a:ext cx="558999" cy="369332"/>
-            </a:xfrm>
-            <a:prstGeom prst="rect">
-              <a:avLst/>
-            </a:prstGeom>
-            <a:noFill/>
-          </p:spPr>
-          <p:txBody>
-            <a:bodyPr wrap="none" rtlCol="0">
-              <a:spAutoFit/>
-            </a:bodyPr>
-            <a:lstStyle/>
-            <a:p>
-              <a:r>
-                <a:rPr lang="en-US" dirty="0">
-                  <a:solidFill>
-                    <a:schemeClr val="accent6">
-                      <a:lumMod val="75000"/>
-                    </a:schemeClr>
-                  </a:solidFill>
-                </a:rPr>
-                <a:t>Fast</a:t>
-              </a:r>
-            </a:p>
-          </p:txBody>
-        </p:sp>
-        <p:sp>
-          <p:nvSpPr>
-            <p:cNvPr id="45" name="TextBox 44">
-              <a:extLst>
-                <a:ext uri="{FF2B5EF4-FFF2-40B4-BE49-F238E27FC236}">
-                  <a16:creationId xmlns:a16="http://schemas.microsoft.com/office/drawing/2014/main" id="{687FEBBE-76F8-40F1-8858-BE52ABBA714B}"/>
-                </a:ext>
-              </a:extLst>
-            </p:cNvPr>
-            <p:cNvSpPr txBox="1"/>
-            <p:nvPr/>
-          </p:nvSpPr>
-          <p:spPr>
-            <a:xfrm>
-              <a:off x="1035438" y="1832890"/>
-              <a:ext cx="2343975" cy="923330"/>
-            </a:xfrm>
-            <a:prstGeom prst="rect">
-              <a:avLst/>
-            </a:prstGeom>
-            <a:noFill/>
-          </p:spPr>
-          <p:txBody>
-            <a:bodyPr wrap="none" rtlCol="0">
-              <a:spAutoFit/>
-            </a:bodyPr>
-            <a:lstStyle/>
-            <a:p>
-              <a:r>
-                <a:rPr lang="en-US" dirty="0"/>
-                <a:t>Low “time complexity.”</a:t>
-              </a:r>
-            </a:p>
-            <a:p>
-              <a:r>
-                <a:rPr lang="en-US" dirty="0"/>
-                <a:t>Users are impatient.</a:t>
-              </a:r>
-            </a:p>
-            <a:p>
-              <a:r>
-                <a:rPr lang="en-US" dirty="0"/>
-                <a:t>Time is finite.</a:t>
-              </a:r>
-            </a:p>
-          </p:txBody>
-        </p:sp>
-      </p:grpSp>
-      <p:sp>
-        <p:nvSpPr>
-          <p:cNvPr id="36" name="TextBox 35">
-            <a:extLst>
-              <a:ext uri="{FF2B5EF4-FFF2-40B4-BE49-F238E27FC236}">
-                <a16:creationId xmlns:a16="http://schemas.microsoft.com/office/drawing/2014/main" id="{462AF8D0-1475-4E4E-93E9-6365191DCB61}"/>
+            <a:off x="3641945" y="1685909"/>
+            <a:ext cx="4278327" cy="2111077"/>
+          </a:xfrm>
+          <a:prstGeom prst="rect">
+            <a:avLst/>
+          </a:prstGeom>
+        </p:spPr>
+      </p:pic>
+      <p:cxnSp>
+        <p:nvCxnSpPr>
+          <p:cNvPr id="26" name="Straight Connector 25">
+            <a:extLst>
+              <a:ext uri="{FF2B5EF4-FFF2-40B4-BE49-F238E27FC236}">
+                <a16:creationId xmlns:a16="http://schemas.microsoft.com/office/drawing/2014/main" id="{AAAAC738-34FF-489D-8518-B8CE49C63EF2}"/>
+              </a:ext>
+            </a:extLst>
+          </p:cNvPr>
+          <p:cNvCxnSpPr/>
+          <p:nvPr/>
+        </p:nvCxnSpPr>
+        <p:spPr>
+          <a:xfrm>
+            <a:off x="8778364" y="2634676"/>
+            <a:ext cx="2057400" cy="0"/>
+          </a:xfrm>
+          <a:prstGeom prst="line">
+            <a:avLst/>
+          </a:prstGeom>
+          <a:ln cap="rnd"/>
+        </p:spPr>
+        <p:style>
+          <a:lnRef idx="3">
+            <a:schemeClr val="accent6"/>
+          </a:lnRef>
+          <a:fillRef idx="0">
+            <a:schemeClr val="accent6"/>
+          </a:fillRef>
+          <a:effectRef idx="2">
+            <a:schemeClr val="accent6"/>
+          </a:effectRef>
+          <a:fontRef idx="minor">
+            <a:schemeClr val="tx1"/>
+          </a:fontRef>
+        </p:style>
+      </p:cxnSp>
+      <p:cxnSp>
+        <p:nvCxnSpPr>
+          <p:cNvPr id="27" name="Straight Connector 26">
+            <a:extLst>
+              <a:ext uri="{FF2B5EF4-FFF2-40B4-BE49-F238E27FC236}">
+                <a16:creationId xmlns:a16="http://schemas.microsoft.com/office/drawing/2014/main" id="{708B92C9-11D8-4B84-B2BD-8597A6232BFF}"/>
+              </a:ext>
+            </a:extLst>
+          </p:cNvPr>
+          <p:cNvCxnSpPr>
+            <a:cxnSpLocks/>
+            <a:endCxn id="28" idx="6"/>
+          </p:cNvCxnSpPr>
+          <p:nvPr/>
+        </p:nvCxnSpPr>
+        <p:spPr>
+          <a:xfrm flipH="1" flipV="1">
+            <a:off x="6898236" y="2450010"/>
+            <a:ext cx="1889354" cy="184666"/>
+          </a:xfrm>
+          <a:prstGeom prst="line">
+            <a:avLst/>
+          </a:prstGeom>
+          <a:ln cap="rnd"/>
+        </p:spPr>
+        <p:style>
+          <a:lnRef idx="3">
+            <a:schemeClr val="accent6"/>
+          </a:lnRef>
+          <a:fillRef idx="0">
+            <a:schemeClr val="accent6"/>
+          </a:fillRef>
+          <a:effectRef idx="2">
+            <a:schemeClr val="accent6"/>
+          </a:effectRef>
+          <a:fontRef idx="minor">
+            <a:schemeClr val="tx1"/>
+          </a:fontRef>
+        </p:style>
+      </p:cxnSp>
+      <p:sp>
+        <p:nvSpPr>
+          <p:cNvPr id="28" name="Oval 27">
+            <a:extLst>
+              <a:ext uri="{FF2B5EF4-FFF2-40B4-BE49-F238E27FC236}">
+                <a16:creationId xmlns:a16="http://schemas.microsoft.com/office/drawing/2014/main" id="{898A6CD7-8689-4EFE-8479-2FD270136EA3}"/>
+              </a:ext>
+            </a:extLst>
+          </p:cNvPr>
+          <p:cNvSpPr/>
+          <p:nvPr/>
+        </p:nvSpPr>
+        <p:spPr>
+          <a:xfrm>
+            <a:off x="6764886" y="2383335"/>
+            <a:ext cx="133350" cy="133350"/>
+          </a:xfrm>
+          <a:prstGeom prst="ellipse">
+            <a:avLst/>
+          </a:prstGeom>
+        </p:spPr>
+        <p:style>
+          <a:lnRef idx="2">
+            <a:schemeClr val="accent6"/>
+          </a:lnRef>
+          <a:fillRef idx="1">
+            <a:schemeClr val="lt1"/>
+          </a:fillRef>
+          <a:effectRef idx="0">
+            <a:schemeClr val="accent6"/>
+          </a:effectRef>
+          <a:fontRef idx="minor">
+            <a:schemeClr val="dk1"/>
+          </a:fontRef>
+        </p:style>
+        <p:txBody>
+          <a:bodyPr rtlCol="0" anchor="ctr"/>
+          <a:lstStyle/>
+          <a:p>
+            <a:pPr algn="ctr"/>
+            <a:endParaRPr lang="en-US" dirty="0"/>
+          </a:p>
+        </p:txBody>
+      </p:sp>
+      <p:sp>
+        <p:nvSpPr>
+          <p:cNvPr id="30" name="TextBox 29">
+            <a:extLst>
+              <a:ext uri="{FF2B5EF4-FFF2-40B4-BE49-F238E27FC236}">
+                <a16:creationId xmlns:a16="http://schemas.microsoft.com/office/drawing/2014/main" id="{FBA2935E-4ACF-4B33-BFB3-6CD7610D4EFF}"/>
               </a:ext>
             </a:extLst>
           </p:cNvPr>
@@ -4291,8 +3970,8 @@
         </p:nvSpPr>
         <p:spPr>
           <a:xfrm>
-            <a:off x="151108" y="6423112"/>
-            <a:ext cx="1819985" cy="338554"/>
+            <a:off x="9427118" y="2265344"/>
+            <a:ext cx="1455976" cy="369332"/>
           </a:xfrm>
           <a:prstGeom prst="rect">
             <a:avLst/>
@@ -4306,6 +3985,299 @@
           <a:lstStyle/>
           <a:p>
             <a:r>
+              <a:rPr lang="en-US" dirty="0">
+                <a:solidFill>
+                  <a:schemeClr val="accent6">
+                    <a:lumMod val="75000"/>
+                  </a:schemeClr>
+                </a:solidFill>
+              </a:rPr>
+              <a:t>Slim and Trim</a:t>
+            </a:r>
+          </a:p>
+        </p:txBody>
+      </p:sp>
+      <p:sp>
+        <p:nvSpPr>
+          <p:cNvPr id="31" name="TextBox 30">
+            <a:extLst>
+              <a:ext uri="{FF2B5EF4-FFF2-40B4-BE49-F238E27FC236}">
+                <a16:creationId xmlns:a16="http://schemas.microsoft.com/office/drawing/2014/main" id="{7F3BE7A1-1CD6-49B2-B5D6-1A8BA7EFB795}"/>
+              </a:ext>
+            </a:extLst>
+          </p:cNvPr>
+          <p:cNvSpPr txBox="1"/>
+          <p:nvPr/>
+        </p:nvSpPr>
+        <p:spPr>
+          <a:xfrm>
+            <a:off x="8432800" y="2696887"/>
+            <a:ext cx="2548015" cy="923330"/>
+          </a:xfrm>
+          <a:prstGeom prst="rect">
+            <a:avLst/>
+          </a:prstGeom>
+          <a:noFill/>
+        </p:spPr>
+        <p:txBody>
+          <a:bodyPr wrap="square" rtlCol="0">
+            <a:spAutoFit/>
+          </a:bodyPr>
+          <a:lstStyle/>
+          <a:p>
+            <a:pPr algn="r"/>
+            <a:r>
+              <a:rPr lang="en-US" dirty="0"/>
+              <a:t>Low “space complexity.”</a:t>
+            </a:r>
+          </a:p>
+          <a:p>
+            <a:pPr algn="r"/>
+            <a:r>
+              <a:rPr lang="en-US" dirty="0"/>
+              <a:t>Computers have limited stack and heap space.</a:t>
+            </a:r>
+          </a:p>
+        </p:txBody>
+      </p:sp>
+      <p:cxnSp>
+        <p:nvCxnSpPr>
+          <p:cNvPr id="37" name="Straight Connector 36">
+            <a:extLst>
+              <a:ext uri="{FF2B5EF4-FFF2-40B4-BE49-F238E27FC236}">
+                <a16:creationId xmlns:a16="http://schemas.microsoft.com/office/drawing/2014/main" id="{F27ED46B-DE59-4EAB-93B4-120B51A831F9}"/>
+              </a:ext>
+            </a:extLst>
+          </p:cNvPr>
+          <p:cNvCxnSpPr/>
+          <p:nvPr/>
+        </p:nvCxnSpPr>
+        <p:spPr>
+          <a:xfrm>
+            <a:off x="1421956" y="1547189"/>
+            <a:ext cx="2057400" cy="0"/>
+          </a:xfrm>
+          <a:prstGeom prst="line">
+            <a:avLst/>
+          </a:prstGeom>
+          <a:ln cap="rnd"/>
+        </p:spPr>
+        <p:style>
+          <a:lnRef idx="3">
+            <a:schemeClr val="accent6"/>
+          </a:lnRef>
+          <a:fillRef idx="0">
+            <a:schemeClr val="accent6"/>
+          </a:fillRef>
+          <a:effectRef idx="2">
+            <a:schemeClr val="accent6"/>
+          </a:effectRef>
+          <a:fontRef idx="minor">
+            <a:schemeClr val="tx1"/>
+          </a:fontRef>
+        </p:style>
+      </p:cxnSp>
+      <p:cxnSp>
+        <p:nvCxnSpPr>
+          <p:cNvPr id="39" name="Straight Connector 38">
+            <a:extLst>
+              <a:ext uri="{FF2B5EF4-FFF2-40B4-BE49-F238E27FC236}">
+                <a16:creationId xmlns:a16="http://schemas.microsoft.com/office/drawing/2014/main" id="{601AE160-8691-4D9E-A165-0048B0ABFB06}"/>
+              </a:ext>
+            </a:extLst>
+          </p:cNvPr>
+          <p:cNvCxnSpPr>
+            <a:cxnSpLocks/>
+            <a:endCxn id="42" idx="1"/>
+          </p:cNvCxnSpPr>
+          <p:nvPr/>
+        </p:nvCxnSpPr>
+        <p:spPr>
+          <a:xfrm>
+            <a:off x="3488478" y="1547189"/>
+            <a:ext cx="2170220" cy="672979"/>
+          </a:xfrm>
+          <a:prstGeom prst="line">
+            <a:avLst/>
+          </a:prstGeom>
+          <a:ln cap="rnd"/>
+        </p:spPr>
+        <p:style>
+          <a:lnRef idx="3">
+            <a:schemeClr val="accent6"/>
+          </a:lnRef>
+          <a:fillRef idx="0">
+            <a:schemeClr val="accent6"/>
+          </a:fillRef>
+          <a:effectRef idx="2">
+            <a:schemeClr val="accent6"/>
+          </a:effectRef>
+          <a:fontRef idx="minor">
+            <a:schemeClr val="tx1"/>
+          </a:fontRef>
+        </p:style>
+      </p:cxnSp>
+      <p:sp>
+        <p:nvSpPr>
+          <p:cNvPr id="42" name="Oval 41">
+            <a:extLst>
+              <a:ext uri="{FF2B5EF4-FFF2-40B4-BE49-F238E27FC236}">
+                <a16:creationId xmlns:a16="http://schemas.microsoft.com/office/drawing/2014/main" id="{DF3E0132-9F5E-4E04-8604-A031C09BF4D3}"/>
+              </a:ext>
+            </a:extLst>
+          </p:cNvPr>
+          <p:cNvSpPr/>
+          <p:nvPr/>
+        </p:nvSpPr>
+        <p:spPr>
+          <a:xfrm>
+            <a:off x="5639169" y="2200639"/>
+            <a:ext cx="133350" cy="133350"/>
+          </a:xfrm>
+          <a:prstGeom prst="ellipse">
+            <a:avLst/>
+          </a:prstGeom>
+        </p:spPr>
+        <p:style>
+          <a:lnRef idx="2">
+            <a:schemeClr val="accent6"/>
+          </a:lnRef>
+          <a:fillRef idx="1">
+            <a:schemeClr val="lt1"/>
+          </a:fillRef>
+          <a:effectRef idx="0">
+            <a:schemeClr val="accent6"/>
+          </a:effectRef>
+          <a:fontRef idx="minor">
+            <a:schemeClr val="dk1"/>
+          </a:fontRef>
+        </p:style>
+        <p:txBody>
+          <a:bodyPr rtlCol="0" anchor="ctr"/>
+          <a:lstStyle/>
+          <a:p>
+            <a:pPr algn="ctr"/>
+            <a:endParaRPr lang="en-US" dirty="0"/>
+          </a:p>
+        </p:txBody>
+      </p:sp>
+      <p:sp>
+        <p:nvSpPr>
+          <p:cNvPr id="44" name="TextBox 43">
+            <a:extLst>
+              <a:ext uri="{FF2B5EF4-FFF2-40B4-BE49-F238E27FC236}">
+                <a16:creationId xmlns:a16="http://schemas.microsoft.com/office/drawing/2014/main" id="{51DC198F-3773-4331-80A2-6613B35B7AA3}"/>
+              </a:ext>
+            </a:extLst>
+          </p:cNvPr>
+          <p:cNvSpPr txBox="1"/>
+          <p:nvPr/>
+        </p:nvSpPr>
+        <p:spPr>
+          <a:xfrm>
+            <a:off x="1336232" y="1177857"/>
+            <a:ext cx="558999" cy="369332"/>
+          </a:xfrm>
+          <a:prstGeom prst="rect">
+            <a:avLst/>
+          </a:prstGeom>
+          <a:noFill/>
+        </p:spPr>
+        <p:txBody>
+          <a:bodyPr wrap="none" rtlCol="0">
+            <a:spAutoFit/>
+          </a:bodyPr>
+          <a:lstStyle/>
+          <a:p>
+            <a:r>
+              <a:rPr lang="en-US" dirty="0">
+                <a:solidFill>
+                  <a:schemeClr val="accent6">
+                    <a:lumMod val="75000"/>
+                  </a:schemeClr>
+                </a:solidFill>
+              </a:rPr>
+              <a:t>Fast</a:t>
+            </a:r>
+          </a:p>
+        </p:txBody>
+      </p:sp>
+      <p:sp>
+        <p:nvSpPr>
+          <p:cNvPr id="45" name="TextBox 44">
+            <a:extLst>
+              <a:ext uri="{FF2B5EF4-FFF2-40B4-BE49-F238E27FC236}">
+                <a16:creationId xmlns:a16="http://schemas.microsoft.com/office/drawing/2014/main" id="{687FEBBE-76F8-40F1-8858-BE52ABBA714B}"/>
+              </a:ext>
+            </a:extLst>
+          </p:cNvPr>
+          <p:cNvSpPr txBox="1"/>
+          <p:nvPr/>
+        </p:nvSpPr>
+        <p:spPr>
+          <a:xfrm>
+            <a:off x="1336232" y="1609400"/>
+            <a:ext cx="2343975" cy="923330"/>
+          </a:xfrm>
+          <a:prstGeom prst="rect">
+            <a:avLst/>
+          </a:prstGeom>
+          <a:noFill/>
+        </p:spPr>
+        <p:txBody>
+          <a:bodyPr wrap="none" rtlCol="0">
+            <a:spAutoFit/>
+          </a:bodyPr>
+          <a:lstStyle/>
+          <a:p>
+            <a:r>
+              <a:rPr lang="en-US" dirty="0"/>
+              <a:t>Low “time complexity.”</a:t>
+            </a:r>
+          </a:p>
+          <a:p>
+            <a:r>
+              <a:rPr lang="en-US" dirty="0"/>
+              <a:t>Users are impatient.</a:t>
+            </a:r>
+          </a:p>
+          <a:p>
+            <a:r>
+              <a:rPr lang="en-US" dirty="0"/>
+              <a:t>Time is finite.</a:t>
+            </a:r>
+          </a:p>
+        </p:txBody>
+      </p:sp>
+      <p:sp>
+        <p:nvSpPr>
+          <p:cNvPr id="36" name="TextBox 35">
+            <a:extLst>
+              <a:ext uri="{FF2B5EF4-FFF2-40B4-BE49-F238E27FC236}">
+                <a16:creationId xmlns:a16="http://schemas.microsoft.com/office/drawing/2014/main" id="{462AF8D0-1475-4E4E-93E9-6365191DCB61}"/>
+              </a:ext>
+            </a:extLst>
+          </p:cNvPr>
+          <p:cNvSpPr txBox="1"/>
+          <p:nvPr/>
+        </p:nvSpPr>
+        <p:spPr>
+          <a:xfrm>
+            <a:off x="151108" y="6423112"/>
+            <a:ext cx="2558586" cy="338554"/>
+          </a:xfrm>
+          <a:prstGeom prst="rect">
+            <a:avLst/>
+          </a:prstGeom>
+          <a:noFill/>
+        </p:spPr>
+        <p:txBody>
+          <a:bodyPr wrap="none" rtlCol="0">
+            <a:spAutoFit/>
+          </a:bodyPr>
+          <a:lstStyle/>
+          <a:p>
+            <a:r>
               <a:rPr lang="en-US" sz="1600" dirty="0">
                 <a:solidFill>
                   <a:schemeClr val="bg1">
@@ -4313,7 +4285,7 @@
                   </a:schemeClr>
                 </a:solidFill>
               </a:rPr>
-              <a:t>Image from </a:t>
+              <a:t>Cheetah image from </a:t>
             </a:r>
             <a:r>
               <a:rPr lang="en-US" sz="1600" dirty="0" err="1">
@@ -4332,6 +4304,300 @@
                 </a:schemeClr>
               </a:solidFill>
             </a:endParaRPr>
+          </a:p>
+        </p:txBody>
+      </p:sp>
+      <p:pic>
+        <p:nvPicPr>
+          <p:cNvPr id="6" name="Picture 5" descr="A picture containing card, screenshot&#10;&#10;Description automatically generated">
+            <a:extLst>
+              <a:ext uri="{FF2B5EF4-FFF2-40B4-BE49-F238E27FC236}">
+                <a16:creationId xmlns:a16="http://schemas.microsoft.com/office/drawing/2014/main" id="{FB8F37B3-CB38-4B7D-9D67-E88149955681}"/>
+              </a:ext>
+            </a:extLst>
+          </p:cNvPr>
+          <p:cNvPicPr>
+            <a:picLocks noChangeAspect="1"/>
+          </p:cNvPicPr>
+          <p:nvPr/>
+        </p:nvPicPr>
+        <p:blipFill>
+          <a:blip r:embed="rId3">
+            <a:extLst>
+              <a:ext uri="{28A0092B-C50C-407E-A947-70E740481C1C}">
+                <a14:useLocalDpi xmlns:a14="http://schemas.microsoft.com/office/drawing/2010/main" val="0"/>
+              </a:ext>
+            </a:extLst>
+          </a:blip>
+          <a:stretch>
+            <a:fillRect/>
+          </a:stretch>
+        </p:blipFill>
+        <p:spPr>
+          <a:xfrm>
+            <a:off x="3632823" y="3796986"/>
+            <a:ext cx="4279392" cy="2519172"/>
+          </a:xfrm>
+          <a:prstGeom prst="rect">
+            <a:avLst/>
+          </a:prstGeom>
+        </p:spPr>
+      </p:pic>
+      <p:sp>
+        <p:nvSpPr>
+          <p:cNvPr id="7" name="TextBox 6">
+            <a:extLst>
+              <a:ext uri="{FF2B5EF4-FFF2-40B4-BE49-F238E27FC236}">
+                <a16:creationId xmlns:a16="http://schemas.microsoft.com/office/drawing/2014/main" id="{980F9EB8-03C6-480C-ABB0-EF4137868F10}"/>
+              </a:ext>
+            </a:extLst>
+          </p:cNvPr>
+          <p:cNvSpPr txBox="1"/>
+          <p:nvPr/>
+        </p:nvSpPr>
+        <p:spPr>
+          <a:xfrm>
+            <a:off x="8032924" y="5617245"/>
+            <a:ext cx="2947891" cy="1077218"/>
+          </a:xfrm>
+          <a:prstGeom prst="rect">
+            <a:avLst/>
+          </a:prstGeom>
+          <a:noFill/>
+        </p:spPr>
+        <p:txBody>
+          <a:bodyPr wrap="square" rtlCol="0">
+            <a:spAutoFit/>
+          </a:bodyPr>
+          <a:lstStyle/>
+          <a:p>
+            <a:r>
+              <a:rPr lang="en-US" sz="1600" dirty="0">
+                <a:solidFill>
+                  <a:schemeClr val="bg1">
+                    <a:lumMod val="65000"/>
+                  </a:schemeClr>
+                </a:solidFill>
+              </a:rPr>
+              <a:t>Family Tree Image By </a:t>
+            </a:r>
+            <a:r>
+              <a:rPr lang="en-US" sz="1600" dirty="0" err="1">
+                <a:solidFill>
+                  <a:schemeClr val="bg1">
+                    <a:lumMod val="65000"/>
+                  </a:schemeClr>
+                </a:solidFill>
+              </a:rPr>
+              <a:t>Mattwrite</a:t>
+            </a:r>
+            <a:r>
+              <a:rPr lang="en-US" sz="1600" dirty="0">
+                <a:solidFill>
+                  <a:schemeClr val="bg1">
+                    <a:lumMod val="65000"/>
+                  </a:schemeClr>
+                </a:solidFill>
+              </a:rPr>
+              <a:t> - Own work, CC BY-SA 3.0, https://commons.wikimedia.org/w/index.php?curid=17900579</a:t>
+            </a:r>
+          </a:p>
+        </p:txBody>
+      </p:sp>
+      <p:cxnSp>
+        <p:nvCxnSpPr>
+          <p:cNvPr id="33" name="Straight Connector 32">
+            <a:extLst>
+              <a:ext uri="{FF2B5EF4-FFF2-40B4-BE49-F238E27FC236}">
+                <a16:creationId xmlns:a16="http://schemas.microsoft.com/office/drawing/2014/main" id="{B7AB6C76-1A4A-428A-8621-44C75118BFCF}"/>
+              </a:ext>
+            </a:extLst>
+          </p:cNvPr>
+          <p:cNvCxnSpPr/>
+          <p:nvPr/>
+        </p:nvCxnSpPr>
+        <p:spPr>
+          <a:xfrm>
+            <a:off x="1336232" y="4488933"/>
+            <a:ext cx="2057400" cy="0"/>
+          </a:xfrm>
+          <a:prstGeom prst="line">
+            <a:avLst/>
+          </a:prstGeom>
+          <a:ln cap="rnd"/>
+        </p:spPr>
+        <p:style>
+          <a:lnRef idx="3">
+            <a:schemeClr val="accent6"/>
+          </a:lnRef>
+          <a:fillRef idx="0">
+            <a:schemeClr val="accent6"/>
+          </a:fillRef>
+          <a:effectRef idx="2">
+            <a:schemeClr val="accent6"/>
+          </a:effectRef>
+          <a:fontRef idx="minor">
+            <a:schemeClr val="tx1"/>
+          </a:fontRef>
+        </p:style>
+      </p:cxnSp>
+      <p:cxnSp>
+        <p:nvCxnSpPr>
+          <p:cNvPr id="34" name="Straight Connector 33">
+            <a:extLst>
+              <a:ext uri="{FF2B5EF4-FFF2-40B4-BE49-F238E27FC236}">
+                <a16:creationId xmlns:a16="http://schemas.microsoft.com/office/drawing/2014/main" id="{46F3C1B0-4AE7-442A-8804-13F30649C8F8}"/>
+              </a:ext>
+            </a:extLst>
+          </p:cNvPr>
+          <p:cNvCxnSpPr>
+            <a:cxnSpLocks/>
+            <a:endCxn id="35" idx="1"/>
+          </p:cNvCxnSpPr>
+          <p:nvPr/>
+        </p:nvCxnSpPr>
+        <p:spPr>
+          <a:xfrm>
+            <a:off x="3393632" y="4488933"/>
+            <a:ext cx="586095" cy="423217"/>
+          </a:xfrm>
+          <a:prstGeom prst="line">
+            <a:avLst/>
+          </a:prstGeom>
+          <a:ln cap="rnd"/>
+        </p:spPr>
+        <p:style>
+          <a:lnRef idx="3">
+            <a:schemeClr val="accent6"/>
+          </a:lnRef>
+          <a:fillRef idx="0">
+            <a:schemeClr val="accent6"/>
+          </a:fillRef>
+          <a:effectRef idx="2">
+            <a:schemeClr val="accent6"/>
+          </a:effectRef>
+          <a:fontRef idx="minor">
+            <a:schemeClr val="tx1"/>
+          </a:fontRef>
+        </p:style>
+      </p:cxnSp>
+      <p:sp>
+        <p:nvSpPr>
+          <p:cNvPr id="35" name="Oval 34">
+            <a:extLst>
+              <a:ext uri="{FF2B5EF4-FFF2-40B4-BE49-F238E27FC236}">
+                <a16:creationId xmlns:a16="http://schemas.microsoft.com/office/drawing/2014/main" id="{50296F35-B873-45D1-B6BD-2FB4F9769640}"/>
+              </a:ext>
+            </a:extLst>
+          </p:cNvPr>
+          <p:cNvSpPr/>
+          <p:nvPr/>
+        </p:nvSpPr>
+        <p:spPr>
+          <a:xfrm>
+            <a:off x="3960198" y="4892621"/>
+            <a:ext cx="133350" cy="133350"/>
+          </a:xfrm>
+          <a:prstGeom prst="ellipse">
+            <a:avLst/>
+          </a:prstGeom>
+        </p:spPr>
+        <p:style>
+          <a:lnRef idx="2">
+            <a:schemeClr val="accent6"/>
+          </a:lnRef>
+          <a:fillRef idx="1">
+            <a:schemeClr val="lt1"/>
+          </a:fillRef>
+          <a:effectRef idx="0">
+            <a:schemeClr val="accent6"/>
+          </a:effectRef>
+          <a:fontRef idx="minor">
+            <a:schemeClr val="dk1"/>
+          </a:fontRef>
+        </p:style>
+        <p:txBody>
+          <a:bodyPr rtlCol="0" anchor="ctr"/>
+          <a:lstStyle/>
+          <a:p>
+            <a:pPr algn="ctr"/>
+            <a:endParaRPr lang="en-US" dirty="0"/>
+          </a:p>
+        </p:txBody>
+      </p:sp>
+      <p:sp>
+        <p:nvSpPr>
+          <p:cNvPr id="52" name="TextBox 51">
+            <a:extLst>
+              <a:ext uri="{FF2B5EF4-FFF2-40B4-BE49-F238E27FC236}">
+                <a16:creationId xmlns:a16="http://schemas.microsoft.com/office/drawing/2014/main" id="{F1208FB5-5826-4464-A56B-B86FC1282E2C}"/>
+              </a:ext>
+            </a:extLst>
+          </p:cNvPr>
+          <p:cNvSpPr txBox="1"/>
+          <p:nvPr/>
+        </p:nvSpPr>
+        <p:spPr>
+          <a:xfrm>
+            <a:off x="1250508" y="4119601"/>
+            <a:ext cx="1226618" cy="369332"/>
+          </a:xfrm>
+          <a:prstGeom prst="rect">
+            <a:avLst/>
+          </a:prstGeom>
+          <a:noFill/>
+        </p:spPr>
+        <p:txBody>
+          <a:bodyPr wrap="none" rtlCol="0">
+            <a:spAutoFit/>
+          </a:bodyPr>
+          <a:lstStyle/>
+          <a:p>
+            <a:r>
+              <a:rPr lang="en-US" dirty="0">
+                <a:solidFill>
+                  <a:schemeClr val="accent6">
+                    <a:lumMod val="75000"/>
+                  </a:schemeClr>
+                </a:solidFill>
+              </a:rPr>
+              <a:t>Non-Linear</a:t>
+            </a:r>
+          </a:p>
+        </p:txBody>
+      </p:sp>
+      <p:sp>
+        <p:nvSpPr>
+          <p:cNvPr id="11" name="TextBox 10">
+            <a:extLst>
+              <a:ext uri="{FF2B5EF4-FFF2-40B4-BE49-F238E27FC236}">
+                <a16:creationId xmlns:a16="http://schemas.microsoft.com/office/drawing/2014/main" id="{ADD55F02-F8C3-4614-A579-B037B364CC73}"/>
+              </a:ext>
+            </a:extLst>
+          </p:cNvPr>
+          <p:cNvSpPr txBox="1"/>
+          <p:nvPr/>
+        </p:nvSpPr>
+        <p:spPr>
+          <a:xfrm>
+            <a:off x="1250509" y="4510911"/>
+            <a:ext cx="2143124" cy="1200329"/>
+          </a:xfrm>
+          <a:prstGeom prst="rect">
+            <a:avLst/>
+          </a:prstGeom>
+          <a:noFill/>
+        </p:spPr>
+        <p:txBody>
+          <a:bodyPr wrap="square" rtlCol="0">
+            <a:spAutoFit/>
+          </a:bodyPr>
+          <a:lstStyle/>
+          <a:p>
+            <a:r>
+              <a:rPr lang="en-US" dirty="0"/>
+              <a:t>Many relationships do fit nicely into linear, pre-made data structures.</a:t>
+            </a:r>
           </a:p>
         </p:txBody>
       </p:sp>

--- a/Data Structures Parts and Terms.pptx
+++ b/Data Structures Parts and Terms.pptx
@@ -6,11 +6,12 @@
   </p:sldMasterIdLst>
   <p:sldIdLst>
     <p:sldId id="276" r:id="rId2"/>
-    <p:sldId id="280" r:id="rId3"/>
-    <p:sldId id="274" r:id="rId4"/>
-    <p:sldId id="256" r:id="rId5"/>
-    <p:sldId id="275" r:id="rId6"/>
-    <p:sldId id="279" r:id="rId7"/>
+    <p:sldId id="281" r:id="rId3"/>
+    <p:sldId id="280" r:id="rId4"/>
+    <p:sldId id="274" r:id="rId5"/>
+    <p:sldId id="256" r:id="rId6"/>
+    <p:sldId id="275" r:id="rId7"/>
+    <p:sldId id="279" r:id="rId8"/>
   </p:sldIdLst>
   <p:sldSz cx="12192000" cy="6858000"/>
   <p:notesSz cx="6858000" cy="9144000"/>
@@ -264,7 +265,7 @@
           <a:p>
             <a:fld id="{06ADBE60-9DBF-4AEC-B933-FFCA020856EA}" type="datetimeFigureOut">
               <a:rPr lang="en-US" smtClean="0"/>
-              <a:t>9/14/2020</a:t>
+              <a:t>9/21/2020</a:t>
             </a:fld>
             <a:endParaRPr lang="en-US"/>
           </a:p>
@@ -462,7 +463,7 @@
           <a:p>
             <a:fld id="{06ADBE60-9DBF-4AEC-B933-FFCA020856EA}" type="datetimeFigureOut">
               <a:rPr lang="en-US" smtClean="0"/>
-              <a:t>9/14/2020</a:t>
+              <a:t>9/21/2020</a:t>
             </a:fld>
             <a:endParaRPr lang="en-US"/>
           </a:p>
@@ -670,7 +671,7 @@
           <a:p>
             <a:fld id="{06ADBE60-9DBF-4AEC-B933-FFCA020856EA}" type="datetimeFigureOut">
               <a:rPr lang="en-US" smtClean="0"/>
-              <a:t>9/14/2020</a:t>
+              <a:t>9/21/2020</a:t>
             </a:fld>
             <a:endParaRPr lang="en-US"/>
           </a:p>
@@ -868,7 +869,7 @@
           <a:p>
             <a:fld id="{06ADBE60-9DBF-4AEC-B933-FFCA020856EA}" type="datetimeFigureOut">
               <a:rPr lang="en-US" smtClean="0"/>
-              <a:t>9/14/2020</a:t>
+              <a:t>9/21/2020</a:t>
             </a:fld>
             <a:endParaRPr lang="en-US"/>
           </a:p>
@@ -1143,7 +1144,7 @@
           <a:p>
             <a:fld id="{06ADBE60-9DBF-4AEC-B933-FFCA020856EA}" type="datetimeFigureOut">
               <a:rPr lang="en-US" smtClean="0"/>
-              <a:t>9/14/2020</a:t>
+              <a:t>9/21/2020</a:t>
             </a:fld>
             <a:endParaRPr lang="en-US"/>
           </a:p>
@@ -1408,7 +1409,7 @@
           <a:p>
             <a:fld id="{06ADBE60-9DBF-4AEC-B933-FFCA020856EA}" type="datetimeFigureOut">
               <a:rPr lang="en-US" smtClean="0"/>
-              <a:t>9/14/2020</a:t>
+              <a:t>9/21/2020</a:t>
             </a:fld>
             <a:endParaRPr lang="en-US"/>
           </a:p>
@@ -1820,7 +1821,7 @@
           <a:p>
             <a:fld id="{06ADBE60-9DBF-4AEC-B933-FFCA020856EA}" type="datetimeFigureOut">
               <a:rPr lang="en-US" smtClean="0"/>
-              <a:t>9/14/2020</a:t>
+              <a:t>9/21/2020</a:t>
             </a:fld>
             <a:endParaRPr lang="en-US"/>
           </a:p>
@@ -1961,7 +1962,7 @@
           <a:p>
             <a:fld id="{06ADBE60-9DBF-4AEC-B933-FFCA020856EA}" type="datetimeFigureOut">
               <a:rPr lang="en-US" smtClean="0"/>
-              <a:t>9/14/2020</a:t>
+              <a:t>9/21/2020</a:t>
             </a:fld>
             <a:endParaRPr lang="en-US"/>
           </a:p>
@@ -2074,7 +2075,7 @@
           <a:p>
             <a:fld id="{06ADBE60-9DBF-4AEC-B933-FFCA020856EA}" type="datetimeFigureOut">
               <a:rPr lang="en-US" smtClean="0"/>
-              <a:t>9/14/2020</a:t>
+              <a:t>9/21/2020</a:t>
             </a:fld>
             <a:endParaRPr lang="en-US"/>
           </a:p>
@@ -2385,7 +2386,7 @@
           <a:p>
             <a:fld id="{06ADBE60-9DBF-4AEC-B933-FFCA020856EA}" type="datetimeFigureOut">
               <a:rPr lang="en-US" smtClean="0"/>
-              <a:t>9/14/2020</a:t>
+              <a:t>9/21/2020</a:t>
             </a:fld>
             <a:endParaRPr lang="en-US"/>
           </a:p>
@@ -2673,7 +2674,7 @@
           <a:p>
             <a:fld id="{06ADBE60-9DBF-4AEC-B933-FFCA020856EA}" type="datetimeFigureOut">
               <a:rPr lang="en-US" smtClean="0"/>
-              <a:t>9/14/2020</a:t>
+              <a:t>9/21/2020</a:t>
             </a:fld>
             <a:endParaRPr lang="en-US"/>
           </a:p>
@@ -2914,7 +2915,7 @@
           <a:p>
             <a:fld id="{06ADBE60-9DBF-4AEC-B933-FFCA020856EA}" type="datetimeFigureOut">
               <a:rPr lang="en-US" smtClean="0"/>
-              <a:t>9/14/2020</a:t>
+              <a:t>9/21/2020</a:t>
             </a:fld>
             <a:endParaRPr lang="en-US"/>
           </a:p>
@@ -3427,8 +3428,8 @@
         </p:nvSpPr>
         <p:spPr>
           <a:xfrm>
-            <a:off x="0" y="271811"/>
-            <a:ext cx="12192000" cy="523220"/>
+            <a:off x="3766877" y="271811"/>
+            <a:ext cx="4658246" cy="523220"/>
           </a:xfrm>
           <a:prstGeom prst="rect">
             <a:avLst/>
@@ -4633,6 +4634,1180 @@
       </p:grpSpPr>
       <p:sp>
         <p:nvSpPr>
+          <p:cNvPr id="4" name="TextBox 3">
+            <a:extLst>
+              <a:ext uri="{FF2B5EF4-FFF2-40B4-BE49-F238E27FC236}">
+                <a16:creationId xmlns:a16="http://schemas.microsoft.com/office/drawing/2014/main" id="{E9B89DA0-1E8A-4F20-B2E9-F244F55FD88B}"/>
+              </a:ext>
+            </a:extLst>
+          </p:cNvPr>
+          <p:cNvSpPr txBox="1"/>
+          <p:nvPr/>
+        </p:nvSpPr>
+        <p:spPr>
+          <a:xfrm>
+            <a:off x="3766877" y="271811"/>
+            <a:ext cx="4658246" cy="523220"/>
+          </a:xfrm>
+          <a:prstGeom prst="rect">
+            <a:avLst/>
+          </a:prstGeom>
+          <a:noFill/>
+        </p:spPr>
+        <p:txBody>
+          <a:bodyPr wrap="square" rtlCol="0">
+            <a:spAutoFit/>
+          </a:bodyPr>
+          <a:lstStyle/>
+          <a:p>
+            <a:pPr algn="ctr"/>
+            <a:r>
+              <a:rPr lang="en-US" sz="2800" dirty="0">
+                <a:solidFill>
+                  <a:schemeClr val="accent6">
+                    <a:lumMod val="75000"/>
+                  </a:schemeClr>
+                </a:solidFill>
+              </a:rPr>
+              <a:t>Data Structures Interfaces</a:t>
+            </a:r>
+          </a:p>
+        </p:txBody>
+      </p:sp>
+      <p:grpSp>
+        <p:nvGrpSpPr>
+          <p:cNvPr id="5" name="Group 4">
+            <a:extLst>
+              <a:ext uri="{FF2B5EF4-FFF2-40B4-BE49-F238E27FC236}">
+                <a16:creationId xmlns:a16="http://schemas.microsoft.com/office/drawing/2014/main" id="{641531E4-FE8C-45AE-9017-3B66EAFC5CE4}"/>
+              </a:ext>
+            </a:extLst>
+          </p:cNvPr>
+          <p:cNvGrpSpPr/>
+          <p:nvPr/>
+        </p:nvGrpSpPr>
+        <p:grpSpPr>
+          <a:xfrm>
+            <a:off x="3766877" y="629685"/>
+            <a:ext cx="4498072" cy="297874"/>
+            <a:chOff x="3971469" y="624781"/>
+            <a:chExt cx="4498072" cy="297874"/>
+          </a:xfrm>
+        </p:grpSpPr>
+        <p:cxnSp>
+          <p:nvCxnSpPr>
+            <p:cNvPr id="6" name="Straight Connector 5">
+              <a:extLst>
+                <a:ext uri="{FF2B5EF4-FFF2-40B4-BE49-F238E27FC236}">
+                  <a16:creationId xmlns:a16="http://schemas.microsoft.com/office/drawing/2014/main" id="{338CA44F-27CC-464D-BA22-5F054A922100}"/>
+                </a:ext>
+              </a:extLst>
+            </p:cNvPr>
+            <p:cNvCxnSpPr/>
+            <p:nvPr/>
+          </p:nvCxnSpPr>
+          <p:spPr>
+            <a:xfrm>
+              <a:off x="5170031" y="773442"/>
+              <a:ext cx="2057400" cy="0"/>
+            </a:xfrm>
+            <a:prstGeom prst="line">
+              <a:avLst/>
+            </a:prstGeom>
+            <a:ln cap="rnd"/>
+          </p:spPr>
+          <p:style>
+            <a:lnRef idx="3">
+              <a:schemeClr val="accent6"/>
+            </a:lnRef>
+            <a:fillRef idx="0">
+              <a:schemeClr val="accent6"/>
+            </a:fillRef>
+            <a:effectRef idx="2">
+              <a:schemeClr val="accent6"/>
+            </a:effectRef>
+            <a:fontRef idx="minor">
+              <a:schemeClr val="tx1"/>
+            </a:fontRef>
+          </p:style>
+        </p:cxnSp>
+        <p:cxnSp>
+          <p:nvCxnSpPr>
+            <p:cNvPr id="7" name="Straight Connector 6">
+              <a:extLst>
+                <a:ext uri="{FF2B5EF4-FFF2-40B4-BE49-F238E27FC236}">
+                  <a16:creationId xmlns:a16="http://schemas.microsoft.com/office/drawing/2014/main" id="{6E1BF47F-ABBD-44CC-859C-68C4A2FF055E}"/>
+                </a:ext>
+              </a:extLst>
+            </p:cNvPr>
+            <p:cNvCxnSpPr>
+              <a:cxnSpLocks/>
+            </p:cNvCxnSpPr>
+            <p:nvPr/>
+          </p:nvCxnSpPr>
+          <p:spPr>
+            <a:xfrm>
+              <a:off x="7349270" y="697242"/>
+              <a:ext cx="1027511" cy="0"/>
+            </a:xfrm>
+            <a:prstGeom prst="line">
+              <a:avLst/>
+            </a:prstGeom>
+            <a:ln cap="rnd"/>
+          </p:spPr>
+          <p:style>
+            <a:lnRef idx="3">
+              <a:schemeClr val="accent6"/>
+            </a:lnRef>
+            <a:fillRef idx="0">
+              <a:schemeClr val="accent6"/>
+            </a:fillRef>
+            <a:effectRef idx="2">
+              <a:schemeClr val="accent6"/>
+            </a:effectRef>
+            <a:fontRef idx="minor">
+              <a:schemeClr val="tx1"/>
+            </a:fontRef>
+          </p:style>
+        </p:cxnSp>
+        <p:cxnSp>
+          <p:nvCxnSpPr>
+            <p:cNvPr id="8" name="Straight Connector 7">
+              <a:extLst>
+                <a:ext uri="{FF2B5EF4-FFF2-40B4-BE49-F238E27FC236}">
+                  <a16:creationId xmlns:a16="http://schemas.microsoft.com/office/drawing/2014/main" id="{42732836-136C-411D-8424-BB65356AAA21}"/>
+                </a:ext>
+              </a:extLst>
+            </p:cNvPr>
+            <p:cNvCxnSpPr>
+              <a:cxnSpLocks/>
+            </p:cNvCxnSpPr>
+            <p:nvPr/>
+          </p:nvCxnSpPr>
+          <p:spPr>
+            <a:xfrm flipV="1">
+              <a:off x="7227431" y="697242"/>
+              <a:ext cx="121839" cy="76200"/>
+            </a:xfrm>
+            <a:prstGeom prst="line">
+              <a:avLst/>
+            </a:prstGeom>
+            <a:ln cap="rnd"/>
+          </p:spPr>
+          <p:style>
+            <a:lnRef idx="3">
+              <a:schemeClr val="accent6"/>
+            </a:lnRef>
+            <a:fillRef idx="0">
+              <a:schemeClr val="accent6"/>
+            </a:fillRef>
+            <a:effectRef idx="2">
+              <a:schemeClr val="accent6"/>
+            </a:effectRef>
+            <a:fontRef idx="minor">
+              <a:schemeClr val="tx1"/>
+            </a:fontRef>
+          </p:style>
+        </p:cxnSp>
+        <p:cxnSp>
+          <p:nvCxnSpPr>
+            <p:cNvPr id="9" name="Straight Connector 8">
+              <a:extLst>
+                <a:ext uri="{FF2B5EF4-FFF2-40B4-BE49-F238E27FC236}">
+                  <a16:creationId xmlns:a16="http://schemas.microsoft.com/office/drawing/2014/main" id="{CDDDCFF8-716C-4D7E-919C-429C1E219EF7}"/>
+                </a:ext>
+              </a:extLst>
+            </p:cNvPr>
+            <p:cNvCxnSpPr>
+              <a:cxnSpLocks/>
+            </p:cNvCxnSpPr>
+            <p:nvPr/>
+          </p:nvCxnSpPr>
+          <p:spPr>
+            <a:xfrm flipV="1">
+              <a:off x="5048192" y="773442"/>
+              <a:ext cx="121839" cy="76200"/>
+            </a:xfrm>
+            <a:prstGeom prst="line">
+              <a:avLst/>
+            </a:prstGeom>
+            <a:ln cap="rnd"/>
+          </p:spPr>
+          <p:style>
+            <a:lnRef idx="3">
+              <a:schemeClr val="accent6"/>
+            </a:lnRef>
+            <a:fillRef idx="0">
+              <a:schemeClr val="accent6"/>
+            </a:fillRef>
+            <a:effectRef idx="2">
+              <a:schemeClr val="accent6"/>
+            </a:effectRef>
+            <a:fontRef idx="minor">
+              <a:schemeClr val="tx1"/>
+            </a:fontRef>
+          </p:style>
+        </p:cxnSp>
+        <p:cxnSp>
+          <p:nvCxnSpPr>
+            <p:cNvPr id="10" name="Straight Connector 9">
+              <a:extLst>
+                <a:ext uri="{FF2B5EF4-FFF2-40B4-BE49-F238E27FC236}">
+                  <a16:creationId xmlns:a16="http://schemas.microsoft.com/office/drawing/2014/main" id="{CE9F7B30-AC9D-4ED8-B64A-3232C6F947A3}"/>
+                </a:ext>
+              </a:extLst>
+            </p:cNvPr>
+            <p:cNvCxnSpPr>
+              <a:cxnSpLocks/>
+            </p:cNvCxnSpPr>
+            <p:nvPr/>
+          </p:nvCxnSpPr>
+          <p:spPr>
+            <a:xfrm flipV="1">
+              <a:off x="4021655" y="849642"/>
+              <a:ext cx="1026537" cy="11668"/>
+            </a:xfrm>
+            <a:prstGeom prst="line">
+              <a:avLst/>
+            </a:prstGeom>
+            <a:ln cap="rnd"/>
+          </p:spPr>
+          <p:style>
+            <a:lnRef idx="3">
+              <a:schemeClr val="accent6"/>
+            </a:lnRef>
+            <a:fillRef idx="0">
+              <a:schemeClr val="accent6"/>
+            </a:fillRef>
+            <a:effectRef idx="2">
+              <a:schemeClr val="accent6"/>
+            </a:effectRef>
+            <a:fontRef idx="minor">
+              <a:schemeClr val="tx1"/>
+            </a:fontRef>
+          </p:style>
+        </p:cxnSp>
+        <p:sp>
+          <p:nvSpPr>
+            <p:cNvPr id="11" name="Oval 10">
+              <a:extLst>
+                <a:ext uri="{FF2B5EF4-FFF2-40B4-BE49-F238E27FC236}">
+                  <a16:creationId xmlns:a16="http://schemas.microsoft.com/office/drawing/2014/main" id="{91EA9F6F-2783-4505-911F-9223BD9B3741}"/>
+                </a:ext>
+              </a:extLst>
+            </p:cNvPr>
+            <p:cNvSpPr/>
+            <p:nvPr/>
+          </p:nvSpPr>
+          <p:spPr>
+            <a:xfrm>
+              <a:off x="3971469" y="789305"/>
+              <a:ext cx="133350" cy="133350"/>
+            </a:xfrm>
+            <a:prstGeom prst="ellipse">
+              <a:avLst/>
+            </a:prstGeom>
+          </p:spPr>
+          <p:style>
+            <a:lnRef idx="2">
+              <a:schemeClr val="accent6"/>
+            </a:lnRef>
+            <a:fillRef idx="1">
+              <a:schemeClr val="lt1"/>
+            </a:fillRef>
+            <a:effectRef idx="0">
+              <a:schemeClr val="accent6"/>
+            </a:effectRef>
+            <a:fontRef idx="minor">
+              <a:schemeClr val="dk1"/>
+            </a:fontRef>
+          </p:style>
+          <p:txBody>
+            <a:bodyPr rtlCol="0" anchor="ctr"/>
+            <a:lstStyle/>
+            <a:p>
+              <a:pPr algn="ctr"/>
+              <a:endParaRPr lang="en-US" i="1" dirty="0"/>
+            </a:p>
+          </p:txBody>
+        </p:sp>
+        <p:sp>
+          <p:nvSpPr>
+            <p:cNvPr id="12" name="Oval 11">
+              <a:extLst>
+                <a:ext uri="{FF2B5EF4-FFF2-40B4-BE49-F238E27FC236}">
+                  <a16:creationId xmlns:a16="http://schemas.microsoft.com/office/drawing/2014/main" id="{49E9B83A-2D38-46DE-BEF2-C87567D97D8B}"/>
+                </a:ext>
+              </a:extLst>
+            </p:cNvPr>
+            <p:cNvSpPr/>
+            <p:nvPr/>
+          </p:nvSpPr>
+          <p:spPr>
+            <a:xfrm>
+              <a:off x="8336191" y="624781"/>
+              <a:ext cx="133350" cy="133350"/>
+            </a:xfrm>
+            <a:prstGeom prst="ellipse">
+              <a:avLst/>
+            </a:prstGeom>
+          </p:spPr>
+          <p:style>
+            <a:lnRef idx="2">
+              <a:schemeClr val="accent6"/>
+            </a:lnRef>
+            <a:fillRef idx="1">
+              <a:schemeClr val="lt1"/>
+            </a:fillRef>
+            <a:effectRef idx="0">
+              <a:schemeClr val="accent6"/>
+            </a:effectRef>
+            <a:fontRef idx="minor">
+              <a:schemeClr val="dk1"/>
+            </a:fontRef>
+          </p:style>
+          <p:txBody>
+            <a:bodyPr rtlCol="0" anchor="ctr"/>
+            <a:lstStyle/>
+            <a:p>
+              <a:pPr algn="ctr"/>
+              <a:endParaRPr lang="en-US" i="1" dirty="0"/>
+            </a:p>
+          </p:txBody>
+        </p:sp>
+      </p:grpSp>
+      <p:pic>
+        <p:nvPicPr>
+          <p:cNvPr id="14" name="Picture 13" descr="A group of giraffe standing on top of a sandy beach&#10;&#10;Description automatically generated">
+            <a:extLst>
+              <a:ext uri="{FF2B5EF4-FFF2-40B4-BE49-F238E27FC236}">
+                <a16:creationId xmlns:a16="http://schemas.microsoft.com/office/drawing/2014/main" id="{D7BD6F64-CBA2-4909-B915-8E9F5B95284E}"/>
+              </a:ext>
+            </a:extLst>
+          </p:cNvPr>
+          <p:cNvPicPr>
+            <a:picLocks noChangeAspect="1"/>
+          </p:cNvPicPr>
+          <p:nvPr/>
+        </p:nvPicPr>
+        <p:blipFill rotWithShape="1">
+          <a:blip r:embed="rId2">
+            <a:extLst>
+              <a:ext uri="{28A0092B-C50C-407E-A947-70E740481C1C}">
+                <a14:useLocalDpi xmlns:a14="http://schemas.microsoft.com/office/drawing/2010/main" val="0"/>
+              </a:ext>
+            </a:extLst>
+          </a:blip>
+          <a:srcRect l="10628" t="44044" r="51632" b="28023"/>
+          <a:stretch/>
+        </p:blipFill>
+        <p:spPr>
+          <a:xfrm>
+            <a:off x="705221" y="3774448"/>
+            <a:ext cx="4732017" cy="2334944"/>
+          </a:xfrm>
+          <a:prstGeom prst="rect">
+            <a:avLst/>
+          </a:prstGeom>
+        </p:spPr>
+      </p:pic>
+      <p:cxnSp>
+        <p:nvCxnSpPr>
+          <p:cNvPr id="15" name="Straight Connector 14">
+            <a:extLst>
+              <a:ext uri="{FF2B5EF4-FFF2-40B4-BE49-F238E27FC236}">
+                <a16:creationId xmlns:a16="http://schemas.microsoft.com/office/drawing/2014/main" id="{D98B12BA-B872-4F24-92CC-B51F7388A3BA}"/>
+              </a:ext>
+            </a:extLst>
+          </p:cNvPr>
+          <p:cNvCxnSpPr/>
+          <p:nvPr/>
+        </p:nvCxnSpPr>
+        <p:spPr>
+          <a:xfrm>
+            <a:off x="790945" y="1845691"/>
+            <a:ext cx="2057400" cy="0"/>
+          </a:xfrm>
+          <a:prstGeom prst="line">
+            <a:avLst/>
+          </a:prstGeom>
+          <a:ln cap="rnd"/>
+        </p:spPr>
+        <p:style>
+          <a:lnRef idx="3">
+            <a:schemeClr val="accent6"/>
+          </a:lnRef>
+          <a:fillRef idx="0">
+            <a:schemeClr val="accent6"/>
+          </a:fillRef>
+          <a:effectRef idx="2">
+            <a:schemeClr val="accent6"/>
+          </a:effectRef>
+          <a:fontRef idx="minor">
+            <a:schemeClr val="tx1"/>
+          </a:fontRef>
+        </p:style>
+      </p:cxnSp>
+      <p:sp>
+        <p:nvSpPr>
+          <p:cNvPr id="16" name="TextBox 15">
+            <a:extLst>
+              <a:ext uri="{FF2B5EF4-FFF2-40B4-BE49-F238E27FC236}">
+                <a16:creationId xmlns:a16="http://schemas.microsoft.com/office/drawing/2014/main" id="{63D321A6-9B85-4487-B52E-8A329932D544}"/>
+              </a:ext>
+            </a:extLst>
+          </p:cNvPr>
+          <p:cNvSpPr txBox="1"/>
+          <p:nvPr/>
+        </p:nvSpPr>
+        <p:spPr>
+          <a:xfrm>
+            <a:off x="705221" y="1476359"/>
+            <a:ext cx="1920077" cy="369332"/>
+          </a:xfrm>
+          <a:prstGeom prst="rect">
+            <a:avLst/>
+          </a:prstGeom>
+          <a:noFill/>
+        </p:spPr>
+        <p:txBody>
+          <a:bodyPr wrap="none" rtlCol="0">
+            <a:spAutoFit/>
+          </a:bodyPr>
+          <a:lstStyle/>
+          <a:p>
+            <a:r>
+              <a:rPr lang="en-US" dirty="0">
+                <a:solidFill>
+                  <a:schemeClr val="accent6">
+                    <a:lumMod val="75000"/>
+                  </a:schemeClr>
+                </a:solidFill>
+              </a:rPr>
+              <a:t>Fast/Slim and Trim</a:t>
+            </a:r>
+          </a:p>
+        </p:txBody>
+      </p:sp>
+      <p:sp>
+        <p:nvSpPr>
+          <p:cNvPr id="18" name="Oval 17">
+            <a:extLst>
+              <a:ext uri="{FF2B5EF4-FFF2-40B4-BE49-F238E27FC236}">
+                <a16:creationId xmlns:a16="http://schemas.microsoft.com/office/drawing/2014/main" id="{557A3591-ECD1-4C40-A147-73DD12DDF771}"/>
+              </a:ext>
+            </a:extLst>
+          </p:cNvPr>
+          <p:cNvSpPr/>
+          <p:nvPr/>
+        </p:nvSpPr>
+        <p:spPr>
+          <a:xfrm>
+            <a:off x="2800719" y="1779016"/>
+            <a:ext cx="133350" cy="133350"/>
+          </a:xfrm>
+          <a:prstGeom prst="ellipse">
+            <a:avLst/>
+          </a:prstGeom>
+        </p:spPr>
+        <p:style>
+          <a:lnRef idx="2">
+            <a:schemeClr val="accent6"/>
+          </a:lnRef>
+          <a:fillRef idx="1">
+            <a:schemeClr val="lt1"/>
+          </a:fillRef>
+          <a:effectRef idx="0">
+            <a:schemeClr val="accent6"/>
+          </a:effectRef>
+          <a:fontRef idx="minor">
+            <a:schemeClr val="dk1"/>
+          </a:fontRef>
+        </p:style>
+        <p:txBody>
+          <a:bodyPr rtlCol="0" anchor="ctr"/>
+          <a:lstStyle/>
+          <a:p>
+            <a:pPr algn="ctr"/>
+            <a:endParaRPr lang="en-US" dirty="0"/>
+          </a:p>
+        </p:txBody>
+      </p:sp>
+      <p:pic>
+        <p:nvPicPr>
+          <p:cNvPr id="20" name="Picture 19" descr="A picture containing card, screenshot&#10;&#10;Description automatically generated">
+            <a:extLst>
+              <a:ext uri="{FF2B5EF4-FFF2-40B4-BE49-F238E27FC236}">
+                <a16:creationId xmlns:a16="http://schemas.microsoft.com/office/drawing/2014/main" id="{B30BC1C5-84BC-42F2-9A07-A86920E8B582}"/>
+              </a:ext>
+            </a:extLst>
+          </p:cNvPr>
+          <p:cNvPicPr>
+            <a:picLocks noChangeAspect="1"/>
+          </p:cNvPicPr>
+          <p:nvPr/>
+        </p:nvPicPr>
+        <p:blipFill rotWithShape="1">
+          <a:blip r:embed="rId3">
+            <a:extLst>
+              <a:ext uri="{28A0092B-C50C-407E-A947-70E740481C1C}">
+                <a14:useLocalDpi xmlns:a14="http://schemas.microsoft.com/office/drawing/2010/main" val="0"/>
+              </a:ext>
+            </a:extLst>
+          </a:blip>
+          <a:srcRect t="2781" b="1736"/>
+          <a:stretch/>
+        </p:blipFill>
+        <p:spPr>
+          <a:xfrm>
+            <a:off x="7303283" y="3774447"/>
+            <a:ext cx="4154131" cy="2334944"/>
+          </a:xfrm>
+          <a:prstGeom prst="rect">
+            <a:avLst/>
+          </a:prstGeom>
+        </p:spPr>
+      </p:pic>
+      <p:cxnSp>
+        <p:nvCxnSpPr>
+          <p:cNvPr id="21" name="Straight Connector 20">
+            <a:extLst>
+              <a:ext uri="{FF2B5EF4-FFF2-40B4-BE49-F238E27FC236}">
+                <a16:creationId xmlns:a16="http://schemas.microsoft.com/office/drawing/2014/main" id="{608B456D-9717-42AD-A9FE-D382F886474F}"/>
+              </a:ext>
+            </a:extLst>
+          </p:cNvPr>
+          <p:cNvCxnSpPr/>
+          <p:nvPr/>
+        </p:nvCxnSpPr>
+        <p:spPr>
+          <a:xfrm>
+            <a:off x="9135160" y="1845691"/>
+            <a:ext cx="2057400" cy="0"/>
+          </a:xfrm>
+          <a:prstGeom prst="line">
+            <a:avLst/>
+          </a:prstGeom>
+          <a:ln cap="rnd"/>
+        </p:spPr>
+        <p:style>
+          <a:lnRef idx="3">
+            <a:schemeClr val="accent6"/>
+          </a:lnRef>
+          <a:fillRef idx="0">
+            <a:schemeClr val="accent6"/>
+          </a:fillRef>
+          <a:effectRef idx="2">
+            <a:schemeClr val="accent6"/>
+          </a:effectRef>
+          <a:fontRef idx="minor">
+            <a:schemeClr val="tx1"/>
+          </a:fontRef>
+        </p:style>
+      </p:cxnSp>
+      <p:sp>
+        <p:nvSpPr>
+          <p:cNvPr id="22" name="TextBox 21">
+            <a:extLst>
+              <a:ext uri="{FF2B5EF4-FFF2-40B4-BE49-F238E27FC236}">
+                <a16:creationId xmlns:a16="http://schemas.microsoft.com/office/drawing/2014/main" id="{6B83DEC3-7DB2-432D-890F-EB4FEED7FC65}"/>
+              </a:ext>
+            </a:extLst>
+          </p:cNvPr>
+          <p:cNvSpPr txBox="1"/>
+          <p:nvPr/>
+        </p:nvSpPr>
+        <p:spPr>
+          <a:xfrm>
+            <a:off x="9049436" y="1476359"/>
+            <a:ext cx="2143124" cy="369332"/>
+          </a:xfrm>
+          <a:prstGeom prst="rect">
+            <a:avLst/>
+          </a:prstGeom>
+          <a:noFill/>
+        </p:spPr>
+        <p:txBody>
+          <a:bodyPr wrap="square" rtlCol="0">
+            <a:spAutoFit/>
+          </a:bodyPr>
+          <a:lstStyle/>
+          <a:p>
+            <a:pPr algn="r"/>
+            <a:r>
+              <a:rPr lang="en-US" dirty="0">
+                <a:solidFill>
+                  <a:schemeClr val="accent6">
+                    <a:lumMod val="75000"/>
+                  </a:schemeClr>
+                </a:solidFill>
+              </a:rPr>
+              <a:t>Non-Linear</a:t>
+            </a:r>
+          </a:p>
+        </p:txBody>
+      </p:sp>
+      <p:sp>
+        <p:nvSpPr>
+          <p:cNvPr id="23" name="Oval 22">
+            <a:extLst>
+              <a:ext uri="{FF2B5EF4-FFF2-40B4-BE49-F238E27FC236}">
+                <a16:creationId xmlns:a16="http://schemas.microsoft.com/office/drawing/2014/main" id="{E8FD60A4-61BC-4266-AEAF-108B463011B3}"/>
+              </a:ext>
+            </a:extLst>
+          </p:cNvPr>
+          <p:cNvSpPr/>
+          <p:nvPr/>
+        </p:nvSpPr>
+        <p:spPr>
+          <a:xfrm>
+            <a:off x="9001810" y="1779016"/>
+            <a:ext cx="133350" cy="133350"/>
+          </a:xfrm>
+          <a:prstGeom prst="ellipse">
+            <a:avLst/>
+          </a:prstGeom>
+        </p:spPr>
+        <p:style>
+          <a:lnRef idx="2">
+            <a:schemeClr val="accent6"/>
+          </a:lnRef>
+          <a:fillRef idx="1">
+            <a:schemeClr val="lt1"/>
+          </a:fillRef>
+          <a:effectRef idx="0">
+            <a:schemeClr val="accent6"/>
+          </a:effectRef>
+          <a:fontRef idx="minor">
+            <a:schemeClr val="dk1"/>
+          </a:fontRef>
+        </p:style>
+        <p:txBody>
+          <a:bodyPr rtlCol="0" anchor="ctr"/>
+          <a:lstStyle/>
+          <a:p>
+            <a:pPr algn="ctr"/>
+            <a:endParaRPr lang="en-US" dirty="0"/>
+          </a:p>
+        </p:txBody>
+      </p:sp>
+      <p:grpSp>
+        <p:nvGrpSpPr>
+          <p:cNvPr id="36" name="Group 35">
+            <a:extLst>
+              <a:ext uri="{FF2B5EF4-FFF2-40B4-BE49-F238E27FC236}">
+                <a16:creationId xmlns:a16="http://schemas.microsoft.com/office/drawing/2014/main" id="{595D2AE0-7C7D-4D30-9884-B474F11F9596}"/>
+              </a:ext>
+            </a:extLst>
+          </p:cNvPr>
+          <p:cNvGrpSpPr/>
+          <p:nvPr/>
+        </p:nvGrpSpPr>
+        <p:grpSpPr>
+          <a:xfrm>
+            <a:off x="634286" y="1912366"/>
+            <a:ext cx="6839878" cy="2031325"/>
+            <a:chOff x="304800" y="3306453"/>
+            <a:chExt cx="6839878" cy="2031325"/>
+          </a:xfrm>
+        </p:grpSpPr>
+        <p:sp>
+          <p:nvSpPr>
+            <p:cNvPr id="25" name="TextBox 24">
+              <a:extLst>
+                <a:ext uri="{FF2B5EF4-FFF2-40B4-BE49-F238E27FC236}">
+                  <a16:creationId xmlns:a16="http://schemas.microsoft.com/office/drawing/2014/main" id="{AF6D3B88-3203-4858-B6E3-30981A877194}"/>
+                </a:ext>
+              </a:extLst>
+            </p:cNvPr>
+            <p:cNvSpPr txBox="1"/>
+            <p:nvPr/>
+          </p:nvSpPr>
+          <p:spPr>
+            <a:xfrm>
+              <a:off x="1048048" y="3306453"/>
+              <a:ext cx="6096630" cy="2031325"/>
+            </a:xfrm>
+            <a:prstGeom prst="rect">
+              <a:avLst/>
+            </a:prstGeom>
+            <a:noFill/>
+          </p:spPr>
+          <p:txBody>
+            <a:bodyPr wrap="square">
+              <a:spAutoFit/>
+            </a:bodyPr>
+            <a:lstStyle/>
+            <a:p>
+              <a:r>
+                <a:rPr lang="en-US" b="0" dirty="0">
+                  <a:solidFill>
+                    <a:srgbClr val="000000"/>
+                  </a:solidFill>
+                  <a:effectLst/>
+                  <a:latin typeface="Consolas" panose="020B0609020204030204" pitchFamily="49" charset="0"/>
+                </a:rPr>
+                <a:t>user code</a:t>
+              </a:r>
+            </a:p>
+            <a:p>
+              <a:r>
+                <a:rPr lang="en-US" b="0" dirty="0">
+                  <a:solidFill>
+                    <a:srgbClr val="000000"/>
+                  </a:solidFill>
+                  <a:effectLst/>
+                  <a:latin typeface="Consolas" panose="020B0609020204030204" pitchFamily="49" charset="0"/>
+                </a:rPr>
+                <a:t> linear interface </a:t>
+              </a:r>
+              <a:r>
+                <a:rPr lang="en-US" b="0" dirty="0">
+                  <a:solidFill>
+                    <a:srgbClr val="008000"/>
+                  </a:solidFill>
+                  <a:effectLst/>
+                  <a:latin typeface="Consolas" panose="020B0609020204030204" pitchFamily="49" charset="0"/>
+                </a:rPr>
+                <a:t>/* probably */</a:t>
+              </a:r>
+              <a:endParaRPr lang="en-US" b="0" dirty="0">
+                <a:solidFill>
+                  <a:srgbClr val="000000"/>
+                </a:solidFill>
+                <a:effectLst/>
+                <a:latin typeface="Consolas" panose="020B0609020204030204" pitchFamily="49" charset="0"/>
+              </a:endParaRPr>
+            </a:p>
+            <a:p>
+              <a:r>
+                <a:rPr lang="en-US" b="0" dirty="0">
+                  <a:solidFill>
+                    <a:srgbClr val="000000"/>
+                  </a:solidFill>
+                  <a:effectLst/>
+                  <a:latin typeface="Consolas" panose="020B0609020204030204" pitchFamily="49" charset="0"/>
+                </a:rPr>
+                <a:t>graph data structure</a:t>
+              </a:r>
+            </a:p>
+            <a:p>
+              <a:r>
+                <a:rPr lang="en-US" b="0" dirty="0">
+                  <a:solidFill>
+                    <a:srgbClr val="008000"/>
+                  </a:solidFill>
+                  <a:effectLst/>
+                  <a:latin typeface="Consolas" panose="020B0609020204030204" pitchFamily="49" charset="0"/>
+                </a:rPr>
+                <a:t>/* For example, </a:t>
+              </a:r>
+            </a:p>
+            <a:p>
+              <a:r>
+                <a:rPr lang="en-US" b="0" dirty="0">
+                  <a:solidFill>
+                    <a:srgbClr val="008000"/>
+                  </a:solidFill>
+                  <a:effectLst/>
+                  <a:latin typeface="Consolas" panose="020B0609020204030204" pitchFamily="49" charset="0"/>
+                </a:rPr>
+                <a:t>self-balancing binary tree*/</a:t>
+              </a:r>
+              <a:endParaRPr lang="en-US" b="0" dirty="0">
+                <a:solidFill>
+                  <a:srgbClr val="000000"/>
+                </a:solidFill>
+                <a:effectLst/>
+                <a:latin typeface="Consolas" panose="020B0609020204030204" pitchFamily="49" charset="0"/>
+              </a:endParaRPr>
+            </a:p>
+            <a:p>
+              <a:br>
+                <a:rPr lang="en-US" b="0" dirty="0">
+                  <a:solidFill>
+                    <a:srgbClr val="000000"/>
+                  </a:solidFill>
+                  <a:effectLst/>
+                  <a:latin typeface="Consolas" panose="020B0609020204030204" pitchFamily="49" charset="0"/>
+                </a:rPr>
+              </a:br>
+              <a:endParaRPr lang="en-US" b="0" dirty="0">
+                <a:solidFill>
+                  <a:srgbClr val="000000"/>
+                </a:solidFill>
+                <a:effectLst/>
+                <a:latin typeface="Consolas" panose="020B0609020204030204" pitchFamily="49" charset="0"/>
+              </a:endParaRPr>
+            </a:p>
+          </p:txBody>
+        </p:sp>
+        <p:grpSp>
+          <p:nvGrpSpPr>
+            <p:cNvPr id="35" name="Group 34">
+              <a:extLst>
+                <a:ext uri="{FF2B5EF4-FFF2-40B4-BE49-F238E27FC236}">
+                  <a16:creationId xmlns:a16="http://schemas.microsoft.com/office/drawing/2014/main" id="{4CC9FC63-4A70-4CC9-BCB8-89759A1429D2}"/>
+                </a:ext>
+              </a:extLst>
+            </p:cNvPr>
+            <p:cNvGrpSpPr/>
+            <p:nvPr/>
+          </p:nvGrpSpPr>
+          <p:grpSpPr>
+            <a:xfrm>
+              <a:off x="304800" y="3464560"/>
+              <a:ext cx="785386" cy="1203960"/>
+              <a:chOff x="304800" y="3464560"/>
+              <a:chExt cx="785386" cy="1203960"/>
+            </a:xfrm>
+          </p:grpSpPr>
+          <p:sp>
+            <p:nvSpPr>
+              <p:cNvPr id="28" name="Arrow: Down 27">
+                <a:extLst>
+                  <a:ext uri="{FF2B5EF4-FFF2-40B4-BE49-F238E27FC236}">
+                    <a16:creationId xmlns:a16="http://schemas.microsoft.com/office/drawing/2014/main" id="{D3E4D80F-FABA-4A01-A840-0DB3BBA05284}"/>
+                  </a:ext>
+                </a:extLst>
+              </p:cNvPr>
+              <p:cNvSpPr/>
+              <p:nvPr/>
+            </p:nvSpPr>
+            <p:spPr>
+              <a:xfrm>
+                <a:off x="304800" y="3464560"/>
+                <a:ext cx="413762" cy="1203960"/>
+              </a:xfrm>
+              <a:prstGeom prst="downArrow">
+                <a:avLst/>
+              </a:prstGeom>
+              <a:solidFill>
+                <a:schemeClr val="accent6">
+                  <a:lumMod val="50000"/>
+                </a:schemeClr>
+              </a:solidFill>
+            </p:spPr>
+            <p:style>
+              <a:lnRef idx="2">
+                <a:schemeClr val="accent6"/>
+              </a:lnRef>
+              <a:fillRef idx="1">
+                <a:schemeClr val="lt1"/>
+              </a:fillRef>
+              <a:effectRef idx="0">
+                <a:schemeClr val="accent6"/>
+              </a:effectRef>
+              <a:fontRef idx="minor">
+                <a:schemeClr val="dk1"/>
+              </a:fontRef>
+            </p:style>
+            <p:txBody>
+              <a:bodyPr rtlCol="0" anchor="ctr"/>
+              <a:lstStyle/>
+              <a:p>
+                <a:pPr algn="ctr"/>
+                <a:endParaRPr lang="en-US"/>
+              </a:p>
+            </p:txBody>
+          </p:sp>
+          <p:sp>
+            <p:nvSpPr>
+              <p:cNvPr id="30" name="Arrow: Down 29">
+                <a:extLst>
+                  <a:ext uri="{FF2B5EF4-FFF2-40B4-BE49-F238E27FC236}">
+                    <a16:creationId xmlns:a16="http://schemas.microsoft.com/office/drawing/2014/main" id="{E63B202A-41A0-4FB7-A9FA-D3CAD42BEB13}"/>
+                  </a:ext>
+                </a:extLst>
+              </p:cNvPr>
+              <p:cNvSpPr/>
+              <p:nvPr/>
+            </p:nvSpPr>
+            <p:spPr>
+              <a:xfrm rot="10800000">
+                <a:off x="676424" y="3464560"/>
+                <a:ext cx="413762" cy="1203960"/>
+              </a:xfrm>
+              <a:prstGeom prst="downArrow">
+                <a:avLst/>
+              </a:prstGeom>
+              <a:solidFill>
+                <a:schemeClr val="accent6">
+                  <a:lumMod val="50000"/>
+                </a:schemeClr>
+              </a:solidFill>
+            </p:spPr>
+            <p:style>
+              <a:lnRef idx="2">
+                <a:schemeClr val="accent6"/>
+              </a:lnRef>
+              <a:fillRef idx="1">
+                <a:schemeClr val="lt1"/>
+              </a:fillRef>
+              <a:effectRef idx="0">
+                <a:schemeClr val="accent6"/>
+              </a:effectRef>
+              <a:fontRef idx="minor">
+                <a:schemeClr val="dk1"/>
+              </a:fontRef>
+            </p:style>
+            <p:txBody>
+              <a:bodyPr rtlCol="0" anchor="ctr"/>
+              <a:lstStyle/>
+              <a:p>
+                <a:pPr algn="ctr"/>
+                <a:endParaRPr lang="en-US"/>
+              </a:p>
+            </p:txBody>
+          </p:sp>
+        </p:grpSp>
+      </p:grpSp>
+      <p:grpSp>
+        <p:nvGrpSpPr>
+          <p:cNvPr id="37" name="Group 36">
+            <a:extLst>
+              <a:ext uri="{FF2B5EF4-FFF2-40B4-BE49-F238E27FC236}">
+                <a16:creationId xmlns:a16="http://schemas.microsoft.com/office/drawing/2014/main" id="{B7216B79-137E-4795-A7C5-3074CB78BA24}"/>
+              </a:ext>
+            </a:extLst>
+          </p:cNvPr>
+          <p:cNvGrpSpPr/>
+          <p:nvPr/>
+        </p:nvGrpSpPr>
+        <p:grpSpPr>
+          <a:xfrm>
+            <a:off x="6407900" y="1978841"/>
+            <a:ext cx="4784660" cy="1477328"/>
+            <a:chOff x="7144678" y="3372928"/>
+            <a:chExt cx="4784660" cy="1477328"/>
+          </a:xfrm>
+        </p:grpSpPr>
+        <p:sp>
+          <p:nvSpPr>
+            <p:cNvPr id="27" name="TextBox 26">
+              <a:extLst>
+                <a:ext uri="{FF2B5EF4-FFF2-40B4-BE49-F238E27FC236}">
+                  <a16:creationId xmlns:a16="http://schemas.microsoft.com/office/drawing/2014/main" id="{B3A965B7-3A0C-43C7-B00A-47C1921EAFA9}"/>
+                </a:ext>
+              </a:extLst>
+            </p:cNvPr>
+            <p:cNvSpPr txBox="1"/>
+            <p:nvPr/>
+          </p:nvSpPr>
+          <p:spPr>
+            <a:xfrm>
+              <a:off x="7144678" y="3372928"/>
+              <a:ext cx="4047882" cy="1477328"/>
+            </a:xfrm>
+            <a:prstGeom prst="rect">
+              <a:avLst/>
+            </a:prstGeom>
+            <a:noFill/>
+          </p:spPr>
+          <p:txBody>
+            <a:bodyPr wrap="square">
+              <a:spAutoFit/>
+            </a:bodyPr>
+            <a:lstStyle/>
+            <a:p>
+              <a:pPr algn="r"/>
+              <a:r>
+                <a:rPr lang="en-US" b="0" dirty="0">
+                  <a:solidFill>
+                    <a:srgbClr val="000000"/>
+                  </a:solidFill>
+                  <a:effectLst/>
+                  <a:latin typeface="Consolas" panose="020B0609020204030204" pitchFamily="49" charset="0"/>
+                </a:rPr>
+                <a:t>user code</a:t>
+              </a:r>
+            </a:p>
+            <a:p>
+              <a:pPr algn="r"/>
+              <a:r>
+                <a:rPr lang="en-US" b="0" dirty="0">
+                  <a:solidFill>
+                    <a:srgbClr val="000000"/>
+                  </a:solidFill>
+                  <a:effectLst/>
+                  <a:latin typeface="Consolas" panose="020B0609020204030204" pitchFamily="49" charset="0"/>
+                </a:rPr>
+                <a:t>non-linear interface</a:t>
+              </a:r>
+            </a:p>
+            <a:p>
+              <a:pPr algn="r"/>
+              <a:r>
+                <a:rPr lang="en-US" b="0" dirty="0">
+                  <a:solidFill>
+                    <a:srgbClr val="000000"/>
+                  </a:solidFill>
+                  <a:effectLst/>
+                  <a:latin typeface="Consolas" panose="020B0609020204030204" pitchFamily="49" charset="0"/>
+                </a:rPr>
+                <a:t>graph data structure</a:t>
+              </a:r>
+            </a:p>
+            <a:p>
+              <a:pPr algn="r"/>
+              <a:r>
+                <a:rPr lang="en-US" b="0" dirty="0">
+                  <a:solidFill>
+                    <a:srgbClr val="008000"/>
+                  </a:solidFill>
+                  <a:effectLst/>
+                  <a:latin typeface="Consolas" panose="020B0609020204030204" pitchFamily="49" charset="0"/>
+                </a:rPr>
+                <a:t>/* For example, family tree</a:t>
+              </a:r>
+            </a:p>
+            <a:p>
+              <a:pPr algn="r"/>
+              <a:r>
+                <a:rPr lang="en-US" b="0" dirty="0">
+                  <a:solidFill>
+                    <a:srgbClr val="008000"/>
+                  </a:solidFill>
+                  <a:effectLst/>
+                  <a:latin typeface="Consolas" panose="020B0609020204030204" pitchFamily="49" charset="0"/>
+                </a:rPr>
+                <a:t>or adventure game */</a:t>
+              </a:r>
+              <a:endParaRPr lang="en-US" dirty="0"/>
+            </a:p>
+          </p:txBody>
+        </p:sp>
+        <p:sp>
+          <p:nvSpPr>
+            <p:cNvPr id="32" name="Arrow: Down 31">
+              <a:extLst>
+                <a:ext uri="{FF2B5EF4-FFF2-40B4-BE49-F238E27FC236}">
+                  <a16:creationId xmlns:a16="http://schemas.microsoft.com/office/drawing/2014/main" id="{AEA604C2-839D-41FD-98C4-3E353E6154B4}"/>
+                </a:ext>
+              </a:extLst>
+            </p:cNvPr>
+            <p:cNvSpPr/>
+            <p:nvPr/>
+          </p:nvSpPr>
+          <p:spPr>
+            <a:xfrm>
+              <a:off x="11143952" y="3464560"/>
+              <a:ext cx="413762" cy="1203960"/>
+            </a:xfrm>
+            <a:prstGeom prst="downArrow">
+              <a:avLst/>
+            </a:prstGeom>
+            <a:solidFill>
+              <a:schemeClr val="accent6">
+                <a:lumMod val="50000"/>
+              </a:schemeClr>
+            </a:solidFill>
+          </p:spPr>
+          <p:style>
+            <a:lnRef idx="2">
+              <a:schemeClr val="accent6"/>
+            </a:lnRef>
+            <a:fillRef idx="1">
+              <a:schemeClr val="lt1"/>
+            </a:fillRef>
+            <a:effectRef idx="0">
+              <a:schemeClr val="accent6"/>
+            </a:effectRef>
+            <a:fontRef idx="minor">
+              <a:schemeClr val="dk1"/>
+            </a:fontRef>
+          </p:style>
+          <p:txBody>
+            <a:bodyPr rtlCol="0" anchor="ctr"/>
+            <a:lstStyle/>
+            <a:p>
+              <a:pPr algn="ctr"/>
+              <a:endParaRPr lang="en-US"/>
+            </a:p>
+          </p:txBody>
+        </p:sp>
+        <p:sp>
+          <p:nvSpPr>
+            <p:cNvPr id="34" name="Arrow: Down 33">
+              <a:extLst>
+                <a:ext uri="{FF2B5EF4-FFF2-40B4-BE49-F238E27FC236}">
+                  <a16:creationId xmlns:a16="http://schemas.microsoft.com/office/drawing/2014/main" id="{1E5CCB05-7208-4470-8EA3-880D09B7F6A7}"/>
+                </a:ext>
+              </a:extLst>
+            </p:cNvPr>
+            <p:cNvSpPr/>
+            <p:nvPr/>
+          </p:nvSpPr>
+          <p:spPr>
+            <a:xfrm rot="10800000">
+              <a:off x="11515576" y="3464560"/>
+              <a:ext cx="413762" cy="1203960"/>
+            </a:xfrm>
+            <a:prstGeom prst="downArrow">
+              <a:avLst/>
+            </a:prstGeom>
+            <a:solidFill>
+              <a:schemeClr val="accent6">
+                <a:lumMod val="50000"/>
+              </a:schemeClr>
+            </a:solidFill>
+          </p:spPr>
+          <p:style>
+            <a:lnRef idx="2">
+              <a:schemeClr val="accent6"/>
+            </a:lnRef>
+            <a:fillRef idx="1">
+              <a:schemeClr val="lt1"/>
+            </a:fillRef>
+            <a:effectRef idx="0">
+              <a:schemeClr val="accent6"/>
+            </a:effectRef>
+            <a:fontRef idx="minor">
+              <a:schemeClr val="dk1"/>
+            </a:fontRef>
+          </p:style>
+          <p:txBody>
+            <a:bodyPr rtlCol="0" anchor="ctr"/>
+            <a:lstStyle/>
+            <a:p>
+              <a:pPr algn="ctr"/>
+              <a:endParaRPr lang="en-US"/>
+            </a:p>
+          </p:txBody>
+        </p:sp>
+      </p:grpSp>
+    </p:spTree>
+    <p:extLst>
+      <p:ext uri="{BB962C8B-B14F-4D97-AF65-F5344CB8AC3E}">
+        <p14:creationId xmlns:p14="http://schemas.microsoft.com/office/powerpoint/2010/main" val="1777055232"/>
+      </p:ext>
+    </p:extLst>
+  </p:cSld>
+  <p:clrMapOvr>
+    <a:masterClrMapping/>
+  </p:clrMapOvr>
+</p:sld>
+</file>
+
+<file path=ppt/slides/slide3.xml><?xml version="1.0" encoding="utf-8"?>
+<p:sld xmlns:a="http://schemas.openxmlformats.org/drawingml/2006/main" xmlns:r="http://schemas.openxmlformats.org/officeDocument/2006/relationships" xmlns:p="http://schemas.openxmlformats.org/presentationml/2006/main">
+  <p:cSld>
+    <p:spTree>
+      <p:nvGrpSpPr>
+        <p:cNvPr id="1" name=""/>
+        <p:cNvGrpSpPr/>
+        <p:nvPr/>
+      </p:nvGrpSpPr>
+      <p:grpSpPr>
+        <a:xfrm>
+          <a:off x="0" y="0"/>
+          <a:ext cx="0" cy="0"/>
+          <a:chOff x="0" y="0"/>
+          <a:chExt cx="0" cy="0"/>
+        </a:xfrm>
+      </p:grpSpPr>
+      <p:sp>
+        <p:nvSpPr>
           <p:cNvPr id="2" name="Rectangle 1" hidden="1">
             <a:extLst>
               <a:ext uri="{FF2B5EF4-FFF2-40B4-BE49-F238E27FC236}">
@@ -5604,7 +6779,7 @@
 </p:sld>
 </file>
 
-<file path=ppt/slides/slide3.xml><?xml version="1.0" encoding="utf-8"?>
+<file path=ppt/slides/slide4.xml><?xml version="1.0" encoding="utf-8"?>
 <p:sld xmlns:a="http://schemas.openxmlformats.org/drawingml/2006/main" xmlns:r="http://schemas.openxmlformats.org/officeDocument/2006/relationships" xmlns:p="http://schemas.openxmlformats.org/presentationml/2006/main">
   <p:cSld>
     <p:spTree>
@@ -7085,7 +8260,7 @@
 </p:sld>
 </file>
 
-<file path=ppt/slides/slide4.xml><?xml version="1.0" encoding="utf-8"?>
+<file path=ppt/slides/slide5.xml><?xml version="1.0" encoding="utf-8"?>
 <p:sld xmlns:a="http://schemas.openxmlformats.org/drawingml/2006/main" xmlns:r="http://schemas.openxmlformats.org/officeDocument/2006/relationships" xmlns:p="http://schemas.openxmlformats.org/presentationml/2006/main">
   <p:cSld>
     <p:spTree>
@@ -8599,7 +9774,7 @@
 </p:sld>
 </file>
 
-<file path=ppt/slides/slide5.xml><?xml version="1.0" encoding="utf-8"?>
+<file path=ppt/slides/slide6.xml><?xml version="1.0" encoding="utf-8"?>
 <p:sld xmlns:a="http://schemas.openxmlformats.org/drawingml/2006/main" xmlns:r="http://schemas.openxmlformats.org/officeDocument/2006/relationships" xmlns:p="http://schemas.openxmlformats.org/presentationml/2006/main">
   <p:cSld>
     <p:spTree>
@@ -10234,7 +11409,7 @@
 </p:sld>
 </file>
 
-<file path=ppt/slides/slide6.xml><?xml version="1.0" encoding="utf-8"?>
+<file path=ppt/slides/slide7.xml><?xml version="1.0" encoding="utf-8"?>
 <p:sld xmlns:a="http://schemas.openxmlformats.org/drawingml/2006/main" xmlns:r="http://schemas.openxmlformats.org/officeDocument/2006/relationships" xmlns:p="http://schemas.openxmlformats.org/presentationml/2006/main">
   <p:cSld>
     <p:spTree>
